--- a/Instructor-Led/Module3/Lessons/Module3_Lesson4 Developing Android Apps with Xamarin.pptx
+++ b/Instructor-Led/Module3/Lessons/Module3_Lesson4 Developing Android Apps with Xamarin.pptx
@@ -5,7 +5,7 @@
     <p:sldMasterId id="2147483665" r:id="rId1"/>
   </p:sldMasterIdLst>
   <p:notesMasterIdLst>
-    <p:notesMasterId r:id="rId33"/>
+    <p:notesMasterId r:id="rId34"/>
   </p:notesMasterIdLst>
   <p:sldIdLst>
     <p:sldId id="294" r:id="rId2"/>
@@ -23,22 +23,23 @@
     <p:sldId id="321" r:id="rId14"/>
     <p:sldId id="309" r:id="rId15"/>
     <p:sldId id="311" r:id="rId16"/>
-    <p:sldId id="324" r:id="rId17"/>
-    <p:sldId id="377" r:id="rId18"/>
-    <p:sldId id="358" r:id="rId19"/>
-    <p:sldId id="364" r:id="rId20"/>
-    <p:sldId id="333" r:id="rId21"/>
-    <p:sldId id="334" r:id="rId22"/>
-    <p:sldId id="376" r:id="rId23"/>
-    <p:sldId id="335" r:id="rId24"/>
-    <p:sldId id="365" r:id="rId25"/>
-    <p:sldId id="338" r:id="rId26"/>
-    <p:sldId id="366" r:id="rId27"/>
-    <p:sldId id="339" r:id="rId28"/>
-    <p:sldId id="356" r:id="rId29"/>
-    <p:sldId id="357" r:id="rId30"/>
-    <p:sldId id="378" r:id="rId31"/>
-    <p:sldId id="326" r:id="rId32"/>
+    <p:sldId id="379" r:id="rId17"/>
+    <p:sldId id="324" r:id="rId18"/>
+    <p:sldId id="377" r:id="rId19"/>
+    <p:sldId id="358" r:id="rId20"/>
+    <p:sldId id="364" r:id="rId21"/>
+    <p:sldId id="333" r:id="rId22"/>
+    <p:sldId id="334" r:id="rId23"/>
+    <p:sldId id="376" r:id="rId24"/>
+    <p:sldId id="335" r:id="rId25"/>
+    <p:sldId id="365" r:id="rId26"/>
+    <p:sldId id="338" r:id="rId27"/>
+    <p:sldId id="366" r:id="rId28"/>
+    <p:sldId id="378" r:id="rId29"/>
+    <p:sldId id="339" r:id="rId30"/>
+    <p:sldId id="356" r:id="rId31"/>
+    <p:sldId id="357" r:id="rId32"/>
+    <p:sldId id="326" r:id="rId33"/>
   </p:sldIdLst>
   <p:sldSz cx="12192000" cy="6858000"/>
   <p:notesSz cx="6858000" cy="9144000"/>
@@ -260,7 +261,7 @@
           <a:p>
             <a:fld id="{49B60EF2-7028-489F-85D8-FE86CD7CF2A0}" type="datetimeFigureOut">
               <a:rPr lang="en-US" smtClean="0"/>
-              <a:t>6/16/16</a:t>
+              <a:t>6/28/16</a:t>
             </a:fld>
             <a:endParaRPr lang="en-US"/>
           </a:p>
@@ -1538,177 +1539,7 @@
               <a:tabLst/>
               <a:defRPr/>
             </a:pPr>
-            <a:r>
-              <a:rPr lang="en-US" b="1" dirty="0"/>
-              <a:t>Notes:</a:t>
-            </a:r>
-          </a:p>
-          <a:p>
-            <a:pPr marL="171450" marR="0" lvl="0" indent="-171450" algn="l" defTabSz="914400" rtl="0" eaLnBrk="1" fontAlgn="auto" latinLnBrk="0" hangingPunct="1">
-              <a:lnSpc>
-                <a:spcPct val="100000"/>
-              </a:lnSpc>
-              <a:spcBef>
-                <a:spcPts val="0"/>
-              </a:spcBef>
-              <a:spcAft>
-                <a:spcPts val="0"/>
-              </a:spcAft>
-              <a:buClrTx/>
-              <a:buSzTx/>
-              <a:buFont typeface="Arial" panose="020B0604020202020204" pitchFamily="34" charset="0"/>
-              <a:buChar char="•"/>
-              <a:tabLst/>
-              <a:defRPr/>
-            </a:pPr>
-            <a:r>
-              <a:rPr lang="en-US" dirty="0"/>
-              <a:t>Drag and drop controls from the toolbox in the designer tab or write XML in the source tabs.</a:t>
-            </a:r>
-          </a:p>
-          <a:p>
-            <a:pPr marL="171450" marR="0" lvl="0" indent="-171450" algn="l" defTabSz="914400" rtl="0" eaLnBrk="1" fontAlgn="auto" latinLnBrk="0" hangingPunct="1">
-              <a:lnSpc>
-                <a:spcPct val="100000"/>
-              </a:lnSpc>
-              <a:spcBef>
-                <a:spcPts val="0"/>
-              </a:spcBef>
-              <a:spcAft>
-                <a:spcPts val="0"/>
-              </a:spcAft>
-              <a:buClrTx/>
-              <a:buSzTx/>
-              <a:buFont typeface="Arial" panose="020B0604020202020204" pitchFamily="34" charset="0"/>
-              <a:buChar char="•"/>
-              <a:tabLst/>
-              <a:defRPr/>
-            </a:pPr>
-            <a:r>
-              <a:rPr lang="en-US" dirty="0"/>
-              <a:t>Changes in one are reflected in the other automatically.</a:t>
-            </a:r>
-          </a:p>
-          <a:p>
-            <a:pPr marL="171450" marR="0" lvl="0" indent="-171450" algn="l" defTabSz="914400" rtl="0" eaLnBrk="1" fontAlgn="auto" latinLnBrk="0" hangingPunct="1">
-              <a:lnSpc>
-                <a:spcPct val="100000"/>
-              </a:lnSpc>
-              <a:spcBef>
-                <a:spcPts val="0"/>
-              </a:spcBef>
-              <a:spcAft>
-                <a:spcPts val="0"/>
-              </a:spcAft>
-              <a:buClrTx/>
-              <a:buSzTx/>
-              <a:buFont typeface="Arial" panose="020B0604020202020204" pitchFamily="34" charset="0"/>
-              <a:buChar char="•"/>
-              <a:tabLst/>
-              <a:defRPr/>
-            </a:pPr>
             <a:endParaRPr lang="en-US" dirty="0"/>
-          </a:p>
-          <a:p>
-            <a:pPr marL="171450" marR="0" lvl="0" indent="-171450" algn="l" defTabSz="914400" rtl="0" eaLnBrk="1" fontAlgn="auto" latinLnBrk="0" hangingPunct="1">
-              <a:lnSpc>
-                <a:spcPct val="100000"/>
-              </a:lnSpc>
-              <a:spcBef>
-                <a:spcPts val="0"/>
-              </a:spcBef>
-              <a:spcAft>
-                <a:spcPts val="0"/>
-              </a:spcAft>
-              <a:buClrTx/>
-              <a:buSzTx/>
-              <a:buFont typeface="Arial" panose="020B0604020202020204" pitchFamily="34" charset="0"/>
-              <a:buNone/>
-              <a:tabLst/>
-              <a:defRPr/>
-            </a:pPr>
-            <a:r>
-              <a:rPr lang="en-US" b="1" dirty="0"/>
-              <a:t>References:</a:t>
-            </a:r>
-          </a:p>
-          <a:p>
-            <a:pPr marL="171450" marR="0" lvl="0" indent="-171450" algn="l" defTabSz="914400" rtl="0" eaLnBrk="1" fontAlgn="auto" latinLnBrk="0" hangingPunct="1">
-              <a:lnSpc>
-                <a:spcPct val="100000"/>
-              </a:lnSpc>
-              <a:spcBef>
-                <a:spcPts val="0"/>
-              </a:spcBef>
-              <a:spcAft>
-                <a:spcPts val="0"/>
-              </a:spcAft>
-              <a:buClrTx/>
-              <a:buSzTx/>
-              <a:buFont typeface="Arial" panose="020B0604020202020204" pitchFamily="34" charset="0"/>
-              <a:buChar char="•"/>
-              <a:tabLst/>
-              <a:defRPr/>
-            </a:pPr>
-            <a:r>
-              <a:rPr lang="en-US" dirty="0"/>
-              <a:t>Android UI guide: https://</a:t>
-            </a:r>
-            <a:r>
-              <a:rPr lang="en-US" dirty="0" err="1"/>
-              <a:t>developer.xamarin.com</a:t>
-            </a:r>
-            <a:r>
-              <a:rPr lang="en-US" dirty="0"/>
-              <a:t>/guides/android/</a:t>
-            </a:r>
-            <a:r>
-              <a:rPr lang="en-US" dirty="0" err="1"/>
-              <a:t>user_interface</a:t>
-            </a:r>
-            <a:r>
-              <a:rPr lang="en-US" dirty="0"/>
-              <a:t>/</a:t>
-            </a:r>
-          </a:p>
-          <a:p>
-            <a:pPr marL="171450" marR="0" lvl="0" indent="-171450" algn="l" defTabSz="914400" rtl="0" eaLnBrk="1" fontAlgn="auto" latinLnBrk="0" hangingPunct="1">
-              <a:lnSpc>
-                <a:spcPct val="100000"/>
-              </a:lnSpc>
-              <a:spcBef>
-                <a:spcPts val="0"/>
-              </a:spcBef>
-              <a:spcAft>
-                <a:spcPts val="0"/>
-              </a:spcAft>
-              <a:buClrTx/>
-              <a:buSzTx/>
-              <a:buFont typeface="Arial" panose="020B0604020202020204" pitchFamily="34" charset="0"/>
-              <a:buChar char="•"/>
-              <a:tabLst/>
-              <a:defRPr/>
-            </a:pPr>
-            <a:r>
-              <a:rPr lang="en-US" dirty="0"/>
-              <a:t>Layouts: https://</a:t>
-            </a:r>
-            <a:r>
-              <a:rPr lang="en-US" dirty="0" err="1"/>
-              <a:t>developer.xamarin.com</a:t>
-            </a:r>
-            <a:r>
-              <a:rPr lang="en-US" dirty="0"/>
-              <a:t>/guides/android/</a:t>
-            </a:r>
-            <a:r>
-              <a:rPr lang="en-US" dirty="0" err="1"/>
-              <a:t>user_interface</a:t>
-            </a:r>
-            <a:r>
-              <a:rPr lang="en-US" dirty="0"/>
-              <a:t>/#Layouts</a:t>
-            </a:r>
           </a:p>
         </p:txBody>
       </p:sp>
@@ -1738,7 +1569,7 @@
     </p:spTree>
     <p:extLst>
       <p:ext uri="{BB962C8B-B14F-4D97-AF65-F5344CB8AC3E}">
-        <p14:creationId xmlns:p14="http://schemas.microsoft.com/office/powerpoint/2010/main" val="233380719"/>
+        <p14:creationId xmlns:p14="http://schemas.microsoft.com/office/powerpoint/2010/main" val="2293434840"/>
       </p:ext>
     </p:extLst>
   </p:cSld>
@@ -1834,8 +1665,51 @@
             </a:pPr>
             <a:r>
               <a:rPr lang="en-US" dirty="0"/>
-              <a:t>Restarting may occur when clicking Android’s back button to go back to a previous state, for example.</a:t>
-            </a:r>
+              <a:t>Drag and drop controls from the toolbox in the designer tab or write XML in the source tabs.</a:t>
+            </a:r>
+          </a:p>
+          <a:p>
+            <a:pPr marL="171450" marR="0" lvl="0" indent="-171450" algn="l" defTabSz="914400" rtl="0" eaLnBrk="1" fontAlgn="auto" latinLnBrk="0" hangingPunct="1">
+              <a:lnSpc>
+                <a:spcPct val="100000"/>
+              </a:lnSpc>
+              <a:spcBef>
+                <a:spcPts val="0"/>
+              </a:spcBef>
+              <a:spcAft>
+                <a:spcPts val="0"/>
+              </a:spcAft>
+              <a:buClrTx/>
+              <a:buSzTx/>
+              <a:buFont typeface="Arial" panose="020B0604020202020204" pitchFamily="34" charset="0"/>
+              <a:buChar char="•"/>
+              <a:tabLst/>
+              <a:defRPr/>
+            </a:pPr>
+            <a:r>
+              <a:rPr lang="en-US" dirty="0"/>
+              <a:t>Changes in one are reflected in the other automatically.</a:t>
+            </a:r>
+          </a:p>
+          <a:p>
+            <a:pPr marL="171450" marR="0" lvl="0" indent="-171450" algn="l" defTabSz="914400" rtl="0" eaLnBrk="1" fontAlgn="auto" latinLnBrk="0" hangingPunct="1">
+              <a:lnSpc>
+                <a:spcPct val="100000"/>
+              </a:lnSpc>
+              <a:spcBef>
+                <a:spcPts val="0"/>
+              </a:spcBef>
+              <a:spcAft>
+                <a:spcPts val="0"/>
+              </a:spcAft>
+              <a:buClrTx/>
+              <a:buSzTx/>
+              <a:buFont typeface="Arial" panose="020B0604020202020204" pitchFamily="34" charset="0"/>
+              <a:buChar char="•"/>
+              <a:tabLst/>
+              <a:defRPr/>
+            </a:pPr>
+            <a:endParaRPr lang="en-US" dirty="0"/>
           </a:p>
           <a:p>
             <a:pPr marL="171450" marR="0" lvl="0" indent="-171450" algn="l" defTabSz="914400" rtl="0" eaLnBrk="1" fontAlgn="auto" latinLnBrk="0" hangingPunct="1">
@@ -1855,7 +1729,88 @@
               <a:tabLst/>
               <a:defRPr/>
             </a:pPr>
-            <a:endParaRPr lang="en-US" dirty="0"/>
+            <a:r>
+              <a:rPr lang="en-US" b="1" dirty="0"/>
+              <a:t>References:</a:t>
+            </a:r>
+          </a:p>
+          <a:p>
+            <a:pPr marL="171450" marR="0" lvl="0" indent="-171450" algn="l" defTabSz="914400" rtl="0" eaLnBrk="1" fontAlgn="auto" latinLnBrk="0" hangingPunct="1">
+              <a:lnSpc>
+                <a:spcPct val="100000"/>
+              </a:lnSpc>
+              <a:spcBef>
+                <a:spcPts val="0"/>
+              </a:spcBef>
+              <a:spcAft>
+                <a:spcPts val="0"/>
+              </a:spcAft>
+              <a:buClrTx/>
+              <a:buSzTx/>
+              <a:buFont typeface="Arial" panose="020B0604020202020204" pitchFamily="34" charset="0"/>
+              <a:buChar char="•"/>
+              <a:tabLst/>
+              <a:defRPr/>
+            </a:pPr>
+            <a:r>
+              <a:rPr lang="en-US" dirty="0"/>
+              <a:t>Android UI guide: https://</a:t>
+            </a:r>
+            <a:r>
+              <a:rPr lang="en-US" dirty="0" err="1"/>
+              <a:t>developer.xamarin.com</a:t>
+            </a:r>
+            <a:r>
+              <a:rPr lang="en-US" dirty="0"/>
+              <a:t>/guides/android/</a:t>
+            </a:r>
+            <a:r>
+              <a:rPr lang="en-US" dirty="0" err="1"/>
+              <a:t>user_interface</a:t>
+            </a:r>
+            <a:r>
+              <a:rPr lang="en-US" dirty="0"/>
+              <a:t>/</a:t>
+            </a:r>
+          </a:p>
+          <a:p>
+            <a:pPr marL="171450" marR="0" lvl="0" indent="-171450" algn="l" defTabSz="914400" rtl="0" eaLnBrk="1" fontAlgn="auto" latinLnBrk="0" hangingPunct="1">
+              <a:lnSpc>
+                <a:spcPct val="100000"/>
+              </a:lnSpc>
+              <a:spcBef>
+                <a:spcPts val="0"/>
+              </a:spcBef>
+              <a:spcAft>
+                <a:spcPts val="0"/>
+              </a:spcAft>
+              <a:buClrTx/>
+              <a:buSzTx/>
+              <a:buFont typeface="Arial" panose="020B0604020202020204" pitchFamily="34" charset="0"/>
+              <a:buChar char="•"/>
+              <a:tabLst/>
+              <a:defRPr/>
+            </a:pPr>
+            <a:r>
+              <a:rPr lang="en-US" dirty="0"/>
+              <a:t>Layouts: https://</a:t>
+            </a:r>
+            <a:r>
+              <a:rPr lang="en-US" dirty="0" err="1"/>
+              <a:t>developer.xamarin.com</a:t>
+            </a:r>
+            <a:r>
+              <a:rPr lang="en-US" dirty="0"/>
+              <a:t>/guides/android/</a:t>
+            </a:r>
+            <a:r>
+              <a:rPr lang="en-US" dirty="0" err="1"/>
+              <a:t>user_interface</a:t>
+            </a:r>
+            <a:r>
+              <a:rPr lang="en-US" dirty="0"/>
+              <a:t>/#Layouts</a:t>
+            </a:r>
           </a:p>
         </p:txBody>
       </p:sp>
@@ -1885,7 +1840,7 @@
     </p:spTree>
     <p:extLst>
       <p:ext uri="{BB962C8B-B14F-4D97-AF65-F5344CB8AC3E}">
-        <p14:creationId xmlns:p14="http://schemas.microsoft.com/office/powerpoint/2010/main" val="3136152703"/>
+        <p14:creationId xmlns:p14="http://schemas.microsoft.com/office/powerpoint/2010/main" val="233380719"/>
       </p:ext>
     </p:extLst>
   </p:cSld>
@@ -1981,51 +1936,8 @@
             </a:pPr>
             <a:r>
               <a:rPr lang="en-US" dirty="0"/>
-              <a:t>Controls in Android are called views</a:t>
-            </a:r>
-          </a:p>
-          <a:p>
-            <a:pPr marL="171450" marR="0" lvl="0" indent="-171450" algn="l" defTabSz="914400" rtl="0" eaLnBrk="1" fontAlgn="auto" latinLnBrk="0" hangingPunct="1">
-              <a:lnSpc>
-                <a:spcPct val="100000"/>
-              </a:lnSpc>
-              <a:spcBef>
-                <a:spcPts val="0"/>
-              </a:spcBef>
-              <a:spcAft>
-                <a:spcPts val="0"/>
-              </a:spcAft>
-              <a:buClrTx/>
-              <a:buSzTx/>
-              <a:buFont typeface="Arial" panose="020B0604020202020204" pitchFamily="34" charset="0"/>
-              <a:buChar char="•"/>
-              <a:tabLst/>
-              <a:defRPr/>
-            </a:pPr>
-            <a:r>
-              <a:rPr lang="en-US" dirty="0"/>
-              <a:t>Fairly extensive. Hundreds of properties, events, etc. on the base class alone.</a:t>
-            </a:r>
-          </a:p>
-          <a:p>
-            <a:pPr marL="171450" marR="0" lvl="0" indent="-171450" algn="l" defTabSz="914400" rtl="0" eaLnBrk="1" fontAlgn="auto" latinLnBrk="0" hangingPunct="1">
-              <a:lnSpc>
-                <a:spcPct val="100000"/>
-              </a:lnSpc>
-              <a:spcBef>
-                <a:spcPts val="0"/>
-              </a:spcBef>
-              <a:spcAft>
-                <a:spcPts val="0"/>
-              </a:spcAft>
-              <a:buClrTx/>
-              <a:buSzTx/>
-              <a:buFont typeface="Arial" panose="020B0604020202020204" pitchFamily="34" charset="0"/>
-              <a:buChar char="•"/>
-              <a:tabLst/>
-              <a:defRPr/>
-            </a:pPr>
-            <a:endParaRPr lang="en-US" dirty="0"/>
+              <a:t>Restarting may occur when clicking Android’s back button to go back to a previous state, for example.</a:t>
+            </a:r>
           </a:p>
           <a:p>
             <a:pPr marL="171450" marR="0" lvl="0" indent="-171450" algn="l" defTabSz="914400" rtl="0" eaLnBrk="1" fontAlgn="auto" latinLnBrk="0" hangingPunct="1">
@@ -2045,96 +1957,6 @@
               <a:tabLst/>
               <a:defRPr/>
             </a:pPr>
-            <a:r>
-              <a:rPr lang="en-US" b="1" dirty="0"/>
-              <a:t>References:</a:t>
-            </a:r>
-          </a:p>
-          <a:p>
-            <a:pPr marL="171450" marR="0" lvl="0" indent="-171450" algn="l" defTabSz="914400" rtl="0" eaLnBrk="1" fontAlgn="auto" latinLnBrk="0" hangingPunct="1">
-              <a:lnSpc>
-                <a:spcPct val="100000"/>
-              </a:lnSpc>
-              <a:spcBef>
-                <a:spcPts val="0"/>
-              </a:spcBef>
-              <a:spcAft>
-                <a:spcPts val="0"/>
-              </a:spcAft>
-              <a:buClrTx/>
-              <a:buSzTx/>
-              <a:buFont typeface="Arial" panose="020B0604020202020204" pitchFamily="34" charset="0"/>
-              <a:buChar char="•"/>
-              <a:tabLst/>
-              <a:defRPr/>
-            </a:pPr>
-            <a:r>
-              <a:rPr lang="en-US" dirty="0" err="1"/>
-              <a:t>Xamarin</a:t>
-            </a:r>
-            <a:r>
-              <a:rPr lang="en-US" dirty="0"/>
-              <a:t> View class: https://</a:t>
-            </a:r>
-            <a:r>
-              <a:rPr lang="en-US" dirty="0" err="1"/>
-              <a:t>developer.xamarin.com</a:t>
-            </a:r>
-            <a:r>
-              <a:rPr lang="en-US" dirty="0"/>
-              <a:t>/</a:t>
-            </a:r>
-            <a:r>
-              <a:rPr lang="en-US" dirty="0" err="1"/>
-              <a:t>api</a:t>
-            </a:r>
-            <a:r>
-              <a:rPr lang="en-US" dirty="0"/>
-              <a:t>/type/</a:t>
-            </a:r>
-            <a:r>
-              <a:rPr lang="en-US" dirty="0" err="1"/>
-              <a:t>Android.Views.View</a:t>
-            </a:r>
-            <a:r>
-              <a:rPr lang="en-US" dirty="0"/>
-              <a:t>/</a:t>
-            </a:r>
-          </a:p>
-          <a:p>
-            <a:pPr marL="171450" marR="0" lvl="0" indent="-171450" algn="l" defTabSz="914400" rtl="0" eaLnBrk="1" fontAlgn="auto" latinLnBrk="0" hangingPunct="1">
-              <a:lnSpc>
-                <a:spcPct val="100000"/>
-              </a:lnSpc>
-              <a:spcBef>
-                <a:spcPts val="0"/>
-              </a:spcBef>
-              <a:spcAft>
-                <a:spcPts val="0"/>
-              </a:spcAft>
-              <a:buClrTx/>
-              <a:buSzTx/>
-              <a:buFont typeface="Arial" panose="020B0604020202020204" pitchFamily="34" charset="0"/>
-              <a:buChar char="•"/>
-              <a:tabLst/>
-              <a:defRPr/>
-            </a:pPr>
-            <a:r>
-              <a:rPr lang="en-US" dirty="0"/>
-              <a:t>Android View class: http://</a:t>
-            </a:r>
-            <a:r>
-              <a:rPr lang="en-US" dirty="0" err="1"/>
-              <a:t>developer.android.com</a:t>
-            </a:r>
-            <a:r>
-              <a:rPr lang="en-US" dirty="0"/>
-              <a:t>/reference/android/view/</a:t>
-            </a:r>
-            <a:r>
-              <a:rPr lang="en-US" dirty="0" err="1"/>
-              <a:t>View.html</a:t>
-            </a:r>
             <a:endParaRPr lang="en-US" dirty="0"/>
           </a:p>
         </p:txBody>
@@ -2165,7 +1987,7 @@
     </p:spTree>
     <p:extLst>
       <p:ext uri="{BB962C8B-B14F-4D97-AF65-F5344CB8AC3E}">
-        <p14:creationId xmlns:p14="http://schemas.microsoft.com/office/powerpoint/2010/main" val="2766894550"/>
+        <p14:creationId xmlns:p14="http://schemas.microsoft.com/office/powerpoint/2010/main" val="3136152703"/>
       </p:ext>
     </p:extLst>
   </p:cSld>
@@ -2219,104 +2041,202 @@
           <a:bodyPr/>
           <a:lstStyle/>
           <a:p>
-            <a:pPr marL="0" marR="0" indent="0" algn="l" defTabSz="914400" rtl="0" eaLnBrk="0" fontAlgn="base" latinLnBrk="0" hangingPunct="0">
+            <a:pPr marL="171450" marR="0" lvl="0" indent="-171450" algn="l" defTabSz="914400" rtl="0" eaLnBrk="1" fontAlgn="auto" latinLnBrk="0" hangingPunct="1">
               <a:lnSpc>
                 <a:spcPct val="100000"/>
               </a:lnSpc>
               <a:spcBef>
-                <a:spcPct val="30000"/>
+                <a:spcPts val="0"/>
               </a:spcBef>
               <a:spcAft>
-                <a:spcPct val="0"/>
+                <a:spcPts val="0"/>
               </a:spcAft>
               <a:buClrTx/>
               <a:buSzTx/>
-              <a:buFontTx/>
+              <a:buFont typeface="Arial" panose="020B0604020202020204" pitchFamily="34" charset="0"/>
               <a:buNone/>
               <a:tabLst/>
               <a:defRPr/>
             </a:pPr>
             <a:r>
-              <a:rPr lang="en-US" sz="1200" b="1" kern="1200" dirty="0" smtClean="0">
-                <a:solidFill>
-                  <a:schemeClr val="tx1"/>
-                </a:solidFill>
-                <a:effectLst/>
-                <a:latin typeface="+mn-lt"/>
-                <a:ea typeface="+mn-ea"/>
-                <a:cs typeface="+mn-cs"/>
-              </a:rPr>
+              <a:rPr lang="en-US" b="1" dirty="0"/>
               <a:t>Notes:</a:t>
             </a:r>
           </a:p>
           <a:p>
-            <a:pPr marL="171450" marR="0" indent="-171450" algn="l" defTabSz="914400" rtl="0" eaLnBrk="0" fontAlgn="base" latinLnBrk="0" hangingPunct="0">
+            <a:pPr marL="171450" marR="0" lvl="0" indent="-171450" algn="l" defTabSz="914400" rtl="0" eaLnBrk="1" fontAlgn="auto" latinLnBrk="0" hangingPunct="1">
               <a:lnSpc>
                 <a:spcPct val="100000"/>
               </a:lnSpc>
               <a:spcBef>
-                <a:spcPct val="30000"/>
+                <a:spcPts val="0"/>
               </a:spcBef>
               <a:spcAft>
-                <a:spcPct val="0"/>
+                <a:spcPts val="0"/>
               </a:spcAft>
               <a:buClrTx/>
               <a:buSzTx/>
-              <a:buFont typeface="Arial"/>
+              <a:buFont typeface="Arial" panose="020B0604020202020204" pitchFamily="34" charset="0"/>
               <a:buChar char="•"/>
               <a:tabLst/>
               <a:defRPr/>
             </a:pPr>
             <a:r>
-              <a:rPr lang="en-US" sz="1200" kern="1200" dirty="0" smtClean="0">
-                <a:solidFill>
-                  <a:schemeClr val="tx1"/>
-                </a:solidFill>
-                <a:effectLst/>
-                <a:latin typeface="+mn-lt"/>
-                <a:ea typeface="+mn-ea"/>
-                <a:cs typeface="+mn-cs"/>
-              </a:rPr>
-              <a:t>If </a:t>
-            </a:r>
-            <a:r>
-              <a:rPr lang="en-US" sz="1200" kern="1200" dirty="0">
-                <a:solidFill>
-                  <a:schemeClr val="tx1"/>
-                </a:solidFill>
-                <a:effectLst/>
-                <a:latin typeface="+mn-lt"/>
-                <a:ea typeface="+mn-ea"/>
-                <a:cs typeface="+mn-cs"/>
-              </a:rPr>
-              <a:t>there are too many nested </a:t>
-            </a:r>
-            <a:r>
-              <a:rPr lang="en-US" sz="1200" kern="1200" dirty="0" err="1">
-                <a:solidFill>
-                  <a:schemeClr val="tx1"/>
-                </a:solidFill>
-                <a:effectLst/>
-                <a:latin typeface="+mn-lt"/>
-                <a:ea typeface="+mn-ea"/>
-                <a:cs typeface="+mn-cs"/>
-              </a:rPr>
-              <a:t>LinearLayouts</a:t>
-            </a:r>
-            <a:r>
-              <a:rPr lang="en-US" sz="1200" kern="1200" dirty="0">
-                <a:solidFill>
-                  <a:schemeClr val="tx1"/>
-                </a:solidFill>
-                <a:effectLst/>
-                <a:latin typeface="+mn-lt"/>
-                <a:ea typeface="+mn-ea"/>
-                <a:cs typeface="+mn-cs"/>
-              </a:rPr>
-              <a:t>, performance is compromised, and a RelativeLayout should be used. </a:t>
-            </a:r>
-          </a:p>
-          <a:p>
+              <a:rPr lang="en-US" dirty="0"/>
+              <a:t>Controls in Android are called views</a:t>
+            </a:r>
+          </a:p>
+          <a:p>
+            <a:pPr marL="171450" marR="0" lvl="0" indent="-171450" algn="l" defTabSz="914400" rtl="0" eaLnBrk="1" fontAlgn="auto" latinLnBrk="0" hangingPunct="1">
+              <a:lnSpc>
+                <a:spcPct val="100000"/>
+              </a:lnSpc>
+              <a:spcBef>
+                <a:spcPts val="0"/>
+              </a:spcBef>
+              <a:spcAft>
+                <a:spcPts val="0"/>
+              </a:spcAft>
+              <a:buClrTx/>
+              <a:buSzTx/>
+              <a:buFont typeface="Arial" panose="020B0604020202020204" pitchFamily="34" charset="0"/>
+              <a:buChar char="•"/>
+              <a:tabLst/>
+              <a:defRPr/>
+            </a:pPr>
+            <a:r>
+              <a:rPr lang="en-US" dirty="0"/>
+              <a:t>Fairly extensive. Hundreds of properties, events, etc. on the base class alone.</a:t>
+            </a:r>
+          </a:p>
+          <a:p>
+            <a:pPr marL="171450" marR="0" lvl="0" indent="-171450" algn="l" defTabSz="914400" rtl="0" eaLnBrk="1" fontAlgn="auto" latinLnBrk="0" hangingPunct="1">
+              <a:lnSpc>
+                <a:spcPct val="100000"/>
+              </a:lnSpc>
+              <a:spcBef>
+                <a:spcPts val="0"/>
+              </a:spcBef>
+              <a:spcAft>
+                <a:spcPts val="0"/>
+              </a:spcAft>
+              <a:buClrTx/>
+              <a:buSzTx/>
+              <a:buFont typeface="Arial" panose="020B0604020202020204" pitchFamily="34" charset="0"/>
+              <a:buChar char="•"/>
+              <a:tabLst/>
+              <a:defRPr/>
+            </a:pPr>
+            <a:endParaRPr lang="en-US" dirty="0"/>
+          </a:p>
+          <a:p>
+            <a:pPr marL="171450" marR="0" lvl="0" indent="-171450" algn="l" defTabSz="914400" rtl="0" eaLnBrk="1" fontAlgn="auto" latinLnBrk="0" hangingPunct="1">
+              <a:lnSpc>
+                <a:spcPct val="100000"/>
+              </a:lnSpc>
+              <a:spcBef>
+                <a:spcPts val="0"/>
+              </a:spcBef>
+              <a:spcAft>
+                <a:spcPts val="0"/>
+              </a:spcAft>
+              <a:buClrTx/>
+              <a:buSzTx/>
+              <a:buFont typeface="Arial" panose="020B0604020202020204" pitchFamily="34" charset="0"/>
+              <a:buNone/>
+              <a:tabLst/>
+              <a:defRPr/>
+            </a:pPr>
+            <a:r>
+              <a:rPr lang="en-US" b="1" dirty="0"/>
+              <a:t>References:</a:t>
+            </a:r>
+          </a:p>
+          <a:p>
+            <a:pPr marL="171450" marR="0" lvl="0" indent="-171450" algn="l" defTabSz="914400" rtl="0" eaLnBrk="1" fontAlgn="auto" latinLnBrk="0" hangingPunct="1">
+              <a:lnSpc>
+                <a:spcPct val="100000"/>
+              </a:lnSpc>
+              <a:spcBef>
+                <a:spcPts val="0"/>
+              </a:spcBef>
+              <a:spcAft>
+                <a:spcPts val="0"/>
+              </a:spcAft>
+              <a:buClrTx/>
+              <a:buSzTx/>
+              <a:buFont typeface="Arial" panose="020B0604020202020204" pitchFamily="34" charset="0"/>
+              <a:buChar char="•"/>
+              <a:tabLst/>
+              <a:defRPr/>
+            </a:pPr>
+            <a:r>
+              <a:rPr lang="en-US" dirty="0" err="1"/>
+              <a:t>Xamarin</a:t>
+            </a:r>
+            <a:r>
+              <a:rPr lang="en-US" dirty="0"/>
+              <a:t> View class: https://</a:t>
+            </a:r>
+            <a:r>
+              <a:rPr lang="en-US" dirty="0" err="1"/>
+              <a:t>developer.xamarin.com</a:t>
+            </a:r>
+            <a:r>
+              <a:rPr lang="en-US" dirty="0"/>
+              <a:t>/</a:t>
+            </a:r>
+            <a:r>
+              <a:rPr lang="en-US" dirty="0" err="1"/>
+              <a:t>api</a:t>
+            </a:r>
+            <a:r>
+              <a:rPr lang="en-US" dirty="0"/>
+              <a:t>/type/</a:t>
+            </a:r>
+            <a:r>
+              <a:rPr lang="en-US" dirty="0" err="1"/>
+              <a:t>Android.Views.View</a:t>
+            </a:r>
+            <a:r>
+              <a:rPr lang="en-US" dirty="0"/>
+              <a:t>/</a:t>
+            </a:r>
+          </a:p>
+          <a:p>
+            <a:pPr marL="171450" marR="0" lvl="0" indent="-171450" algn="l" defTabSz="914400" rtl="0" eaLnBrk="1" fontAlgn="auto" latinLnBrk="0" hangingPunct="1">
+              <a:lnSpc>
+                <a:spcPct val="100000"/>
+              </a:lnSpc>
+              <a:spcBef>
+                <a:spcPts val="0"/>
+              </a:spcBef>
+              <a:spcAft>
+                <a:spcPts val="0"/>
+              </a:spcAft>
+              <a:buClrTx/>
+              <a:buSzTx/>
+              <a:buFont typeface="Arial" panose="020B0604020202020204" pitchFamily="34" charset="0"/>
+              <a:buChar char="•"/>
+              <a:tabLst/>
+              <a:defRPr/>
+            </a:pPr>
+            <a:r>
+              <a:rPr lang="en-US" dirty="0"/>
+              <a:t>Android View class: http://</a:t>
+            </a:r>
+            <a:r>
+              <a:rPr lang="en-US" dirty="0" err="1"/>
+              <a:t>developer.android.com</a:t>
+            </a:r>
+            <a:r>
+              <a:rPr lang="en-US" dirty="0"/>
+              <a:t>/reference/android/view/</a:t>
+            </a:r>
+            <a:r>
+              <a:rPr lang="en-US" dirty="0" err="1"/>
+              <a:t>View.html</a:t>
+            </a:r>
             <a:endParaRPr lang="en-US" dirty="0"/>
           </a:p>
         </p:txBody>
@@ -2336,14 +2256,8 @@
           <a:bodyPr/>
           <a:lstStyle/>
           <a:p>
-            <a:pPr>
-              <a:defRPr/>
-            </a:pPr>
-            <a:fld id="{BA98A86F-EB23-4656-9EE3-F488F6F23FB7}" type="slidenum">
+            <a:fld id="{01283FAC-A721-45A3-BBDE-EAF2B09B7CD9}" type="slidenum">
               <a:rPr lang="en-US" smtClean="0"/>
-              <a:pPr>
-                <a:defRPr/>
-              </a:pPr>
               <a:t>19</a:t>
             </a:fld>
             <a:endParaRPr lang="en-US"/>
@@ -2353,7 +2267,7 @@
     </p:spTree>
     <p:extLst>
       <p:ext uri="{BB962C8B-B14F-4D97-AF65-F5344CB8AC3E}">
-        <p14:creationId xmlns:p14="http://schemas.microsoft.com/office/powerpoint/2010/main" val="2866544780"/>
+        <p14:creationId xmlns:p14="http://schemas.microsoft.com/office/powerpoint/2010/main" val="2766894550"/>
       </p:ext>
     </p:extLst>
   </p:cSld>
@@ -2491,6 +2405,92 @@
           <a:bodyPr/>
           <a:lstStyle/>
           <a:p>
+            <a:pPr marL="0" marR="0" indent="0" algn="l" defTabSz="914400" rtl="0" eaLnBrk="0" fontAlgn="base" latinLnBrk="0" hangingPunct="0">
+              <a:lnSpc>
+                <a:spcPct val="100000"/>
+              </a:lnSpc>
+              <a:spcBef>
+                <a:spcPct val="30000"/>
+              </a:spcBef>
+              <a:spcAft>
+                <a:spcPct val="0"/>
+              </a:spcAft>
+              <a:buClrTx/>
+              <a:buSzTx/>
+              <a:buFontTx/>
+              <a:buNone/>
+              <a:tabLst/>
+              <a:defRPr/>
+            </a:pPr>
+            <a:r>
+              <a:rPr lang="en-US" sz="1200" b="1" kern="1200" dirty="0">
+                <a:solidFill>
+                  <a:schemeClr val="tx1"/>
+                </a:solidFill>
+                <a:effectLst/>
+                <a:latin typeface="+mn-lt"/>
+                <a:ea typeface="+mn-ea"/>
+                <a:cs typeface="+mn-cs"/>
+              </a:rPr>
+              <a:t>Notes:</a:t>
+            </a:r>
+          </a:p>
+          <a:p>
+            <a:pPr marL="171450" marR="0" indent="-171450" algn="l" defTabSz="914400" rtl="0" eaLnBrk="0" fontAlgn="base" latinLnBrk="0" hangingPunct="0">
+              <a:lnSpc>
+                <a:spcPct val="100000"/>
+              </a:lnSpc>
+              <a:spcBef>
+                <a:spcPct val="30000"/>
+              </a:spcBef>
+              <a:spcAft>
+                <a:spcPct val="0"/>
+              </a:spcAft>
+              <a:buClrTx/>
+              <a:buSzTx/>
+              <a:buFont typeface="Arial"/>
+              <a:buChar char="•"/>
+              <a:tabLst/>
+              <a:defRPr/>
+            </a:pPr>
+            <a:r>
+              <a:rPr lang="en-US" sz="1200" kern="1200" dirty="0">
+                <a:solidFill>
+                  <a:schemeClr val="tx1"/>
+                </a:solidFill>
+                <a:effectLst/>
+                <a:latin typeface="+mn-lt"/>
+                <a:ea typeface="+mn-ea"/>
+                <a:cs typeface="+mn-cs"/>
+              </a:rPr>
+              <a:t>If there are too many nested </a:t>
+            </a:r>
+            <a:r>
+              <a:rPr lang="en-US" sz="1200" kern="1200" dirty="0" err="1">
+                <a:solidFill>
+                  <a:schemeClr val="tx1"/>
+                </a:solidFill>
+                <a:effectLst/>
+                <a:latin typeface="+mn-lt"/>
+                <a:ea typeface="+mn-ea"/>
+                <a:cs typeface="+mn-cs"/>
+              </a:rPr>
+              <a:t>LinearLayouts</a:t>
+            </a:r>
+            <a:r>
+              <a:rPr lang="en-US" sz="1200" kern="1200" dirty="0">
+                <a:solidFill>
+                  <a:schemeClr val="tx1"/>
+                </a:solidFill>
+                <a:effectLst/>
+                <a:latin typeface="+mn-lt"/>
+                <a:ea typeface="+mn-ea"/>
+                <a:cs typeface="+mn-cs"/>
+              </a:rPr>
+              <a:t>, performance is compromised, and a RelativeLayout should be used. </a:t>
+            </a:r>
+          </a:p>
+          <a:p>
             <a:endParaRPr lang="en-US" dirty="0"/>
           </a:p>
         </p:txBody>
@@ -2527,7 +2527,7 @@
     </p:spTree>
     <p:extLst>
       <p:ext uri="{BB962C8B-B14F-4D97-AF65-F5344CB8AC3E}">
-        <p14:creationId xmlns:p14="http://schemas.microsoft.com/office/powerpoint/2010/main" val="969003979"/>
+        <p14:creationId xmlns:p14="http://schemas.microsoft.com/office/powerpoint/2010/main" val="2866544780"/>
       </p:ext>
     </p:extLst>
   </p:cSld>
@@ -2581,67 +2581,7 @@
           <a:bodyPr/>
           <a:lstStyle/>
           <a:p>
-            <a:pPr marL="0" indent="0">
-              <a:buFont typeface="Arial"/>
-              <a:buNone/>
-            </a:pPr>
-            <a:r>
-              <a:rPr lang="en-US" b="1" dirty="0" smtClean="0"/>
-              <a:t>Notes:</a:t>
-            </a:r>
-          </a:p>
-          <a:p>
-            <a:pPr marL="171450" indent="-171450">
-              <a:buFont typeface="Arial"/>
-              <a:buChar char="•"/>
-            </a:pPr>
-            <a:r>
-              <a:rPr lang="en-US" dirty="0" smtClean="0"/>
-              <a:t>Views</a:t>
-            </a:r>
-            <a:r>
-              <a:rPr lang="en-US" baseline="0" dirty="0" smtClean="0"/>
-              <a:t> </a:t>
-            </a:r>
-            <a:r>
-              <a:rPr lang="en-US" baseline="0" dirty="0"/>
-              <a:t>can be added to a layout (.</a:t>
-            </a:r>
-            <a:r>
-              <a:rPr lang="en-US" baseline="0" dirty="0" err="1"/>
-              <a:t>axml</a:t>
-            </a:r>
-            <a:r>
-              <a:rPr lang="en-US" baseline="0" dirty="0"/>
-              <a:t> file) using the designer tool or coded by-hand.</a:t>
-            </a:r>
             <a:endParaRPr lang="en-US" dirty="0"/>
-          </a:p>
-          <a:p>
-            <a:pPr marL="171450" indent="-171450">
-              <a:buFont typeface="Arial"/>
-              <a:buChar char="•"/>
-            </a:pPr>
-            <a:r>
-              <a:rPr lang="en-US" dirty="0"/>
-              <a:t>Refer to this </a:t>
-            </a:r>
-            <a:r>
-              <a:rPr lang="en-US" dirty="0" err="1"/>
-              <a:t>TextView</a:t>
-            </a:r>
-            <a:r>
-              <a:rPr lang="en-US" dirty="0"/>
-              <a:t> in the Activity by its id, </a:t>
-            </a:r>
-            <a:r>
-              <a:rPr lang="en-US" dirty="0" err="1"/>
-              <a:t>headerText</a:t>
-            </a:r>
-            <a:r>
-              <a:rPr lang="en-US" dirty="0"/>
-              <a:t>.</a:t>
-            </a:r>
           </a:p>
         </p:txBody>
       </p:sp>
@@ -2660,9 +2600,15 @@
           <a:bodyPr/>
           <a:lstStyle/>
           <a:p>
-            <a:fld id="{01283FAC-A721-45A3-BBDE-EAF2B09B7CD9}" type="slidenum">
+            <a:pPr>
+              <a:defRPr/>
+            </a:pPr>
+            <a:fld id="{BA98A86F-EB23-4656-9EE3-F488F6F23FB7}" type="slidenum">
               <a:rPr lang="en-US" smtClean="0"/>
-              <a:t>22</a:t>
+              <a:pPr>
+                <a:defRPr/>
+              </a:pPr>
+              <a:t>21</a:t>
             </a:fld>
             <a:endParaRPr lang="en-US"/>
           </a:p>
@@ -2671,7 +2617,7 @@
     </p:spTree>
     <p:extLst>
       <p:ext uri="{BB962C8B-B14F-4D97-AF65-F5344CB8AC3E}">
-        <p14:creationId xmlns:p14="http://schemas.microsoft.com/office/powerpoint/2010/main" val="3353863707"/>
+        <p14:creationId xmlns:p14="http://schemas.microsoft.com/office/powerpoint/2010/main" val="969003979"/>
       </p:ext>
     </p:extLst>
   </p:cSld>
@@ -2725,100 +2671,63 @@
           <a:bodyPr/>
           <a:lstStyle/>
           <a:p>
-            <a:pPr marL="0" marR="0" lvl="0" indent="0" algn="l" defTabSz="914400" rtl="0" eaLnBrk="1" fontAlgn="auto" latinLnBrk="0" hangingPunct="1">
-              <a:lnSpc>
-                <a:spcPct val="100000"/>
-              </a:lnSpc>
-              <a:spcBef>
-                <a:spcPts val="0"/>
-              </a:spcBef>
-              <a:spcAft>
-                <a:spcPts val="0"/>
-              </a:spcAft>
-              <a:buClrTx/>
-              <a:buSzTx/>
+            <a:pPr marL="0" indent="0">
               <a:buFont typeface="Arial"/>
               <a:buNone/>
-              <a:tabLst/>
-              <a:defRPr/>
-            </a:pPr>
-            <a:r>
-              <a:rPr lang="en-US" sz="1200" b="1" i="0" u="none" strike="noStrike" kern="1200" baseline="0" dirty="0" smtClean="0">
-                <a:solidFill>
-                  <a:schemeClr val="tx1"/>
-                </a:solidFill>
-                <a:latin typeface="+mn-lt"/>
-                <a:ea typeface="+mn-ea"/>
-                <a:cs typeface="+mn-cs"/>
-              </a:rPr>
-              <a:t>References:</a:t>
-            </a:r>
-          </a:p>
-          <a:p>
-            <a:pPr marL="171450" marR="0" lvl="0" indent="-171450" algn="l" defTabSz="914400" rtl="0" eaLnBrk="1" fontAlgn="auto" latinLnBrk="0" hangingPunct="1">
-              <a:lnSpc>
-                <a:spcPct val="100000"/>
-              </a:lnSpc>
-              <a:spcBef>
-                <a:spcPts val="0"/>
-              </a:spcBef>
-              <a:spcAft>
-                <a:spcPts val="0"/>
-              </a:spcAft>
-              <a:buClrTx/>
-              <a:buSzTx/>
+            </a:pPr>
+            <a:r>
+              <a:rPr lang="en-US" b="1" dirty="0"/>
+              <a:t>Notes:</a:t>
+            </a:r>
+          </a:p>
+          <a:p>
+            <a:pPr marL="171450" indent="-171450">
               <a:buFont typeface="Arial"/>
               <a:buChar char="•"/>
-              <a:tabLst/>
-              <a:defRPr/>
-            </a:pPr>
-            <a:r>
-              <a:rPr lang="en-US" sz="1200" b="0" i="0" u="none" strike="noStrike" kern="1200" baseline="0" dirty="0" smtClean="0">
-                <a:solidFill>
-                  <a:schemeClr val="tx1"/>
-                </a:solidFill>
-                <a:latin typeface="+mn-lt"/>
-                <a:ea typeface="+mn-ea"/>
-                <a:cs typeface="+mn-cs"/>
-              </a:rPr>
-              <a:t>Images </a:t>
-            </a:r>
-            <a:r>
-              <a:rPr lang="en-US" sz="1200" b="0" i="0" u="none" strike="noStrike" kern="1200" baseline="0" dirty="0">
-                <a:solidFill>
-                  <a:schemeClr val="tx1"/>
-                </a:solidFill>
-                <a:latin typeface="+mn-lt"/>
-                <a:ea typeface="+mn-ea"/>
-                <a:cs typeface="+mn-cs"/>
-              </a:rPr>
-              <a:t>from </a:t>
-            </a:r>
-            <a:r>
-              <a:rPr lang="en-US" sz="1200" b="0" i="1" u="none" strike="noStrike" kern="1200" baseline="0" dirty="0">
-                <a:solidFill>
-                  <a:schemeClr val="tx1"/>
-                </a:solidFill>
-                <a:latin typeface="+mn-lt"/>
-                <a:ea typeface="+mn-ea"/>
-                <a:cs typeface="+mn-cs"/>
-              </a:rPr>
-              <a:t>Xamarin Mobile Application Development </a:t>
-            </a:r>
-            <a:r>
-              <a:rPr lang="en-US" sz="1200" b="0" i="0" u="none" strike="noStrike" kern="1200" baseline="0" dirty="0">
-                <a:solidFill>
-                  <a:schemeClr val="tx1"/>
-                </a:solidFill>
-                <a:latin typeface="+mn-lt"/>
-                <a:ea typeface="+mn-ea"/>
-                <a:cs typeface="+mn-cs"/>
-              </a:rPr>
-              <a:t>by Dan Hermes  http://amzn.to/1rowG7K</a:t>
-            </a:r>
-          </a:p>
-          <a:p>
+            </a:pPr>
+            <a:r>
+              <a:rPr lang="en-US" dirty="0"/>
+              <a:t>Views</a:t>
+            </a:r>
+            <a:r>
+              <a:rPr lang="en-US" baseline="0" dirty="0"/>
+              <a:t> can be added to a layout (.</a:t>
+            </a:r>
+            <a:r>
+              <a:rPr lang="en-US" baseline="0" dirty="0" err="1"/>
+              <a:t>axml</a:t>
+            </a:r>
+            <a:r>
+              <a:rPr lang="en-US" baseline="0" dirty="0"/>
+              <a:t> file) using the designer tool or coded by-hand.</a:t>
+            </a:r>
             <a:endParaRPr lang="en-US" dirty="0"/>
+          </a:p>
+          <a:p>
+            <a:pPr marL="171450" indent="-171450">
+              <a:buFont typeface="Arial"/>
+              <a:buChar char="•"/>
+            </a:pPr>
+            <a:r>
+              <a:rPr lang="en-US" dirty="0"/>
+              <a:t>Refer to this </a:t>
+            </a:r>
+            <a:r>
+              <a:rPr lang="en-US" dirty="0" err="1"/>
+              <a:t>TextView</a:t>
+            </a:r>
+            <a:r>
+              <a:rPr lang="en-US" dirty="0"/>
+              <a:t> in the Activity by its id, </a:t>
+            </a:r>
+            <a:r>
+              <a:rPr lang="en-US" dirty="0" err="1"/>
+              <a:t>headerText</a:t>
+            </a:r>
+            <a:r>
+              <a:rPr lang="en-US" dirty="0"/>
+              <a:t>.</a:t>
+            </a:r>
           </a:p>
         </p:txBody>
       </p:sp>
@@ -2839,7 +2748,7 @@
           <a:p>
             <a:fld id="{01283FAC-A721-45A3-BBDE-EAF2B09B7CD9}" type="slidenum">
               <a:rPr lang="en-US" smtClean="0"/>
-              <a:t>24</a:t>
+              <a:t>23</a:t>
             </a:fld>
             <a:endParaRPr lang="en-US"/>
           </a:p>
@@ -2848,7 +2757,7 @@
     </p:spTree>
     <p:extLst>
       <p:ext uri="{BB962C8B-B14F-4D97-AF65-F5344CB8AC3E}">
-        <p14:creationId xmlns:p14="http://schemas.microsoft.com/office/powerpoint/2010/main" val="2390100351"/>
+        <p14:creationId xmlns:p14="http://schemas.microsoft.com/office/powerpoint/2010/main" val="3353863707"/>
       </p:ext>
     </p:extLst>
   </p:cSld>
@@ -2902,84 +2811,6 @@
           <a:bodyPr/>
           <a:lstStyle/>
           <a:p>
-            <a:pPr marL="0" lvl="0" indent="0">
-              <a:buFont typeface="Arial"/>
-              <a:buNone/>
-            </a:pPr>
-            <a:r>
-              <a:rPr lang="en-US" b="1" smtClean="0"/>
-              <a:t>Notes:</a:t>
-            </a:r>
-          </a:p>
-          <a:p>
-            <a:pPr marL="171450" lvl="0" indent="-171450">
-              <a:buFont typeface="Arial"/>
-              <a:buChar char="•"/>
-            </a:pPr>
-            <a:r>
-              <a:rPr lang="en-US" smtClean="0"/>
-              <a:t>Spinner </a:t>
-            </a:r>
-            <a:r>
-              <a:rPr lang="en-US" dirty="0"/>
-              <a:t>– a simple drop-down list</a:t>
-            </a:r>
-          </a:p>
-          <a:p>
-            <a:pPr marL="171450" lvl="0" indent="-171450">
-              <a:buFont typeface="Arial"/>
-              <a:buChar char="•"/>
-            </a:pPr>
-            <a:r>
-              <a:rPr lang="en-US" dirty="0" err="1"/>
-              <a:t>DatePicker</a:t>
-            </a:r>
-            <a:r>
-              <a:rPr lang="en-US" dirty="0"/>
-              <a:t> – selection of month, date, and year</a:t>
-            </a:r>
-          </a:p>
-          <a:p>
-            <a:pPr marL="171450" lvl="0" indent="-171450">
-              <a:buFont typeface="Arial"/>
-              <a:buChar char="•"/>
-            </a:pPr>
-            <a:r>
-              <a:rPr lang="en-US" dirty="0" err="1"/>
-              <a:t>TimePicker</a:t>
-            </a:r>
-            <a:r>
-              <a:rPr lang="en-US" dirty="0"/>
-              <a:t>– selection of hour, minute, and AM/PM</a:t>
-            </a:r>
-          </a:p>
-          <a:p>
-            <a:pPr marL="171450" lvl="0" indent="-171450">
-              <a:buFont typeface="Arial"/>
-              <a:buChar char="•"/>
-            </a:pPr>
-            <a:endParaRPr lang="en-US" sz="900" dirty="0">
-              <a:solidFill>
-                <a:schemeClr val="bg1">
-                  <a:lumMod val="65000"/>
-                </a:schemeClr>
-              </a:solidFill>
-            </a:endParaRPr>
-          </a:p>
-          <a:p>
-            <a:pPr marL="171450" lvl="0" indent="-171450">
-              <a:buFont typeface="Arial"/>
-              <a:buChar char="•"/>
-            </a:pPr>
-            <a:endParaRPr lang="en-US" sz="900" dirty="0">
-              <a:solidFill>
-                <a:schemeClr val="bg1">
-                  <a:lumMod val="65000"/>
-                </a:schemeClr>
-              </a:solidFill>
-            </a:endParaRPr>
-          </a:p>
-          <a:p>
             <a:pPr marL="0" marR="0" lvl="0" indent="0" algn="l" defTabSz="914400" rtl="0" eaLnBrk="1" fontAlgn="auto" latinLnBrk="0" hangingPunct="1">
               <a:lnSpc>
                 <a:spcPct val="100000"/>
@@ -2992,13 +2823,43 @@
               </a:spcAft>
               <a:buClrTx/>
               <a:buSzTx/>
-              <a:buFontTx/>
+              <a:buFont typeface="Arial"/>
               <a:buNone/>
               <a:tabLst/>
               <a:defRPr/>
             </a:pPr>
             <a:r>
-              <a:rPr lang="en-US" sz="900" b="0" i="0" u="none" strike="noStrike" kern="1200" baseline="0" dirty="0">
+              <a:rPr lang="en-US" sz="1200" b="1" i="0" u="none" strike="noStrike" kern="1200" baseline="0" dirty="0">
+                <a:solidFill>
+                  <a:schemeClr val="tx1"/>
+                </a:solidFill>
+                <a:latin typeface="+mn-lt"/>
+                <a:ea typeface="+mn-ea"/>
+                <a:cs typeface="+mn-cs"/>
+              </a:rPr>
+              <a:t>References:</a:t>
+            </a:r>
+          </a:p>
+          <a:p>
+            <a:pPr marL="171450" marR="0" lvl="0" indent="-171450" algn="l" defTabSz="914400" rtl="0" eaLnBrk="1" fontAlgn="auto" latinLnBrk="0" hangingPunct="1">
+              <a:lnSpc>
+                <a:spcPct val="100000"/>
+              </a:lnSpc>
+              <a:spcBef>
+                <a:spcPts val="0"/>
+              </a:spcBef>
+              <a:spcAft>
+                <a:spcPts val="0"/>
+              </a:spcAft>
+              <a:buClrTx/>
+              <a:buSzTx/>
+              <a:buFont typeface="Arial"/>
+              <a:buChar char="•"/>
+              <a:tabLst/>
+              <a:defRPr/>
+            </a:pPr>
+            <a:r>
+              <a:rPr lang="en-US" sz="1200" b="0" i="0" u="none" strike="noStrike" kern="1200" baseline="0" dirty="0">
                 <a:solidFill>
                   <a:schemeClr val="tx1"/>
                 </a:solidFill>
@@ -3009,7 +2870,7 @@
               <a:t>Images from </a:t>
             </a:r>
             <a:r>
-              <a:rPr lang="en-US" sz="900" b="0" i="1" u="none" strike="noStrike" kern="1200" baseline="0" dirty="0">
+              <a:rPr lang="en-US" sz="1200" b="0" i="1" u="none" strike="noStrike" kern="1200" baseline="0" dirty="0">
                 <a:solidFill>
                   <a:schemeClr val="tx1"/>
                 </a:solidFill>
@@ -3020,7 +2881,7 @@
               <a:t>Xamarin Mobile Application Development </a:t>
             </a:r>
             <a:r>
-              <a:rPr lang="en-US" sz="900" b="0" i="0" u="none" strike="noStrike" kern="1200" baseline="0" dirty="0">
+              <a:rPr lang="en-US" sz="1200" b="0" i="0" u="none" strike="noStrike" kern="1200" baseline="0" dirty="0">
                 <a:solidFill>
                   <a:schemeClr val="tx1"/>
                 </a:solidFill>
@@ -3030,6 +2891,9 @@
               </a:rPr>
               <a:t>by Dan Hermes  http://amzn.to/1rowG7K</a:t>
             </a:r>
+          </a:p>
+          <a:p>
+            <a:endParaRPr lang="en-US" dirty="0"/>
           </a:p>
         </p:txBody>
       </p:sp>
@@ -3048,14 +2912,8 @@
           <a:bodyPr/>
           <a:lstStyle/>
           <a:p>
-            <a:pPr>
-              <a:defRPr/>
-            </a:pPr>
-            <a:fld id="{BA98A86F-EB23-4656-9EE3-F488F6F23FB7}" type="slidenum">
+            <a:fld id="{01283FAC-A721-45A3-BBDE-EAF2B09B7CD9}" type="slidenum">
               <a:rPr lang="en-US" smtClean="0"/>
-              <a:pPr>
-                <a:defRPr/>
-              </a:pPr>
               <a:t>25</a:t>
             </a:fld>
             <a:endParaRPr lang="en-US"/>
@@ -3065,7 +2923,7 @@
     </p:spTree>
     <p:extLst>
       <p:ext uri="{BB962C8B-B14F-4D97-AF65-F5344CB8AC3E}">
-        <p14:creationId xmlns:p14="http://schemas.microsoft.com/office/powerpoint/2010/main" val="3988600070"/>
+        <p14:creationId xmlns:p14="http://schemas.microsoft.com/office/powerpoint/2010/main" val="2390100351"/>
       </p:ext>
     </p:extLst>
   </p:cSld>
@@ -3124,7 +2982,7 @@
               <a:buNone/>
             </a:pPr>
             <a:r>
-              <a:rPr lang="en-US" sz="1200" b="1" dirty="0" smtClean="0"/>
+              <a:rPr lang="en-US" b="1"/>
               <a:t>Notes:</a:t>
             </a:r>
           </a:p>
@@ -3134,20 +2992,12 @@
               <a:buChar char="•"/>
             </a:pPr>
             <a:r>
-              <a:rPr lang="en-US" sz="1200" dirty="0" err="1" smtClean="0"/>
-              <a:t>SeekBar</a:t>
-            </a:r>
-            <a:r>
-              <a:rPr lang="en-US" sz="1200" dirty="0" smtClean="0"/>
-              <a:t> </a:t>
-            </a:r>
-            <a:r>
-              <a:rPr lang="en-US" sz="1200" dirty="0"/>
-              <a:t>– sliding input lever for continuous </a:t>
-            </a:r>
-            <a:r>
-              <a:rPr lang="en-US" sz="1200" dirty="0" smtClean="0"/>
-              <a:t>values</a:t>
+              <a:rPr lang="en-US"/>
+              <a:t>Spinner </a:t>
+            </a:r>
+            <a:r>
+              <a:rPr lang="en-US" dirty="0"/>
+              <a:t>– a simple drop-down list</a:t>
             </a:r>
           </a:p>
           <a:p>
@@ -3156,16 +3006,12 @@
               <a:buChar char="•"/>
             </a:pPr>
             <a:r>
-              <a:rPr lang="en-US" sz="1200" dirty="0" smtClean="0"/>
-              <a:t>Checkbox </a:t>
-            </a:r>
-            <a:r>
-              <a:rPr lang="en-US" sz="1200" dirty="0"/>
-              <a:t>– a standard Boolean checkbox </a:t>
-            </a:r>
-            <a:r>
-              <a:rPr lang="en-US" sz="1200" dirty="0" smtClean="0"/>
-              <a:t>control</a:t>
+              <a:rPr lang="en-US" dirty="0" err="1"/>
+              <a:t>DatePicker</a:t>
+            </a:r>
+            <a:r>
+              <a:rPr lang="en-US" dirty="0"/>
+              <a:t> – selection of month, date, and year</a:t>
             </a:r>
           </a:p>
           <a:p>
@@ -3174,20 +3020,12 @@
               <a:buChar char="•"/>
             </a:pPr>
             <a:r>
-              <a:rPr lang="en-US" sz="1200" dirty="0" smtClean="0"/>
-              <a:t>Switch </a:t>
-            </a:r>
-            <a:r>
-              <a:rPr lang="en-US" sz="1200" dirty="0"/>
-              <a:t>– </a:t>
-            </a:r>
-            <a:r>
-              <a:rPr lang="en-US" sz="1200" dirty="0" err="1"/>
-              <a:t>boolean</a:t>
-            </a:r>
-            <a:r>
-              <a:rPr lang="en-US" sz="1200" dirty="0"/>
-              <a:t> on-or-off switch </a:t>
+              <a:rPr lang="en-US" dirty="0" err="1"/>
+              <a:t>TimePicker</a:t>
+            </a:r>
+            <a:r>
+              <a:rPr lang="en-US" dirty="0"/>
+              <a:t>– selection of hour, minute, and AM/PM</a:t>
             </a:r>
           </a:p>
           <a:p>
@@ -3195,78 +3033,26 @@
               <a:buFont typeface="Arial"/>
               <a:buChar char="•"/>
             </a:pPr>
-            <a:r>
-              <a:rPr lang="en-US" sz="1200" dirty="0" err="1"/>
-              <a:t>RadioButton</a:t>
-            </a:r>
-            <a:r>
-              <a:rPr lang="en-US" sz="1200" dirty="0"/>
-              <a:t> – button groups for single or multiple selection</a:t>
-            </a:r>
-          </a:p>
-          <a:p>
-            <a:pPr lvl="0"/>
-            <a:endParaRPr lang="en-US" sz="1200" dirty="0" smtClean="0"/>
-          </a:p>
-          <a:p>
-            <a:pPr lvl="0"/>
-            <a:r>
-              <a:rPr lang="en-US" sz="1200" b="1" dirty="0" smtClean="0"/>
-              <a:t>References:</a:t>
-            </a:r>
-            <a:endParaRPr lang="en-US" sz="1200" b="1" dirty="0"/>
-          </a:p>
-          <a:p>
-            <a:pPr marL="171450" marR="0" lvl="0" indent="-171450" algn="l" defTabSz="914400" rtl="0" eaLnBrk="1" fontAlgn="auto" latinLnBrk="0" hangingPunct="1">
-              <a:lnSpc>
-                <a:spcPct val="100000"/>
-              </a:lnSpc>
-              <a:spcBef>
-                <a:spcPts val="0"/>
-              </a:spcBef>
-              <a:spcAft>
-                <a:spcPts val="0"/>
-              </a:spcAft>
-              <a:buClrTx/>
-              <a:buSzTx/>
+            <a:endParaRPr lang="en-US" sz="900" dirty="0">
+              <a:solidFill>
+                <a:schemeClr val="bg1">
+                  <a:lumMod val="65000"/>
+                </a:schemeClr>
+              </a:solidFill>
+            </a:endParaRPr>
+          </a:p>
+          <a:p>
+            <a:pPr marL="171450" lvl="0" indent="-171450">
               <a:buFont typeface="Arial"/>
               <a:buChar char="•"/>
-              <a:tabLst/>
-              <a:defRPr/>
-            </a:pPr>
-            <a:r>
-              <a:rPr lang="en-US" sz="1200" b="0" i="0" u="none" strike="noStrike" kern="1200" baseline="0" dirty="0">
-                <a:solidFill>
-                  <a:schemeClr val="tx1"/>
-                </a:solidFill>
-                <a:latin typeface="+mn-lt"/>
-                <a:ea typeface="+mn-ea"/>
-                <a:cs typeface="+mn-cs"/>
-              </a:rPr>
-              <a:t>Images from </a:t>
-            </a:r>
-            <a:r>
-              <a:rPr lang="en-US" sz="1200" b="0" i="1" u="none" strike="noStrike" kern="1200" baseline="0" dirty="0">
-                <a:solidFill>
-                  <a:schemeClr val="tx1"/>
-                </a:solidFill>
-                <a:latin typeface="+mn-lt"/>
-                <a:ea typeface="+mn-ea"/>
-                <a:cs typeface="+mn-cs"/>
-              </a:rPr>
-              <a:t>Xamarin Mobile Application Development </a:t>
-            </a:r>
-            <a:r>
-              <a:rPr lang="en-US" sz="1200" b="0" i="0" u="none" strike="noStrike" kern="1200" baseline="0" dirty="0">
-                <a:solidFill>
-                  <a:schemeClr val="tx1"/>
-                </a:solidFill>
-                <a:latin typeface="+mn-lt"/>
-                <a:ea typeface="+mn-ea"/>
-                <a:cs typeface="+mn-cs"/>
-              </a:rPr>
-              <a:t>by Dan Hermes  http://amzn.to/1rowG7K</a:t>
-            </a:r>
+            </a:pPr>
+            <a:endParaRPr lang="en-US" sz="900" dirty="0">
+              <a:solidFill>
+                <a:schemeClr val="bg1">
+                  <a:lumMod val="65000"/>
+                </a:schemeClr>
+              </a:solidFill>
+            </a:endParaRPr>
           </a:p>
           <a:p>
             <a:pPr marL="0" marR="0" lvl="0" indent="0" algn="l" defTabSz="914400" rtl="0" eaLnBrk="1" fontAlgn="auto" latinLnBrk="0" hangingPunct="1">
@@ -3286,14 +3072,39 @@
               <a:tabLst/>
               <a:defRPr/>
             </a:pPr>
-            <a:endParaRPr lang="en-US" sz="1200" b="0" i="0" u="none" strike="noStrike" kern="1200" baseline="0" dirty="0">
-              <a:solidFill>
-                <a:schemeClr val="tx1"/>
-              </a:solidFill>
-              <a:latin typeface="+mn-lt"/>
-              <a:ea typeface="+mn-ea"/>
-              <a:cs typeface="+mn-cs"/>
-            </a:endParaRPr>
+            <a:r>
+              <a:rPr lang="en-US" sz="900" b="0" i="0" u="none" strike="noStrike" kern="1200" baseline="0" dirty="0">
+                <a:solidFill>
+                  <a:schemeClr val="tx1"/>
+                </a:solidFill>
+                <a:latin typeface="+mn-lt"/>
+                <a:ea typeface="+mn-ea"/>
+                <a:cs typeface="+mn-cs"/>
+              </a:rPr>
+              <a:t>Images from </a:t>
+            </a:r>
+            <a:r>
+              <a:rPr lang="en-US" sz="900" b="0" i="1" u="none" strike="noStrike" kern="1200" baseline="0" dirty="0">
+                <a:solidFill>
+                  <a:schemeClr val="tx1"/>
+                </a:solidFill>
+                <a:latin typeface="+mn-lt"/>
+                <a:ea typeface="+mn-ea"/>
+                <a:cs typeface="+mn-cs"/>
+              </a:rPr>
+              <a:t>Xamarin Mobile Application Development </a:t>
+            </a:r>
+            <a:r>
+              <a:rPr lang="en-US" sz="900" b="0" i="0" u="none" strike="noStrike" kern="1200" baseline="0" dirty="0">
+                <a:solidFill>
+                  <a:schemeClr val="tx1"/>
+                </a:solidFill>
+                <a:latin typeface="+mn-lt"/>
+                <a:ea typeface="+mn-ea"/>
+                <a:cs typeface="+mn-cs"/>
+              </a:rPr>
+              <a:t>by Dan Hermes  http://amzn.to/1rowG7K</a:t>
+            </a:r>
           </a:p>
         </p:txBody>
       </p:sp>
@@ -3329,7 +3140,7 @@
     </p:spTree>
     <p:extLst>
       <p:ext uri="{BB962C8B-B14F-4D97-AF65-F5344CB8AC3E}">
-        <p14:creationId xmlns:p14="http://schemas.microsoft.com/office/powerpoint/2010/main" val="3952244380"/>
+        <p14:creationId xmlns:p14="http://schemas.microsoft.com/office/powerpoint/2010/main" val="3988600070"/>
       </p:ext>
     </p:extLst>
   </p:cSld>
@@ -3383,12 +3194,102 @@
           <a:bodyPr/>
           <a:lstStyle/>
           <a:p>
-            <a:pPr marL="0" indent="0">
+            <a:pPr marL="0" lvl="0" indent="0">
               <a:buFont typeface="Arial"/>
               <a:buNone/>
             </a:pPr>
             <a:r>
-              <a:rPr lang="en-US" sz="1200" b="1" i="0" u="none" strike="noStrike" kern="1200" baseline="0" dirty="0" smtClean="0">
+              <a:rPr lang="en-US" sz="1200" b="1" dirty="0"/>
+              <a:t>Notes:</a:t>
+            </a:r>
+          </a:p>
+          <a:p>
+            <a:pPr marL="171450" lvl="0" indent="-171450">
+              <a:buFont typeface="Arial"/>
+              <a:buChar char="•"/>
+            </a:pPr>
+            <a:r>
+              <a:rPr lang="en-US" sz="1200" dirty="0" err="1"/>
+              <a:t>SeekBar</a:t>
+            </a:r>
+            <a:r>
+              <a:rPr lang="en-US" sz="1200" dirty="0"/>
+              <a:t> – sliding input lever for continuous values</a:t>
+            </a:r>
+          </a:p>
+          <a:p>
+            <a:pPr marL="171450" lvl="0" indent="-171450">
+              <a:buFont typeface="Arial"/>
+              <a:buChar char="•"/>
+            </a:pPr>
+            <a:r>
+              <a:rPr lang="en-US" sz="1200" dirty="0"/>
+              <a:t>Checkbox – a standard Boolean checkbox control</a:t>
+            </a:r>
+          </a:p>
+          <a:p>
+            <a:pPr marL="171450" lvl="0" indent="-171450">
+              <a:buFont typeface="Arial"/>
+              <a:buChar char="•"/>
+            </a:pPr>
+            <a:r>
+              <a:rPr lang="en-US" sz="1200" dirty="0"/>
+              <a:t>Switch – </a:t>
+            </a:r>
+            <a:r>
+              <a:rPr lang="en-US" sz="1200" dirty="0" err="1"/>
+              <a:t>boolean</a:t>
+            </a:r>
+            <a:r>
+              <a:rPr lang="en-US" sz="1200" dirty="0"/>
+              <a:t> on-or-off switch </a:t>
+            </a:r>
+          </a:p>
+          <a:p>
+            <a:pPr marL="171450" lvl="0" indent="-171450">
+              <a:buFont typeface="Arial"/>
+              <a:buChar char="•"/>
+            </a:pPr>
+            <a:r>
+              <a:rPr lang="en-US" sz="1200" dirty="0" err="1"/>
+              <a:t>RadioButton</a:t>
+            </a:r>
+            <a:r>
+              <a:rPr lang="en-US" sz="1200" dirty="0"/>
+              <a:t> – button groups for single or multiple selection</a:t>
+            </a:r>
+          </a:p>
+          <a:p>
+            <a:pPr lvl="0"/>
+            <a:endParaRPr lang="en-US" sz="1200" dirty="0"/>
+          </a:p>
+          <a:p>
+            <a:pPr lvl="0"/>
+            <a:r>
+              <a:rPr lang="en-US" sz="1200" b="1" dirty="0"/>
+              <a:t>References:</a:t>
+            </a:r>
+          </a:p>
+          <a:p>
+            <a:pPr marL="171450" marR="0" lvl="0" indent="-171450" algn="l" defTabSz="914400" rtl="0" eaLnBrk="1" fontAlgn="auto" latinLnBrk="0" hangingPunct="1">
+              <a:lnSpc>
+                <a:spcPct val="100000"/>
+              </a:lnSpc>
+              <a:spcBef>
+                <a:spcPts val="0"/>
+              </a:spcBef>
+              <a:spcAft>
+                <a:spcPts val="0"/>
+              </a:spcAft>
+              <a:buClrTx/>
+              <a:buSzTx/>
+              <a:buFont typeface="Arial"/>
+              <a:buChar char="•"/>
+              <a:tabLst/>
+              <a:defRPr/>
+            </a:pPr>
+            <a:r>
+              <a:rPr lang="en-US" sz="1200" b="0" i="0" u="none" strike="noStrike" kern="1200" baseline="0" dirty="0">
                 <a:solidFill>
                   <a:schemeClr val="tx1"/>
                 </a:solidFill>
@@ -3396,16 +3297,10 @@
                 <a:ea typeface="+mn-ea"/>
                 <a:cs typeface="+mn-cs"/>
               </a:rPr>
-              <a:t>Notes:</a:t>
-            </a:r>
-          </a:p>
-          <a:p>
-            <a:pPr marL="171450" indent="-171450">
-              <a:buFont typeface="Arial"/>
-              <a:buChar char="•"/>
-            </a:pPr>
-            <a:r>
-              <a:rPr lang="en-US" sz="1200" b="0" i="0" u="none" strike="noStrike" kern="1200" baseline="0" dirty="0" smtClean="0">
+              <a:t>Images from </a:t>
+            </a:r>
+            <a:r>
+              <a:rPr lang="en-US" sz="1200" b="0" i="1" u="none" strike="noStrike" kern="1200" baseline="0" dirty="0">
                 <a:solidFill>
                   <a:schemeClr val="tx1"/>
                 </a:solidFill>
@@ -3413,7 +3308,7 @@
                 <a:ea typeface="+mn-ea"/>
                 <a:cs typeface="+mn-cs"/>
               </a:rPr>
-              <a:t>Place </a:t>
+              <a:t>Xamarin Mobile Application Development </a:t>
             </a:r>
             <a:r>
               <a:rPr lang="en-US" sz="1200" b="0" i="0" u="none" strike="noStrike" kern="1200" baseline="0" dirty="0">
@@ -3424,16 +3319,27 @@
                 <a:ea typeface="+mn-ea"/>
                 <a:cs typeface="+mn-cs"/>
               </a:rPr>
-              <a:t>a Spinner in your layout XML (</a:t>
-            </a:r>
-            <a:r>
-              <a:rPr lang="en-US" dirty="0" err="1"/>
-              <a:t>spinner.axml</a:t>
-            </a:r>
-            <a:r>
-              <a:rPr lang="en-US" dirty="0"/>
-              <a:t>)</a:t>
-            </a:r>
+              <a:t>by Dan Hermes  http://amzn.to/1rowG7K</a:t>
+            </a:r>
+          </a:p>
+          <a:p>
+            <a:pPr marL="0" marR="0" lvl="0" indent="0" algn="l" defTabSz="914400" rtl="0" eaLnBrk="1" fontAlgn="auto" latinLnBrk="0" hangingPunct="1">
+              <a:lnSpc>
+                <a:spcPct val="100000"/>
+              </a:lnSpc>
+              <a:spcBef>
+                <a:spcPts val="0"/>
+              </a:spcBef>
+              <a:spcAft>
+                <a:spcPts val="0"/>
+              </a:spcAft>
+              <a:buClrTx/>
+              <a:buSzTx/>
+              <a:buFontTx/>
+              <a:buNone/>
+              <a:tabLst/>
+              <a:defRPr/>
+            </a:pPr>
             <a:endParaRPr lang="en-US" sz="1200" b="0" i="0" u="none" strike="noStrike" kern="1200" baseline="0" dirty="0">
               <a:solidFill>
                 <a:schemeClr val="tx1"/>
@@ -3460,8 +3366,14 @@
           <a:bodyPr/>
           <a:lstStyle/>
           <a:p>
-            <a:fld id="{01283FAC-A721-45A3-BBDE-EAF2B09B7CD9}" type="slidenum">
+            <a:pPr>
+              <a:defRPr/>
+            </a:pPr>
+            <a:fld id="{BA98A86F-EB23-4656-9EE3-F488F6F23FB7}" type="slidenum">
               <a:rPr lang="en-US" smtClean="0"/>
+              <a:pPr>
+                <a:defRPr/>
+              </a:pPr>
               <a:t>27</a:t>
             </a:fld>
             <a:endParaRPr lang="en-US"/>
@@ -3471,7 +3383,7 @@
     </p:spTree>
     <p:extLst>
       <p:ext uri="{BB962C8B-B14F-4D97-AF65-F5344CB8AC3E}">
-        <p14:creationId xmlns:p14="http://schemas.microsoft.com/office/powerpoint/2010/main" val="2112208264"/>
+        <p14:creationId xmlns:p14="http://schemas.microsoft.com/office/powerpoint/2010/main" val="3952244380"/>
       </p:ext>
     </p:extLst>
   </p:cSld>
@@ -3525,12 +3437,8 @@
           <a:bodyPr/>
           <a:lstStyle/>
           <a:p>
-            <a:pPr marL="0" indent="0">
-              <a:buFont typeface="Arial"/>
-              <a:buNone/>
-            </a:pPr>
-            <a:r>
-              <a:rPr lang="en-US" sz="1200" b="1" i="0" u="none" strike="noStrike" kern="1200" baseline="0" dirty="0" smtClean="0">
+            <a:r>
+              <a:rPr lang="en-US" sz="1200" b="1" i="0" u="none" strike="noStrike" kern="1200" baseline="0" dirty="0">
                 <a:solidFill>
                   <a:schemeClr val="tx1"/>
                 </a:solidFill>
@@ -3547,7 +3455,7 @@
               <a:buChar char="•"/>
             </a:pPr>
             <a:r>
-              <a:rPr lang="en-US" sz="1200" b="0" i="0" u="none" strike="noStrike" kern="1200" baseline="0" dirty="0" smtClean="0">
+              <a:rPr lang="en-US" sz="1200" b="0" i="0" u="none" strike="noStrike" kern="1200" baseline="0" dirty="0">
                 <a:solidFill>
                   <a:schemeClr val="tx1"/>
                 </a:solidFill>
@@ -3555,49 +3463,18 @@
                 <a:ea typeface="+mn-ea"/>
                 <a:cs typeface="+mn-cs"/>
               </a:rPr>
-              <a:t>Create </a:t>
-            </a:r>
-            <a:r>
-              <a:rPr lang="en-US" sz="1200" b="0" i="0" u="none" strike="noStrike" kern="1200" baseline="0" dirty="0">
-                <a:solidFill>
-                  <a:schemeClr val="tx1"/>
-                </a:solidFill>
-                <a:latin typeface="+mn-lt"/>
-                <a:ea typeface="+mn-ea"/>
-                <a:cs typeface="+mn-cs"/>
-              </a:rPr>
-              <a:t>another layout that contains a </a:t>
-            </a:r>
-            <a:r>
-              <a:rPr lang="en-US" sz="1200" b="0" i="0" u="none" strike="noStrike" kern="1200" baseline="0" dirty="0" err="1">
-                <a:solidFill>
-                  <a:schemeClr val="tx1"/>
-                </a:solidFill>
-                <a:latin typeface="+mn-lt"/>
-                <a:ea typeface="+mn-ea"/>
-                <a:cs typeface="+mn-cs"/>
-              </a:rPr>
-              <a:t>TextView</a:t>
-            </a:r>
-            <a:r>
-              <a:rPr lang="en-US" sz="1200" b="0" i="0" u="none" strike="noStrike" kern="1200" baseline="0" dirty="0">
-                <a:solidFill>
-                  <a:schemeClr val="tx1"/>
-                </a:solidFill>
-                <a:latin typeface="+mn-lt"/>
-                <a:ea typeface="+mn-ea"/>
-                <a:cs typeface="+mn-cs"/>
-              </a:rPr>
-              <a:t> for binding to an Adapter to create a list to display. (</a:t>
+              <a:t>Place a Spinner in your layout XML (</a:t>
             </a:r>
             <a:r>
               <a:rPr lang="en-US" dirty="0" err="1"/>
-              <a:t>TextViewForSpinner.axml</a:t>
+              <a:t>spinner.axml</a:t>
             </a:r>
             <a:r>
               <a:rPr lang="en-US" dirty="0"/>
               <a:t>)</a:t>
             </a:r>
+          </a:p>
+          <a:p>
             <a:endParaRPr lang="en-US" sz="1200" b="0" i="0" u="none" strike="noStrike" kern="1200" baseline="0" dirty="0">
               <a:solidFill>
                 <a:schemeClr val="tx1"/>
@@ -3607,6 +3484,81 @@
               <a:cs typeface="+mn-cs"/>
             </a:endParaRPr>
           </a:p>
+          <a:p>
+            <a:r>
+              <a:rPr lang="en-US" sz="1200" b="1" i="0" u="none" strike="noStrike" kern="1200" baseline="0" dirty="0">
+                <a:solidFill>
+                  <a:schemeClr val="tx1"/>
+                </a:solidFill>
+                <a:latin typeface="+mn-lt"/>
+                <a:ea typeface="+mn-ea"/>
+                <a:cs typeface="+mn-cs"/>
+              </a:rPr>
+              <a:t>References:</a:t>
+            </a:r>
+          </a:p>
+          <a:p>
+            <a:pPr marL="171450" marR="0" lvl="0" indent="-171450" algn="l" defTabSz="914400" rtl="0" eaLnBrk="1" fontAlgn="auto" latinLnBrk="0" hangingPunct="1">
+              <a:lnSpc>
+                <a:spcPct val="100000"/>
+              </a:lnSpc>
+              <a:spcBef>
+                <a:spcPts val="0"/>
+              </a:spcBef>
+              <a:spcAft>
+                <a:spcPts val="0"/>
+              </a:spcAft>
+              <a:buClrTx/>
+              <a:buSzTx/>
+              <a:buFont typeface="Arial"/>
+              <a:buChar char="•"/>
+              <a:tabLst/>
+              <a:defRPr/>
+            </a:pPr>
+            <a:r>
+              <a:rPr lang="en-US" sz="1200" b="0" i="0" u="none" strike="noStrike" kern="1200" baseline="0" dirty="0">
+                <a:solidFill>
+                  <a:schemeClr val="tx1"/>
+                </a:solidFill>
+                <a:latin typeface="+mn-lt"/>
+                <a:ea typeface="+mn-ea"/>
+                <a:cs typeface="+mn-cs"/>
+              </a:rPr>
+              <a:t>Images from </a:t>
+            </a:r>
+            <a:r>
+              <a:rPr lang="en-US" sz="1200" b="0" i="1" u="none" strike="noStrike" kern="1200" baseline="0" dirty="0">
+                <a:solidFill>
+                  <a:schemeClr val="tx1"/>
+                </a:solidFill>
+                <a:latin typeface="+mn-lt"/>
+                <a:ea typeface="+mn-ea"/>
+                <a:cs typeface="+mn-cs"/>
+              </a:rPr>
+              <a:t>Xamarin Mobile Application Development </a:t>
+            </a:r>
+            <a:r>
+              <a:rPr lang="en-US" sz="1200" b="0" i="0" u="none" strike="noStrike" kern="1200" baseline="0" dirty="0">
+                <a:solidFill>
+                  <a:schemeClr val="tx1"/>
+                </a:solidFill>
+                <a:latin typeface="+mn-lt"/>
+                <a:ea typeface="+mn-ea"/>
+                <a:cs typeface="+mn-cs"/>
+              </a:rPr>
+              <a:t>by Dan Hermes  http://amzn.to/1rowG7K</a:t>
+            </a:r>
+          </a:p>
+          <a:p>
+            <a:endParaRPr lang="en-US" sz="1200" b="0" i="0" u="none" strike="noStrike" kern="1200" baseline="0" dirty="0">
+              <a:solidFill>
+                <a:schemeClr val="tx1"/>
+              </a:solidFill>
+              <a:latin typeface="+mn-lt"/>
+              <a:ea typeface="+mn-ea"/>
+              <a:cs typeface="+mn-cs"/>
+            </a:endParaRPr>
+          </a:p>
         </p:txBody>
       </p:sp>
       <p:sp>
@@ -3635,7 +3587,7 @@
     </p:spTree>
     <p:extLst>
       <p:ext uri="{BB962C8B-B14F-4D97-AF65-F5344CB8AC3E}">
-        <p14:creationId xmlns:p14="http://schemas.microsoft.com/office/powerpoint/2010/main" val="3853880148"/>
+        <p14:creationId xmlns:p14="http://schemas.microsoft.com/office/powerpoint/2010/main" val="706997173"/>
       </p:ext>
     </p:extLst>
   </p:cSld>
@@ -3689,8 +3641,12 @@
           <a:bodyPr/>
           <a:lstStyle/>
           <a:p>
-            <a:r>
-              <a:rPr lang="en-US" sz="1200" b="0" i="0" u="none" strike="noStrike" kern="1200" baseline="0" dirty="0">
+            <a:pPr marL="0" indent="0">
+              <a:buFont typeface="Arial"/>
+              <a:buNone/>
+            </a:pPr>
+            <a:r>
+              <a:rPr lang="en-US" sz="1200" b="1" i="0" u="none" strike="noStrike" kern="1200" baseline="0" dirty="0">
                 <a:solidFill>
                   <a:schemeClr val="tx1"/>
                 </a:solidFill>
@@ -3698,10 +3654,16 @@
                 <a:ea typeface="+mn-ea"/>
                 <a:cs typeface="+mn-cs"/>
               </a:rPr>
-              <a:t>Instantiate the spinner in an activity, populate the list, and then bind the list to the </a:t>
-            </a:r>
-            <a:r>
-              <a:rPr lang="en-US" sz="1200" b="0" i="0" u="none" strike="noStrike" kern="1200" baseline="0" dirty="0" err="1">
+              <a:t>Notes:</a:t>
+            </a:r>
+          </a:p>
+          <a:p>
+            <a:pPr marL="171450" indent="-171450">
+              <a:buFont typeface="Arial"/>
+              <a:buChar char="•"/>
+            </a:pPr>
+            <a:r>
+              <a:rPr lang="en-US" sz="1200" b="0" i="0" u="none" strike="noStrike" kern="1200" baseline="0" dirty="0">
                 <a:solidFill>
                   <a:schemeClr val="tx1"/>
                 </a:solidFill>
@@ -3709,55 +3671,24 @@
                 <a:ea typeface="+mn-ea"/>
                 <a:cs typeface="+mn-cs"/>
               </a:rPr>
-              <a:t>Spinner.Adapter</a:t>
-            </a:r>
-            <a:r>
-              <a:rPr lang="en-US" sz="1200" b="0" i="0" u="none" strike="noStrike" kern="1200" baseline="0" dirty="0">
-                <a:solidFill>
-                  <a:schemeClr val="tx1"/>
-                </a:solidFill>
-                <a:latin typeface="+mn-lt"/>
-                <a:ea typeface="+mn-ea"/>
-                <a:cs typeface="+mn-cs"/>
-              </a:rPr>
-              <a:t> property</a:t>
-            </a:r>
-          </a:p>
-          <a:p>
-            <a:r>
-              <a:rPr lang="en-US" sz="1200" b="0" i="0" u="none" strike="noStrike" kern="1200" baseline="0" dirty="0">
-                <a:solidFill>
-                  <a:schemeClr val="tx1"/>
-                </a:solidFill>
-                <a:latin typeface="+mn-lt"/>
-                <a:ea typeface="+mn-ea"/>
-                <a:cs typeface="+mn-cs"/>
-              </a:rPr>
-              <a:t>Handle selection using the </a:t>
-            </a:r>
-            <a:r>
-              <a:rPr lang="en-US" sz="1200" b="0" i="0" u="none" strike="noStrike" kern="1200" baseline="0" dirty="0" err="1">
-                <a:solidFill>
-                  <a:schemeClr val="tx1"/>
-                </a:solidFill>
-                <a:latin typeface="+mn-lt"/>
-                <a:ea typeface="+mn-ea"/>
-                <a:cs typeface="+mn-cs"/>
-              </a:rPr>
-              <a:t>Spinner.ItemSelected</a:t>
-            </a:r>
-            <a:r>
-              <a:rPr lang="en-US" sz="1200" b="0" i="0" u="none" strike="noStrike" kern="1200" baseline="0" dirty="0">
-                <a:solidFill>
-                  <a:schemeClr val="tx1"/>
-                </a:solidFill>
-                <a:latin typeface="+mn-lt"/>
-                <a:ea typeface="+mn-ea"/>
-                <a:cs typeface="+mn-cs"/>
-              </a:rPr>
-              <a:t> event.</a:t>
-            </a:r>
-            <a:endParaRPr lang="en-US" dirty="0"/>
+              <a:t>Place a Spinner in your layout XML (</a:t>
+            </a:r>
+            <a:r>
+              <a:rPr lang="en-US" dirty="0" err="1"/>
+              <a:t>spinner.axml</a:t>
+            </a:r>
+            <a:r>
+              <a:rPr lang="en-US" dirty="0"/>
+              <a:t>)</a:t>
+            </a:r>
+            <a:endParaRPr lang="en-US" sz="1200" b="0" i="0" u="none" strike="noStrike" kern="1200" baseline="0" dirty="0">
+              <a:solidFill>
+                <a:schemeClr val="tx1"/>
+              </a:solidFill>
+              <a:latin typeface="+mn-lt"/>
+              <a:ea typeface="+mn-ea"/>
+              <a:cs typeface="+mn-cs"/>
+            </a:endParaRPr>
           </a:p>
         </p:txBody>
       </p:sp>
@@ -3787,7 +3718,7 @@
     </p:spTree>
     <p:extLst>
       <p:ext uri="{BB962C8B-B14F-4D97-AF65-F5344CB8AC3E}">
-        <p14:creationId xmlns:p14="http://schemas.microsoft.com/office/powerpoint/2010/main" val="2344513759"/>
+        <p14:creationId xmlns:p14="http://schemas.microsoft.com/office/powerpoint/2010/main" val="2112208264"/>
       </p:ext>
     </p:extLst>
   </p:cSld>
@@ -3841,8 +3772,12 @@
           <a:bodyPr/>
           <a:lstStyle/>
           <a:p>
-            <a:r>
-              <a:rPr lang="en-US" sz="1200" b="1" i="0" u="none" strike="noStrike" kern="1200" baseline="0" dirty="0" smtClean="0">
+            <a:pPr marL="0" indent="0">
+              <a:buFont typeface="Arial"/>
+              <a:buNone/>
+            </a:pPr>
+            <a:r>
+              <a:rPr lang="en-US" sz="1200" b="1" i="0" u="none" strike="noStrike" kern="1200" baseline="0" dirty="0">
                 <a:solidFill>
                   <a:schemeClr val="tx1"/>
                 </a:solidFill>
@@ -3859,7 +3794,7 @@
               <a:buChar char="•"/>
             </a:pPr>
             <a:r>
-              <a:rPr lang="en-US" sz="1200" b="0" i="0" u="none" strike="noStrike" kern="1200" baseline="0" dirty="0" smtClean="0">
+              <a:rPr lang="en-US" sz="1200" b="0" i="0" u="none" strike="noStrike" kern="1200" baseline="0" dirty="0">
                 <a:solidFill>
                   <a:schemeClr val="tx1"/>
                 </a:solidFill>
@@ -3867,10 +3802,10 @@
                 <a:ea typeface="+mn-ea"/>
                 <a:cs typeface="+mn-cs"/>
               </a:rPr>
-              <a:t>Place </a:t>
-            </a:r>
-            <a:r>
-              <a:rPr lang="en-US" sz="1200" b="0" i="0" u="none" strike="noStrike" kern="1200" baseline="0" dirty="0">
+              <a:t>Create another layout that contains a </a:t>
+            </a:r>
+            <a:r>
+              <a:rPr lang="en-US" sz="1200" b="0" i="0" u="none" strike="noStrike" kern="1200" baseline="0" dirty="0" err="1">
                 <a:solidFill>
                   <a:schemeClr val="tx1"/>
                 </a:solidFill>
@@ -3878,18 +3813,27 @@
                 <a:ea typeface="+mn-ea"/>
                 <a:cs typeface="+mn-cs"/>
               </a:rPr>
-              <a:t>a Spinner in your layout XML (</a:t>
+              <a:t>TextView</a:t>
+            </a:r>
+            <a:r>
+              <a:rPr lang="en-US" sz="1200" b="0" i="0" u="none" strike="noStrike" kern="1200" baseline="0" dirty="0">
+                <a:solidFill>
+                  <a:schemeClr val="tx1"/>
+                </a:solidFill>
+                <a:latin typeface="+mn-lt"/>
+                <a:ea typeface="+mn-ea"/>
+                <a:cs typeface="+mn-cs"/>
+              </a:rPr>
+              <a:t> for binding to an Adapter to create a list to display. (</a:t>
             </a:r>
             <a:r>
               <a:rPr lang="en-US" dirty="0" err="1"/>
-              <a:t>spinner.axml</a:t>
+              <a:t>TextViewForSpinner.axml</a:t>
             </a:r>
             <a:r>
               <a:rPr lang="en-US" dirty="0"/>
               <a:t>)</a:t>
             </a:r>
-          </a:p>
-          <a:p>
             <a:endParaRPr lang="en-US" sz="1200" b="0" i="0" u="none" strike="noStrike" kern="1200" baseline="0" dirty="0">
               <a:solidFill>
                 <a:schemeClr val="tx1"/>
@@ -3899,89 +3843,6 @@
               <a:cs typeface="+mn-cs"/>
             </a:endParaRPr>
           </a:p>
-          <a:p>
-            <a:r>
-              <a:rPr lang="en-US" sz="1200" b="1" i="0" u="none" strike="noStrike" kern="1200" baseline="0" dirty="0" smtClean="0">
-                <a:solidFill>
-                  <a:schemeClr val="tx1"/>
-                </a:solidFill>
-                <a:latin typeface="+mn-lt"/>
-                <a:ea typeface="+mn-ea"/>
-                <a:cs typeface="+mn-cs"/>
-              </a:rPr>
-              <a:t>References:</a:t>
-            </a:r>
-            <a:endParaRPr lang="en-US" sz="1200" b="1" i="0" u="none" strike="noStrike" kern="1200" baseline="0" dirty="0">
-              <a:solidFill>
-                <a:schemeClr val="tx1"/>
-              </a:solidFill>
-              <a:latin typeface="+mn-lt"/>
-              <a:ea typeface="+mn-ea"/>
-              <a:cs typeface="+mn-cs"/>
-            </a:endParaRPr>
-          </a:p>
-          <a:p>
-            <a:pPr marL="171450" marR="0" lvl="0" indent="-171450" algn="l" defTabSz="914400" rtl="0" eaLnBrk="1" fontAlgn="auto" latinLnBrk="0" hangingPunct="1">
-              <a:lnSpc>
-                <a:spcPct val="100000"/>
-              </a:lnSpc>
-              <a:spcBef>
-                <a:spcPts val="0"/>
-              </a:spcBef>
-              <a:spcAft>
-                <a:spcPts val="0"/>
-              </a:spcAft>
-              <a:buClrTx/>
-              <a:buSzTx/>
-              <a:buFont typeface="Arial"/>
-              <a:buChar char="•"/>
-              <a:tabLst/>
-              <a:defRPr/>
-            </a:pPr>
-            <a:r>
-              <a:rPr lang="en-US" sz="1200" b="0" i="0" u="none" strike="noStrike" kern="1200" baseline="0" dirty="0">
-                <a:solidFill>
-                  <a:schemeClr val="tx1"/>
-                </a:solidFill>
-                <a:latin typeface="+mn-lt"/>
-                <a:ea typeface="+mn-ea"/>
-                <a:cs typeface="+mn-cs"/>
-              </a:rPr>
-              <a:t>Images from </a:t>
-            </a:r>
-            <a:r>
-              <a:rPr lang="en-US" sz="1200" b="0" i="1" u="none" strike="noStrike" kern="1200" baseline="0" dirty="0">
-                <a:solidFill>
-                  <a:schemeClr val="tx1"/>
-                </a:solidFill>
-                <a:latin typeface="+mn-lt"/>
-                <a:ea typeface="+mn-ea"/>
-                <a:cs typeface="+mn-cs"/>
-              </a:rPr>
-              <a:t>Xamarin Mobile Application Development </a:t>
-            </a:r>
-            <a:r>
-              <a:rPr lang="en-US" sz="1200" b="0" i="0" u="none" strike="noStrike" kern="1200" baseline="0" dirty="0">
-                <a:solidFill>
-                  <a:schemeClr val="tx1"/>
-                </a:solidFill>
-                <a:latin typeface="+mn-lt"/>
-                <a:ea typeface="+mn-ea"/>
-                <a:cs typeface="+mn-cs"/>
-              </a:rPr>
-              <a:t>by Dan Hermes  http://amzn.to/1rowG7K</a:t>
-            </a:r>
-          </a:p>
-          <a:p>
-            <a:endParaRPr lang="en-US" sz="1200" b="0" i="0" u="none" strike="noStrike" kern="1200" baseline="0" dirty="0">
-              <a:solidFill>
-                <a:schemeClr val="tx1"/>
-              </a:solidFill>
-              <a:latin typeface="+mn-lt"/>
-              <a:ea typeface="+mn-ea"/>
-              <a:cs typeface="+mn-cs"/>
-            </a:endParaRPr>
-          </a:p>
         </p:txBody>
       </p:sp>
       <p:sp>
@@ -4010,7 +3871,7 @@
     </p:spTree>
     <p:extLst>
       <p:ext uri="{BB962C8B-B14F-4D97-AF65-F5344CB8AC3E}">
-        <p14:creationId xmlns:p14="http://schemas.microsoft.com/office/powerpoint/2010/main" val="706997173"/>
+        <p14:creationId xmlns:p14="http://schemas.microsoft.com/office/powerpoint/2010/main" val="3853880148"/>
       </p:ext>
     </p:extLst>
   </p:cSld>
@@ -4064,7 +3925,75 @@
           <a:bodyPr/>
           <a:lstStyle/>
           <a:p>
-            <a:endParaRPr lang="ko-KR" altLang="en-US" dirty="0"/>
+            <a:r>
+              <a:rPr lang="en-US" sz="1200" b="0" i="0" u="none" strike="noStrike" kern="1200" baseline="0" dirty="0">
+                <a:solidFill>
+                  <a:schemeClr val="tx1"/>
+                </a:solidFill>
+                <a:latin typeface="+mn-lt"/>
+                <a:ea typeface="+mn-ea"/>
+                <a:cs typeface="+mn-cs"/>
+              </a:rPr>
+              <a:t>Instantiate the spinner in an activity, populate the list, and then bind the list to the </a:t>
+            </a:r>
+            <a:r>
+              <a:rPr lang="en-US" sz="1200" b="0" i="0" u="none" strike="noStrike" kern="1200" baseline="0" dirty="0" err="1">
+                <a:solidFill>
+                  <a:schemeClr val="tx1"/>
+                </a:solidFill>
+                <a:latin typeface="+mn-lt"/>
+                <a:ea typeface="+mn-ea"/>
+                <a:cs typeface="+mn-cs"/>
+              </a:rPr>
+              <a:t>Spinner.Adapter</a:t>
+            </a:r>
+            <a:r>
+              <a:rPr lang="en-US" sz="1200" b="0" i="0" u="none" strike="noStrike" kern="1200" baseline="0" dirty="0">
+                <a:solidFill>
+                  <a:schemeClr val="tx1"/>
+                </a:solidFill>
+                <a:latin typeface="+mn-lt"/>
+                <a:ea typeface="+mn-ea"/>
+                <a:cs typeface="+mn-cs"/>
+              </a:rPr>
+              <a:t> property</a:t>
+            </a:r>
+          </a:p>
+          <a:p>
+            <a:r>
+              <a:rPr lang="en-US" sz="1200" b="0" i="0" u="none" strike="noStrike" kern="1200" baseline="0" dirty="0">
+                <a:solidFill>
+                  <a:schemeClr val="tx1"/>
+                </a:solidFill>
+                <a:latin typeface="+mn-lt"/>
+                <a:ea typeface="+mn-ea"/>
+                <a:cs typeface="+mn-cs"/>
+              </a:rPr>
+              <a:t>Handle selection using the </a:t>
+            </a:r>
+            <a:r>
+              <a:rPr lang="en-US" sz="1200" b="0" i="0" u="none" strike="noStrike" kern="1200" baseline="0" dirty="0" err="1">
+                <a:solidFill>
+                  <a:schemeClr val="tx1"/>
+                </a:solidFill>
+                <a:latin typeface="+mn-lt"/>
+                <a:ea typeface="+mn-ea"/>
+                <a:cs typeface="+mn-cs"/>
+              </a:rPr>
+              <a:t>Spinner.ItemSelected</a:t>
+            </a:r>
+            <a:r>
+              <a:rPr lang="en-US" sz="1200" b="0" i="0" u="none" strike="noStrike" kern="1200" baseline="0" dirty="0">
+                <a:solidFill>
+                  <a:schemeClr val="tx1"/>
+                </a:solidFill>
+                <a:latin typeface="+mn-lt"/>
+                <a:ea typeface="+mn-ea"/>
+                <a:cs typeface="+mn-cs"/>
+              </a:rPr>
+              <a:t> event.</a:t>
+            </a:r>
+            <a:endParaRPr lang="en-US" dirty="0"/>
           </a:p>
         </p:txBody>
       </p:sp>
@@ -4094,7 +4023,7 @@
     </p:spTree>
     <p:extLst>
       <p:ext uri="{BB962C8B-B14F-4D97-AF65-F5344CB8AC3E}">
-        <p14:creationId xmlns:p14="http://schemas.microsoft.com/office/powerpoint/2010/main" val="1640149542"/>
+        <p14:creationId xmlns:p14="http://schemas.microsoft.com/office/powerpoint/2010/main" val="2344513759"/>
       </p:ext>
     </p:extLst>
   </p:cSld>
@@ -4179,6 +4108,90 @@
     <p:extLst>
       <p:ext uri="{BB962C8B-B14F-4D97-AF65-F5344CB8AC3E}">
         <p14:creationId xmlns:p14="http://schemas.microsoft.com/office/powerpoint/2010/main" val="1409131640"/>
+      </p:ext>
+    </p:extLst>
+  </p:cSld>
+  <p:clrMapOvr>
+    <a:masterClrMapping/>
+  </p:clrMapOvr>
+</p:notes>
+</file>
+
+<file path=ppt/notesSlides/notesSlide30.xml><?xml version="1.0" encoding="utf-8"?>
+<p:notes xmlns:a="http://schemas.openxmlformats.org/drawingml/2006/main" xmlns:r="http://schemas.openxmlformats.org/officeDocument/2006/relationships" xmlns:p="http://schemas.openxmlformats.org/presentationml/2006/main">
+  <p:cSld>
+    <p:spTree>
+      <p:nvGrpSpPr>
+        <p:cNvPr id="1" name=""/>
+        <p:cNvGrpSpPr/>
+        <p:nvPr/>
+      </p:nvGrpSpPr>
+      <p:grpSpPr>
+        <a:xfrm>
+          <a:off x="0" y="0"/>
+          <a:ext cx="0" cy="0"/>
+          <a:chOff x="0" y="0"/>
+          <a:chExt cx="0" cy="0"/>
+        </a:xfrm>
+      </p:grpSpPr>
+      <p:sp>
+        <p:nvSpPr>
+          <p:cNvPr id="2" name="Slide Image Placeholder 1"/>
+          <p:cNvSpPr>
+            <a:spLocks noGrp="1" noRot="1" noChangeAspect="1"/>
+          </p:cNvSpPr>
+          <p:nvPr>
+            <p:ph type="sldImg"/>
+          </p:nvPr>
+        </p:nvSpPr>
+        <p:spPr/>
+      </p:sp>
+      <p:sp>
+        <p:nvSpPr>
+          <p:cNvPr id="3" name="Notes Placeholder 2"/>
+          <p:cNvSpPr>
+            <a:spLocks noGrp="1"/>
+          </p:cNvSpPr>
+          <p:nvPr>
+            <p:ph type="body" idx="1"/>
+          </p:nvPr>
+        </p:nvSpPr>
+        <p:spPr/>
+        <p:txBody>
+          <a:bodyPr/>
+          <a:lstStyle/>
+          <a:p>
+            <a:endParaRPr lang="ko-KR" altLang="en-US" dirty="0"/>
+          </a:p>
+        </p:txBody>
+      </p:sp>
+      <p:sp>
+        <p:nvSpPr>
+          <p:cNvPr id="4" name="Slide Number Placeholder 3"/>
+          <p:cNvSpPr>
+            <a:spLocks noGrp="1"/>
+          </p:cNvSpPr>
+          <p:nvPr>
+            <p:ph type="sldNum" sz="quarter" idx="10"/>
+          </p:nvPr>
+        </p:nvSpPr>
+        <p:spPr/>
+        <p:txBody>
+          <a:bodyPr/>
+          <a:lstStyle/>
+          <a:p>
+            <a:fld id="{01283FAC-A721-45A3-BBDE-EAF2B09B7CD9}" type="slidenum">
+              <a:rPr lang="en-US" smtClean="0"/>
+              <a:t>32</a:t>
+            </a:fld>
+            <a:endParaRPr lang="en-US"/>
+          </a:p>
+        </p:txBody>
+      </p:sp>
+    </p:spTree>
+    <p:extLst>
+      <p:ext uri="{BB962C8B-B14F-4D97-AF65-F5344CB8AC3E}">
+        <p14:creationId xmlns:p14="http://schemas.microsoft.com/office/powerpoint/2010/main" val="1640149542"/>
       </p:ext>
     </p:extLst>
   </p:cSld>
@@ -5042,10 +5055,9 @@
           </a:lstStyle>
           <a:p>
             <a:r>
-              <a:rPr lang="en-US" smtClean="0"/>
+              <a:rPr lang="en-US"/>
               <a:t>Click to edit Master title style</a:t>
             </a:r>
-            <a:endParaRPr lang="en-US"/>
           </a:p>
         </p:txBody>
       </p:sp>
@@ -5113,7 +5125,7 @@
           </a:lstStyle>
           <a:p>
             <a:r>
-              <a:rPr lang="en-US" smtClean="0"/>
+              <a:rPr lang="en-US"/>
               <a:t>Click to edit Master subtitle style</a:t>
             </a:r>
             <a:endParaRPr lang="en-US" dirty="0"/>
@@ -5137,7 +5149,7 @@
           <a:p>
             <a:fld id="{0459C166-16D3-4A25-A2F8-C51E0E346B22}" type="datetimeFigureOut">
               <a:rPr lang="en-US" smtClean="0"/>
-              <a:t>6/16/16</a:t>
+              <a:t>6/28/16</a:t>
             </a:fld>
             <a:endParaRPr lang="en-US"/>
           </a:p>
@@ -5236,10 +5248,9 @@
           <a:lstStyle/>
           <a:p>
             <a:r>
-              <a:rPr lang="en-US" smtClean="0"/>
+              <a:rPr lang="en-US"/>
               <a:t>Click to edit Master title style</a:t>
             </a:r>
-            <a:endParaRPr lang="en-US"/>
           </a:p>
         </p:txBody>
       </p:sp>
@@ -5302,7 +5313,7 @@
           <a:p>
             <a:pPr lvl="0"/>
             <a:r>
-              <a:rPr lang="en-US" smtClean="0"/>
+              <a:rPr lang="en-US"/>
               <a:t>Click to edit Master text styles</a:t>
             </a:r>
           </a:p>
@@ -5330,38 +5341,37 @@
           <a:p>
             <a:pPr lvl="0"/>
             <a:r>
-              <a:rPr lang="en-US" smtClean="0"/>
+              <a:rPr lang="en-US"/>
               <a:t>Click to edit Master text styles</a:t>
             </a:r>
           </a:p>
           <a:p>
             <a:pPr lvl="1"/>
             <a:r>
-              <a:rPr lang="en-US" smtClean="0"/>
+              <a:rPr lang="en-US"/>
               <a:t>Second level</a:t>
             </a:r>
           </a:p>
           <a:p>
             <a:pPr lvl="2"/>
             <a:r>
-              <a:rPr lang="en-US" smtClean="0"/>
+              <a:rPr lang="en-US"/>
               <a:t>Third level</a:t>
             </a:r>
           </a:p>
           <a:p>
             <a:pPr lvl="3"/>
             <a:r>
-              <a:rPr lang="en-US" smtClean="0"/>
+              <a:rPr lang="en-US"/>
               <a:t>Fourth level</a:t>
             </a:r>
           </a:p>
           <a:p>
             <a:pPr lvl="4"/>
             <a:r>
-              <a:rPr lang="en-US" smtClean="0"/>
+              <a:rPr lang="en-US"/>
               <a:t>Fifth level</a:t>
             </a:r>
-            <a:endParaRPr lang="en-US"/>
           </a:p>
         </p:txBody>
       </p:sp>
@@ -5424,7 +5434,7 @@
           <a:p>
             <a:pPr lvl="0"/>
             <a:r>
-              <a:rPr lang="en-US" smtClean="0"/>
+              <a:rPr lang="en-US"/>
               <a:t>Click to edit Master text styles</a:t>
             </a:r>
           </a:p>
@@ -5452,38 +5462,37 @@
           <a:p>
             <a:pPr lvl="0"/>
             <a:r>
-              <a:rPr lang="en-US" smtClean="0"/>
+              <a:rPr lang="en-US"/>
               <a:t>Click to edit Master text styles</a:t>
             </a:r>
           </a:p>
           <a:p>
             <a:pPr lvl="1"/>
             <a:r>
-              <a:rPr lang="en-US" smtClean="0"/>
+              <a:rPr lang="en-US"/>
               <a:t>Second level</a:t>
             </a:r>
           </a:p>
           <a:p>
             <a:pPr lvl="2"/>
             <a:r>
-              <a:rPr lang="en-US" smtClean="0"/>
+              <a:rPr lang="en-US"/>
               <a:t>Third level</a:t>
             </a:r>
           </a:p>
           <a:p>
             <a:pPr lvl="3"/>
             <a:r>
-              <a:rPr lang="en-US" smtClean="0"/>
+              <a:rPr lang="en-US"/>
               <a:t>Fourth level</a:t>
             </a:r>
           </a:p>
           <a:p>
             <a:pPr lvl="4"/>
             <a:r>
-              <a:rPr lang="en-US" smtClean="0"/>
+              <a:rPr lang="en-US"/>
               <a:t>Fifth level</a:t>
             </a:r>
-            <a:endParaRPr lang="en-US"/>
           </a:p>
         </p:txBody>
       </p:sp>
@@ -5504,7 +5513,7 @@
           <a:p>
             <a:fld id="{0459C166-16D3-4A25-A2F8-C51E0E346B22}" type="datetimeFigureOut">
               <a:rPr lang="en-US" smtClean="0"/>
-              <a:t>6/16/16</a:t>
+              <a:t>6/28/16</a:t>
             </a:fld>
             <a:endParaRPr lang="en-US"/>
           </a:p>
@@ -5598,10 +5607,9 @@
           <a:lstStyle/>
           <a:p>
             <a:r>
-              <a:rPr lang="en-US" smtClean="0"/>
+              <a:rPr lang="en-US"/>
               <a:t>Click to edit Master title style</a:t>
             </a:r>
-            <a:endParaRPr lang="en-US"/>
           </a:p>
         </p:txBody>
       </p:sp>
@@ -5622,7 +5630,7 @@
           <a:p>
             <a:fld id="{0459C166-16D3-4A25-A2F8-C51E0E346B22}" type="datetimeFigureOut">
               <a:rPr lang="en-US" smtClean="0"/>
-              <a:t>6/16/16</a:t>
+              <a:t>6/28/16</a:t>
             </a:fld>
             <a:endParaRPr lang="en-US"/>
           </a:p>
@@ -5921,7 +5929,7 @@
           <a:p>
             <a:fld id="{0459C166-16D3-4A25-A2F8-C51E0E346B22}" type="datetimeFigureOut">
               <a:rPr lang="en-US" smtClean="0"/>
-              <a:t>6/16/16</a:t>
+              <a:t>6/28/16</a:t>
             </a:fld>
             <a:endParaRPr lang="en-US"/>
           </a:p>
@@ -6313,7 +6321,7 @@
           <a:p>
             <a:fld id="{0459C166-16D3-4A25-A2F8-C51E0E346B22}" type="datetimeFigureOut">
               <a:rPr lang="en-US" smtClean="0"/>
-              <a:t>6/16/16</a:t>
+              <a:t>6/28/16</a:t>
             </a:fld>
             <a:endParaRPr lang="en-US"/>
           </a:p>
@@ -7139,10 +7147,9 @@
           <a:lstStyle/>
           <a:p>
             <a:r>
-              <a:rPr lang="en-US" smtClean="0"/>
+              <a:rPr lang="en-US"/>
               <a:t>Click to edit Master title style</a:t>
             </a:r>
-            <a:endParaRPr lang="en-US"/>
           </a:p>
         </p:txBody>
       </p:sp>
@@ -7163,38 +7170,37 @@
           <a:p>
             <a:pPr lvl="0"/>
             <a:r>
-              <a:rPr lang="en-US" smtClean="0"/>
+              <a:rPr lang="en-US"/>
               <a:t>Click to edit Master text styles</a:t>
             </a:r>
           </a:p>
           <a:p>
             <a:pPr lvl="1"/>
             <a:r>
-              <a:rPr lang="en-US" smtClean="0"/>
+              <a:rPr lang="en-US"/>
               <a:t>Second level</a:t>
             </a:r>
           </a:p>
           <a:p>
             <a:pPr lvl="2"/>
             <a:r>
-              <a:rPr lang="en-US" smtClean="0"/>
+              <a:rPr lang="en-US"/>
               <a:t>Third level</a:t>
             </a:r>
           </a:p>
           <a:p>
             <a:pPr lvl="3"/>
             <a:r>
-              <a:rPr lang="en-US" smtClean="0"/>
+              <a:rPr lang="en-US"/>
               <a:t>Fourth level</a:t>
             </a:r>
           </a:p>
           <a:p>
             <a:pPr lvl="4"/>
             <a:r>
-              <a:rPr lang="en-US" smtClean="0"/>
+              <a:rPr lang="en-US"/>
               <a:t>Fifth level</a:t>
             </a:r>
-            <a:endParaRPr lang="en-US"/>
           </a:p>
         </p:txBody>
       </p:sp>
@@ -7215,7 +7221,7 @@
           <a:p>
             <a:fld id="{0459C166-16D3-4A25-A2F8-C51E0E346B22}" type="datetimeFigureOut">
               <a:rPr lang="en-US" smtClean="0"/>
-              <a:t>6/16/16</a:t>
+              <a:t>6/28/16</a:t>
             </a:fld>
             <a:endParaRPr lang="en-US"/>
           </a:p>
@@ -7330,10 +7336,9 @@
           </a:lstStyle>
           <a:p>
             <a:r>
-              <a:rPr lang="en-US" smtClean="0"/>
+              <a:rPr lang="en-US"/>
               <a:t>Click to edit Master title style</a:t>
             </a:r>
-            <a:endParaRPr lang="en-US"/>
           </a:p>
         </p:txBody>
       </p:sp>
@@ -7448,7 +7453,7 @@
           <a:p>
             <a:pPr lvl="0"/>
             <a:r>
-              <a:rPr lang="en-US" smtClean="0"/>
+              <a:rPr lang="en-US"/>
               <a:t>Click to edit Master text styles</a:t>
             </a:r>
           </a:p>
@@ -7480,7 +7485,7 @@
             <a:fld id="{0459C166-16D3-4A25-A2F8-C51E0E346B22}" type="datetimeFigureOut">
               <a:rPr lang="en-US" smtClean="0"/>
               <a:pPr/>
-              <a:t>6/16/16</a:t>
+              <a:t>6/28/16</a:t>
             </a:fld>
             <a:endParaRPr lang="en-US"/>
           </a:p>
@@ -7612,10 +7617,9 @@
           </a:lstStyle>
           <a:p>
             <a:r>
-              <a:rPr lang="en-US" smtClean="0"/>
+              <a:rPr lang="en-US"/>
               <a:t>Click to edit Master title style</a:t>
             </a:r>
-            <a:endParaRPr lang="en-US"/>
           </a:p>
         </p:txBody>
       </p:sp>
@@ -7694,38 +7698,37 @@
           <a:p>
             <a:pPr lvl="0"/>
             <a:r>
-              <a:rPr lang="en-US" noProof="1" smtClean="0"/>
+              <a:rPr lang="en-US" noProof="1"/>
               <a:t>Click to edit Master text styles</a:t>
             </a:r>
           </a:p>
           <a:p>
             <a:pPr lvl="1"/>
             <a:r>
-              <a:rPr lang="en-US" noProof="1" smtClean="0"/>
+              <a:rPr lang="en-US" noProof="1"/>
               <a:t>Second level</a:t>
             </a:r>
           </a:p>
           <a:p>
             <a:pPr lvl="2"/>
             <a:r>
-              <a:rPr lang="en-US" noProof="1" smtClean="0"/>
+              <a:rPr lang="en-US" noProof="1"/>
               <a:t>Third level</a:t>
             </a:r>
           </a:p>
           <a:p>
             <a:pPr lvl="3"/>
             <a:r>
-              <a:rPr lang="en-US" noProof="1" smtClean="0"/>
+              <a:rPr lang="en-US" noProof="1"/>
               <a:t>Fourth level</a:t>
             </a:r>
           </a:p>
           <a:p>
             <a:pPr lvl="4"/>
             <a:r>
-              <a:rPr lang="en-US" noProof="1" smtClean="0"/>
+              <a:rPr lang="en-US" noProof="1"/>
               <a:t>Fifth level</a:t>
             </a:r>
-            <a:endParaRPr lang="en-US" noProof="1"/>
           </a:p>
         </p:txBody>
       </p:sp>
@@ -7775,10 +7778,9 @@
           <a:lstStyle/>
           <a:p>
             <a:r>
-              <a:rPr lang="en-US" smtClean="0"/>
+              <a:rPr lang="en-US"/>
               <a:t>Click to edit Master title style</a:t>
             </a:r>
-            <a:endParaRPr lang="en-US"/>
           </a:p>
         </p:txBody>
       </p:sp>
@@ -7799,7 +7801,7 @@
           <a:p>
             <a:fld id="{0459C166-16D3-4A25-A2F8-C51E0E346B22}" type="datetimeFigureOut">
               <a:rPr lang="en-US" smtClean="0"/>
-              <a:t>6/16/16</a:t>
+              <a:t>6/28/16</a:t>
             </a:fld>
             <a:endParaRPr lang="en-US"/>
           </a:p>
@@ -8087,35 +8089,35 @@
           <a:p>
             <a:pPr lvl="0"/>
             <a:r>
-              <a:rPr lang="en-US" smtClean="0"/>
+              <a:rPr lang="en-US"/>
               <a:t>Click to edit Master text styles</a:t>
             </a:r>
           </a:p>
           <a:p>
             <a:pPr lvl="1"/>
             <a:r>
-              <a:rPr lang="en-US" smtClean="0"/>
+              <a:rPr lang="en-US"/>
               <a:t>Second level</a:t>
             </a:r>
           </a:p>
           <a:p>
             <a:pPr lvl="2"/>
             <a:r>
-              <a:rPr lang="en-US" smtClean="0"/>
+              <a:rPr lang="en-US"/>
               <a:t>Third level</a:t>
             </a:r>
           </a:p>
           <a:p>
             <a:pPr lvl="3"/>
             <a:r>
-              <a:rPr lang="en-US" smtClean="0"/>
+              <a:rPr lang="en-US"/>
               <a:t>Fourth level</a:t>
             </a:r>
           </a:p>
           <a:p>
             <a:pPr lvl="4"/>
             <a:r>
-              <a:rPr lang="en-US" smtClean="0"/>
+              <a:rPr lang="en-US"/>
               <a:t>Fifth level</a:t>
             </a:r>
             <a:endParaRPr lang="en-US" dirty="0"/>
@@ -8349,7 +8351,7 @@
           </a:lstStyle>
           <a:p>
             <a:r>
-              <a:rPr lang="en-US" smtClean="0"/>
+              <a:rPr lang="en-US"/>
               <a:t>Click to edit Master title style</a:t>
             </a:r>
             <a:endParaRPr lang="en-US" dirty="0"/>
@@ -8373,7 +8375,7 @@
           <a:p>
             <a:fld id="{0459C166-16D3-4A25-A2F8-C51E0E346B22}" type="datetimeFigureOut">
               <a:rPr lang="en-US" smtClean="0"/>
-              <a:t>6/16/16</a:t>
+              <a:t>6/28/16</a:t>
             </a:fld>
             <a:endParaRPr lang="en-US"/>
           </a:p>
@@ -8661,35 +8663,35 @@
           <a:p>
             <a:pPr lvl="0"/>
             <a:r>
-              <a:rPr lang="en-US" smtClean="0"/>
+              <a:rPr lang="en-US"/>
               <a:t>Click to edit Master text styles</a:t>
             </a:r>
           </a:p>
           <a:p>
             <a:pPr lvl="1"/>
             <a:r>
-              <a:rPr lang="en-US" smtClean="0"/>
+              <a:rPr lang="en-US"/>
               <a:t>Second level</a:t>
             </a:r>
           </a:p>
           <a:p>
             <a:pPr lvl="2"/>
             <a:r>
-              <a:rPr lang="en-US" smtClean="0"/>
+              <a:rPr lang="en-US"/>
               <a:t>Third level</a:t>
             </a:r>
           </a:p>
           <a:p>
             <a:pPr lvl="3"/>
             <a:r>
-              <a:rPr lang="en-US" smtClean="0"/>
+              <a:rPr lang="en-US"/>
               <a:t>Fourth level</a:t>
             </a:r>
           </a:p>
           <a:p>
             <a:pPr lvl="4"/>
             <a:r>
-              <a:rPr lang="en-US" smtClean="0"/>
+              <a:rPr lang="en-US"/>
               <a:t>Fifth level</a:t>
             </a:r>
             <a:endParaRPr lang="en-US" dirty="0"/>
@@ -8924,10 +8926,9 @@
           <a:lstStyle/>
           <a:p>
             <a:r>
-              <a:rPr lang="en-US" smtClean="0"/>
+              <a:rPr lang="en-US"/>
               <a:t>Click to edit Master title style</a:t>
             </a:r>
-            <a:endParaRPr lang="en-US"/>
           </a:p>
         </p:txBody>
       </p:sp>
@@ -9019,38 +9020,37 @@
           <a:p>
             <a:pPr lvl="0"/>
             <a:r>
-              <a:rPr lang="en-US" noProof="1" smtClean="0"/>
+              <a:rPr lang="en-US" noProof="1"/>
               <a:t>Click to edit Master text styles</a:t>
             </a:r>
           </a:p>
           <a:p>
             <a:pPr lvl="1"/>
             <a:r>
-              <a:rPr lang="en-US" noProof="1" smtClean="0"/>
+              <a:rPr lang="en-US" noProof="1"/>
               <a:t>Second level</a:t>
             </a:r>
           </a:p>
           <a:p>
             <a:pPr lvl="2"/>
             <a:r>
-              <a:rPr lang="en-US" noProof="1" smtClean="0"/>
+              <a:rPr lang="en-US" noProof="1"/>
               <a:t>Third level</a:t>
             </a:r>
           </a:p>
           <a:p>
             <a:pPr lvl="3"/>
             <a:r>
-              <a:rPr lang="en-US" noProof="1" smtClean="0"/>
+              <a:rPr lang="en-US" noProof="1"/>
               <a:t>Fourth level</a:t>
             </a:r>
           </a:p>
           <a:p>
             <a:pPr lvl="4"/>
             <a:r>
-              <a:rPr lang="en-US" noProof="1" smtClean="0"/>
+              <a:rPr lang="en-US" noProof="1"/>
               <a:t>Fifth level</a:t>
             </a:r>
-            <a:endParaRPr lang="en-US" noProof="1"/>
           </a:p>
         </p:txBody>
       </p:sp>
@@ -9121,10 +9121,9 @@
           </a:lstStyle>
           <a:p>
             <a:r>
-              <a:rPr lang="en-US" smtClean="0"/>
+              <a:rPr lang="en-US"/>
               <a:t>Click to edit Master title style</a:t>
             </a:r>
-            <a:endParaRPr lang="en-US"/>
           </a:p>
         </p:txBody>
       </p:sp>
@@ -9191,35 +9190,35 @@
           <a:p>
             <a:pPr lvl="0"/>
             <a:r>
-              <a:rPr lang="en-US" smtClean="0"/>
+              <a:rPr lang="en-US"/>
               <a:t>Click to edit Master text styles</a:t>
             </a:r>
           </a:p>
           <a:p>
             <a:pPr lvl="1"/>
             <a:r>
-              <a:rPr lang="en-US" smtClean="0"/>
+              <a:rPr lang="en-US"/>
               <a:t>Second level</a:t>
             </a:r>
           </a:p>
           <a:p>
             <a:pPr lvl="2"/>
             <a:r>
-              <a:rPr lang="en-US" smtClean="0"/>
+              <a:rPr lang="en-US"/>
               <a:t>Third level</a:t>
             </a:r>
           </a:p>
           <a:p>
             <a:pPr lvl="3"/>
             <a:r>
-              <a:rPr lang="en-US" smtClean="0"/>
+              <a:rPr lang="en-US"/>
               <a:t>Fourth level</a:t>
             </a:r>
           </a:p>
           <a:p>
             <a:pPr lvl="4"/>
             <a:r>
-              <a:rPr lang="en-US" smtClean="0"/>
+              <a:rPr lang="en-US"/>
               <a:t>Fifth level</a:t>
             </a:r>
             <a:endParaRPr lang="en-US" dirty="0"/>
@@ -9301,38 +9300,37 @@
           <a:p>
             <a:pPr lvl="0"/>
             <a:r>
-              <a:rPr lang="en-US" noProof="1" smtClean="0"/>
+              <a:rPr lang="en-US" noProof="1"/>
               <a:t>Click to edit Master text styles</a:t>
             </a:r>
           </a:p>
           <a:p>
             <a:pPr lvl="1"/>
             <a:r>
-              <a:rPr lang="en-US" noProof="1" smtClean="0"/>
+              <a:rPr lang="en-US" noProof="1"/>
               <a:t>Second level</a:t>
             </a:r>
           </a:p>
           <a:p>
             <a:pPr lvl="2"/>
             <a:r>
-              <a:rPr lang="en-US" noProof="1" smtClean="0"/>
+              <a:rPr lang="en-US" noProof="1"/>
               <a:t>Third level</a:t>
             </a:r>
           </a:p>
           <a:p>
             <a:pPr lvl="3"/>
             <a:r>
-              <a:rPr lang="en-US" noProof="1" smtClean="0"/>
+              <a:rPr lang="en-US" noProof="1"/>
               <a:t>Fourth level</a:t>
             </a:r>
           </a:p>
           <a:p>
             <a:pPr lvl="4"/>
             <a:r>
-              <a:rPr lang="en-US" noProof="1" smtClean="0"/>
+              <a:rPr lang="en-US" noProof="1"/>
               <a:t>Fifth level</a:t>
             </a:r>
-            <a:endParaRPr lang="en-US" noProof="1"/>
           </a:p>
         </p:txBody>
       </p:sp>
@@ -9382,10 +9380,9 @@
           <a:lstStyle/>
           <a:p>
             <a:r>
-              <a:rPr lang="en-US" smtClean="0"/>
+              <a:rPr lang="en-US"/>
               <a:t>Click to edit Master title style</a:t>
             </a:r>
-            <a:endParaRPr lang="en-US"/>
           </a:p>
         </p:txBody>
       </p:sp>
@@ -9411,38 +9408,37 @@
           <a:p>
             <a:pPr lvl="0"/>
             <a:r>
-              <a:rPr lang="en-US" smtClean="0"/>
+              <a:rPr lang="en-US"/>
               <a:t>Click to edit Master text styles</a:t>
             </a:r>
           </a:p>
           <a:p>
             <a:pPr lvl="1"/>
             <a:r>
-              <a:rPr lang="en-US" smtClean="0"/>
+              <a:rPr lang="en-US"/>
               <a:t>Second level</a:t>
             </a:r>
           </a:p>
           <a:p>
             <a:pPr lvl="2"/>
             <a:r>
-              <a:rPr lang="en-US" smtClean="0"/>
+              <a:rPr lang="en-US"/>
               <a:t>Third level</a:t>
             </a:r>
           </a:p>
           <a:p>
             <a:pPr lvl="3"/>
             <a:r>
-              <a:rPr lang="en-US" smtClean="0"/>
+              <a:rPr lang="en-US"/>
               <a:t>Fourth level</a:t>
             </a:r>
           </a:p>
           <a:p>
             <a:pPr lvl="4"/>
             <a:r>
-              <a:rPr lang="en-US" smtClean="0"/>
+              <a:rPr lang="en-US"/>
               <a:t>Fifth level</a:t>
             </a:r>
-            <a:endParaRPr lang="en-US"/>
           </a:p>
         </p:txBody>
       </p:sp>
@@ -9468,38 +9464,37 @@
           <a:p>
             <a:pPr lvl="0"/>
             <a:r>
-              <a:rPr lang="en-US" smtClean="0"/>
+              <a:rPr lang="en-US"/>
               <a:t>Click to edit Master text styles</a:t>
             </a:r>
           </a:p>
           <a:p>
             <a:pPr lvl="1"/>
             <a:r>
-              <a:rPr lang="en-US" smtClean="0"/>
+              <a:rPr lang="en-US"/>
               <a:t>Second level</a:t>
             </a:r>
           </a:p>
           <a:p>
             <a:pPr lvl="2"/>
             <a:r>
-              <a:rPr lang="en-US" smtClean="0"/>
+              <a:rPr lang="en-US"/>
               <a:t>Third level</a:t>
             </a:r>
           </a:p>
           <a:p>
             <a:pPr lvl="3"/>
             <a:r>
-              <a:rPr lang="en-US" smtClean="0"/>
+              <a:rPr lang="en-US"/>
               <a:t>Fourth level</a:t>
             </a:r>
           </a:p>
           <a:p>
             <a:pPr lvl="4"/>
             <a:r>
-              <a:rPr lang="en-US" smtClean="0"/>
+              <a:rPr lang="en-US"/>
               <a:t>Fifth level</a:t>
             </a:r>
-            <a:endParaRPr lang="en-US"/>
           </a:p>
         </p:txBody>
       </p:sp>
@@ -9520,7 +9515,7 @@
           <a:p>
             <a:fld id="{0459C166-16D3-4A25-A2F8-C51E0E346B22}" type="datetimeFigureOut">
               <a:rPr lang="en-US" smtClean="0"/>
-              <a:t>6/16/16</a:t>
+              <a:t>6/28/16</a:t>
             </a:fld>
             <a:endParaRPr lang="en-US"/>
           </a:p>
@@ -9629,10 +9624,9 @@
           <a:lstStyle/>
           <a:p>
             <a:r>
-              <a:rPr lang="en-US" smtClean="0"/>
+              <a:rPr lang="en-US"/>
               <a:t>Click to edit Master title style</a:t>
             </a:r>
-            <a:endParaRPr lang="en-US"/>
           </a:p>
         </p:txBody>
       </p:sp>
@@ -9732,7 +9726,7 @@
           <a:p>
             <a:fld id="{0459C166-16D3-4A25-A2F8-C51E0E346B22}" type="datetimeFigureOut">
               <a:rPr lang="en-US" smtClean="0"/>
-              <a:t>6/16/16</a:t>
+              <a:t>6/28/16</a:t>
             </a:fld>
             <a:endParaRPr lang="en-US"/>
           </a:p>
@@ -13007,6 +13001,503 @@
             <p:ph type="title"/>
           </p:nvPr>
         </p:nvSpPr>
+        <p:spPr>
+          <a:xfrm>
+            <a:off x="896471" y="233997"/>
+            <a:ext cx="10457329" cy="1325563"/>
+          </a:xfrm>
+        </p:spPr>
+        <p:txBody>
+          <a:bodyPr>
+            <a:normAutofit/>
+          </a:bodyPr>
+          <a:lstStyle/>
+          <a:p>
+            <a:r>
+              <a:rPr lang="en-US" sz="4800" dirty="0"/>
+              <a:t>Android Activity: Finish()</a:t>
+            </a:r>
+          </a:p>
+        </p:txBody>
+      </p:sp>
+      <p:grpSp>
+        <p:nvGrpSpPr>
+          <p:cNvPr id="30" name="Group 29"/>
+          <p:cNvGrpSpPr/>
+          <p:nvPr/>
+        </p:nvGrpSpPr>
+        <p:grpSpPr>
+          <a:xfrm>
+            <a:off x="0" y="1559561"/>
+            <a:ext cx="13030200" cy="791753"/>
+            <a:chOff x="1384300" y="1950630"/>
+            <a:chExt cx="10097577" cy="832911"/>
+          </a:xfrm>
+        </p:grpSpPr>
+        <p:sp>
+          <p:nvSpPr>
+            <p:cNvPr id="33" name="Rectangle 32"/>
+            <p:cNvSpPr/>
+            <p:nvPr/>
+          </p:nvSpPr>
+          <p:spPr>
+            <a:xfrm>
+              <a:off x="1384300" y="1950630"/>
+              <a:ext cx="9423400" cy="832911"/>
+            </a:xfrm>
+            <a:prstGeom prst="rect">
+              <a:avLst/>
+            </a:prstGeom>
+            <a:solidFill>
+              <a:srgbClr val="0070C0"/>
+            </a:solidFill>
+            <a:ln w="9525" cap="flat" cmpd="sng" algn="ctr">
+              <a:noFill/>
+              <a:prstDash val="solid"/>
+            </a:ln>
+            <a:effectLst/>
+          </p:spPr>
+          <p:txBody>
+            <a:bodyPr rtlCol="0" anchor="ctr"/>
+            <a:lstStyle/>
+            <a:p>
+              <a:pPr marL="0" marR="0" lvl="0" indent="0" algn="ctr" defTabSz="914400" eaLnBrk="1" fontAlgn="auto" latinLnBrk="0" hangingPunct="1">
+                <a:lnSpc>
+                  <a:spcPct val="100000"/>
+                </a:lnSpc>
+                <a:spcBef>
+                  <a:spcPts val="0"/>
+                </a:spcBef>
+                <a:spcAft>
+                  <a:spcPts val="0"/>
+                </a:spcAft>
+                <a:buClrTx/>
+                <a:buSzTx/>
+                <a:buFont typeface="Arial" panose="020B0604020202020204" pitchFamily="34" charset="0"/>
+                <a:buNone/>
+                <a:tabLst/>
+                <a:defRPr/>
+              </a:pPr>
+              <a:endParaRPr kumimoji="0" lang="en-US" sz="4000" i="1" u="none" strike="noStrike" kern="0" cap="none" spc="0" normalizeH="0" baseline="0" noProof="0" dirty="0">
+                <a:ln>
+                  <a:noFill/>
+                </a:ln>
+                <a:solidFill>
+                  <a:prstClr val="white"/>
+                </a:solidFill>
+                <a:effectLst/>
+                <a:uLnTx/>
+                <a:uFillTx/>
+                <a:latin typeface="+mj-lt"/>
+              </a:endParaRPr>
+            </a:p>
+          </p:txBody>
+        </p:sp>
+        <p:sp>
+          <p:nvSpPr>
+            <p:cNvPr id="35" name="Content Placeholder 2"/>
+            <p:cNvSpPr txBox="1">
+              <a:spLocks/>
+            </p:cNvSpPr>
+            <p:nvPr/>
+          </p:nvSpPr>
+          <p:spPr>
+            <a:xfrm>
+              <a:off x="2079008" y="1950630"/>
+              <a:ext cx="9402869" cy="832911"/>
+            </a:xfrm>
+            <a:prstGeom prst="rect">
+              <a:avLst/>
+            </a:prstGeom>
+          </p:spPr>
+          <p:txBody>
+            <a:bodyPr anchor="ctr"/>
+            <a:lstStyle>
+              <a:lvl1pPr marL="0" indent="0" algn="ctr" defTabSz="914400" rtl="0" eaLnBrk="1" latinLnBrk="0" hangingPunct="1">
+                <a:lnSpc>
+                  <a:spcPct val="90000"/>
+                </a:lnSpc>
+                <a:spcBef>
+                  <a:spcPts val="1000"/>
+                </a:spcBef>
+                <a:buFont typeface="Arial" panose="020B0604020202020204" pitchFamily="34" charset="0"/>
+                <a:buNone/>
+                <a:defRPr sz="2800" i="1" kern="1200">
+                  <a:solidFill>
+                    <a:schemeClr val="bg1"/>
+                  </a:solidFill>
+                  <a:latin typeface="+mn-lt"/>
+                  <a:ea typeface="+mn-ea"/>
+                  <a:cs typeface="+mn-cs"/>
+                </a:defRPr>
+              </a:lvl1pPr>
+              <a:lvl2pPr marL="457200" indent="0" algn="ctr" defTabSz="914400" rtl="0" eaLnBrk="1" latinLnBrk="0" hangingPunct="1">
+                <a:lnSpc>
+                  <a:spcPct val="90000"/>
+                </a:lnSpc>
+                <a:spcBef>
+                  <a:spcPts val="500"/>
+                </a:spcBef>
+                <a:buFont typeface="Arial" panose="020B0604020202020204" pitchFamily="34" charset="0"/>
+                <a:buNone/>
+                <a:defRPr sz="2400" i="1" kern="1200">
+                  <a:solidFill>
+                    <a:schemeClr val="bg1"/>
+                  </a:solidFill>
+                  <a:latin typeface="+mn-lt"/>
+                  <a:ea typeface="+mn-ea"/>
+                  <a:cs typeface="+mn-cs"/>
+                </a:defRPr>
+              </a:lvl2pPr>
+              <a:lvl3pPr marL="914400" indent="0" algn="ctr" defTabSz="914400" rtl="0" eaLnBrk="1" latinLnBrk="0" hangingPunct="1">
+                <a:lnSpc>
+                  <a:spcPct val="90000"/>
+                </a:lnSpc>
+                <a:spcBef>
+                  <a:spcPts val="500"/>
+                </a:spcBef>
+                <a:buFont typeface="Arial" panose="020B0604020202020204" pitchFamily="34" charset="0"/>
+                <a:buNone/>
+                <a:defRPr sz="2000" i="1" kern="1200">
+                  <a:solidFill>
+                    <a:schemeClr val="bg1"/>
+                  </a:solidFill>
+                  <a:latin typeface="+mn-lt"/>
+                  <a:ea typeface="+mn-ea"/>
+                  <a:cs typeface="+mn-cs"/>
+                </a:defRPr>
+              </a:lvl3pPr>
+              <a:lvl4pPr marL="1371600" indent="0" algn="ctr" defTabSz="914400" rtl="0" eaLnBrk="1" latinLnBrk="0" hangingPunct="1">
+                <a:lnSpc>
+                  <a:spcPct val="90000"/>
+                </a:lnSpc>
+                <a:spcBef>
+                  <a:spcPts val="500"/>
+                </a:spcBef>
+                <a:buFont typeface="Arial" panose="020B0604020202020204" pitchFamily="34" charset="0"/>
+                <a:buNone/>
+                <a:defRPr sz="1800" i="1" kern="1200">
+                  <a:solidFill>
+                    <a:schemeClr val="bg1"/>
+                  </a:solidFill>
+                  <a:latin typeface="+mn-lt"/>
+                  <a:ea typeface="+mn-ea"/>
+                  <a:cs typeface="+mn-cs"/>
+                </a:defRPr>
+              </a:lvl4pPr>
+              <a:lvl5pPr marL="1828800" indent="0" algn="ctr" defTabSz="914400" rtl="0" eaLnBrk="1" latinLnBrk="0" hangingPunct="1">
+                <a:lnSpc>
+                  <a:spcPct val="90000"/>
+                </a:lnSpc>
+                <a:spcBef>
+                  <a:spcPts val="500"/>
+                </a:spcBef>
+                <a:buFont typeface="Arial" panose="020B0604020202020204" pitchFamily="34" charset="0"/>
+                <a:buNone/>
+                <a:defRPr sz="1800" i="1" kern="1200">
+                  <a:solidFill>
+                    <a:schemeClr val="bg1"/>
+                  </a:solidFill>
+                  <a:latin typeface="+mn-lt"/>
+                  <a:ea typeface="+mn-ea"/>
+                  <a:cs typeface="+mn-cs"/>
+                </a:defRPr>
+              </a:lvl5pPr>
+              <a:lvl6pPr marL="2514600" indent="-228600" algn="l" defTabSz="914400" rtl="0" eaLnBrk="1" latinLnBrk="0" hangingPunct="1">
+                <a:lnSpc>
+                  <a:spcPct val="90000"/>
+                </a:lnSpc>
+                <a:spcBef>
+                  <a:spcPts val="500"/>
+                </a:spcBef>
+                <a:buFont typeface="Arial" panose="020B0604020202020204" pitchFamily="34" charset="0"/>
+                <a:buChar char="•"/>
+                <a:defRPr sz="1800" kern="1200">
+                  <a:solidFill>
+                    <a:schemeClr val="tx1"/>
+                  </a:solidFill>
+                  <a:latin typeface="+mn-lt"/>
+                  <a:ea typeface="+mn-ea"/>
+                  <a:cs typeface="+mn-cs"/>
+                </a:defRPr>
+              </a:lvl6pPr>
+              <a:lvl7pPr marL="2971800" indent="-228600" algn="l" defTabSz="914400" rtl="0" eaLnBrk="1" latinLnBrk="0" hangingPunct="1">
+                <a:lnSpc>
+                  <a:spcPct val="90000"/>
+                </a:lnSpc>
+                <a:spcBef>
+                  <a:spcPts val="500"/>
+                </a:spcBef>
+                <a:buFont typeface="Arial" panose="020B0604020202020204" pitchFamily="34" charset="0"/>
+                <a:buChar char="•"/>
+                <a:defRPr sz="1800" kern="1200">
+                  <a:solidFill>
+                    <a:schemeClr val="tx1"/>
+                  </a:solidFill>
+                  <a:latin typeface="+mn-lt"/>
+                  <a:ea typeface="+mn-ea"/>
+                  <a:cs typeface="+mn-cs"/>
+                </a:defRPr>
+              </a:lvl7pPr>
+              <a:lvl8pPr marL="3429000" indent="-228600" algn="l" defTabSz="914400" rtl="0" eaLnBrk="1" latinLnBrk="0" hangingPunct="1">
+                <a:lnSpc>
+                  <a:spcPct val="90000"/>
+                </a:lnSpc>
+                <a:spcBef>
+                  <a:spcPts val="500"/>
+                </a:spcBef>
+                <a:buFont typeface="Arial" panose="020B0604020202020204" pitchFamily="34" charset="0"/>
+                <a:buChar char="•"/>
+                <a:defRPr sz="1800" kern="1200">
+                  <a:solidFill>
+                    <a:schemeClr val="tx1"/>
+                  </a:solidFill>
+                  <a:latin typeface="+mn-lt"/>
+                  <a:ea typeface="+mn-ea"/>
+                  <a:cs typeface="+mn-cs"/>
+                </a:defRPr>
+              </a:lvl8pPr>
+              <a:lvl9pPr marL="3886200" indent="-228600" algn="l" defTabSz="914400" rtl="0" eaLnBrk="1" latinLnBrk="0" hangingPunct="1">
+                <a:lnSpc>
+                  <a:spcPct val="90000"/>
+                </a:lnSpc>
+                <a:spcBef>
+                  <a:spcPts val="500"/>
+                </a:spcBef>
+                <a:buFont typeface="Arial" panose="020B0604020202020204" pitchFamily="34" charset="0"/>
+                <a:buChar char="•"/>
+                <a:defRPr sz="1800" kern="1200">
+                  <a:solidFill>
+                    <a:schemeClr val="tx1"/>
+                  </a:solidFill>
+                  <a:latin typeface="+mn-lt"/>
+                  <a:ea typeface="+mn-ea"/>
+                  <a:cs typeface="+mn-cs"/>
+                </a:defRPr>
+              </a:lvl9pPr>
+            </a:lstStyle>
+            <a:p>
+              <a:pPr algn="l"/>
+              <a:r>
+                <a:rPr lang="en-US" altLang="ko-KR" i="0" dirty="0"/>
+                <a:t>Close the current activity and return to the previous activity</a:t>
+              </a:r>
+            </a:p>
+          </p:txBody>
+        </p:sp>
+      </p:grpSp>
+      <p:sp>
+        <p:nvSpPr>
+          <p:cNvPr id="37" name="Rectangle 36"/>
+          <p:cNvSpPr/>
+          <p:nvPr/>
+        </p:nvSpPr>
+        <p:spPr>
+          <a:xfrm>
+            <a:off x="0" y="2351316"/>
+            <a:ext cx="12192000" cy="2580833"/>
+          </a:xfrm>
+          <a:prstGeom prst="rect">
+            <a:avLst/>
+          </a:prstGeom>
+          <a:noFill/>
+          <a:ln>
+            <a:noFill/>
+          </a:ln>
+        </p:spPr>
+        <p:style>
+          <a:lnRef idx="2">
+            <a:schemeClr val="accent1">
+              <a:shade val="50000"/>
+            </a:schemeClr>
+          </a:lnRef>
+          <a:fillRef idx="1">
+            <a:schemeClr val="accent1"/>
+          </a:fillRef>
+          <a:effectRef idx="0">
+            <a:schemeClr val="accent1"/>
+          </a:effectRef>
+          <a:fontRef idx="minor">
+            <a:schemeClr val="lt1"/>
+          </a:fontRef>
+        </p:style>
+        <p:txBody>
+          <a:bodyPr rtlCol="0" anchor="ctr"/>
+          <a:lstStyle/>
+          <a:p>
+            <a:pPr marL="1255713" indent="-342900">
+              <a:buFont typeface="Wingdings" charset="2"/>
+              <a:buChar char="§"/>
+            </a:pPr>
+            <a:r>
+              <a:rPr lang="en-US" sz="2400" dirty="0">
+                <a:solidFill>
+                  <a:srgbClr val="000000"/>
+                </a:solidFill>
+              </a:rPr>
+              <a:t>Finish() is a method of the </a:t>
+            </a:r>
+            <a:r>
+              <a:rPr lang="en-US" sz="2400" dirty="0" smtClean="0">
+                <a:solidFill>
+                  <a:srgbClr val="000000"/>
+                </a:solidFill>
+              </a:rPr>
+              <a:t>Activity</a:t>
+            </a:r>
+            <a:endParaRPr lang="en-US" sz="2400" dirty="0">
+              <a:solidFill>
+                <a:srgbClr val="000000"/>
+              </a:solidFill>
+            </a:endParaRPr>
+          </a:p>
+          <a:p>
+            <a:pPr marL="1712913" lvl="1" indent="-342900">
+              <a:buFont typeface="Wingdings" charset="2"/>
+              <a:buChar char="§"/>
+            </a:pPr>
+            <a:r>
+              <a:rPr lang="en-US" sz="2400" dirty="0">
+                <a:solidFill>
+                  <a:srgbClr val="000000"/>
+                </a:solidFill>
+              </a:rPr>
+              <a:t> </a:t>
+            </a:r>
+            <a:r>
+              <a:rPr lang="en-US" sz="2400" dirty="0" err="1" smtClean="0">
+                <a:solidFill>
+                  <a:srgbClr val="000000"/>
+                </a:solidFill>
+              </a:rPr>
+              <a:t>Activity.Finish</a:t>
+            </a:r>
+            <a:r>
+              <a:rPr lang="en-US" sz="2400" dirty="0">
+                <a:solidFill>
+                  <a:srgbClr val="000000"/>
+                </a:solidFill>
+              </a:rPr>
+              <a:t>()</a:t>
+            </a:r>
+            <a:r>
+              <a:rPr lang="en-US" sz="2400" dirty="0" smtClean="0">
+                <a:solidFill>
+                  <a:srgbClr val="000000"/>
+                </a:solidFill>
+              </a:rPr>
+              <a:t>;</a:t>
+            </a:r>
+            <a:endParaRPr lang="en-US" sz="2400" dirty="0">
+              <a:solidFill>
+                <a:srgbClr val="000000"/>
+              </a:solidFill>
+            </a:endParaRPr>
+          </a:p>
+          <a:p>
+            <a:pPr marL="1255713" indent="-342900">
+              <a:buFont typeface="Wingdings" charset="2"/>
+              <a:buChar char="§"/>
+            </a:pPr>
+            <a:r>
+              <a:rPr lang="en-US" sz="2400" dirty="0">
+                <a:solidFill>
+                  <a:srgbClr val="000000"/>
+                </a:solidFill>
+              </a:rPr>
+              <a:t>Usually called within the </a:t>
+            </a:r>
+            <a:r>
+              <a:rPr lang="en-US" sz="2400" dirty="0" smtClean="0">
+                <a:solidFill>
+                  <a:srgbClr val="000000"/>
+                </a:solidFill>
+              </a:rPr>
+              <a:t>Activity</a:t>
+            </a:r>
+            <a:endParaRPr lang="en-US" sz="2400" dirty="0">
+              <a:solidFill>
+                <a:srgbClr val="000000"/>
+              </a:solidFill>
+            </a:endParaRPr>
+          </a:p>
+          <a:p>
+            <a:pPr marL="1712913" lvl="1" indent="-342900">
+              <a:buFont typeface="Wingdings" charset="2"/>
+              <a:buChar char="§"/>
+            </a:pPr>
+            <a:r>
+              <a:rPr lang="en-US" sz="2400" dirty="0" smtClean="0">
+                <a:solidFill>
+                  <a:srgbClr val="000000"/>
+                </a:solidFill>
+              </a:rPr>
+              <a:t>Finish</a:t>
+            </a:r>
+            <a:r>
+              <a:rPr lang="en-US" sz="2400" dirty="0">
+                <a:solidFill>
+                  <a:srgbClr val="000000"/>
+                </a:solidFill>
+              </a:rPr>
+              <a:t>()</a:t>
+            </a:r>
+            <a:r>
+              <a:rPr lang="en-US" sz="2400" dirty="0" smtClean="0">
+                <a:solidFill>
+                  <a:srgbClr val="000000"/>
+                </a:solidFill>
+              </a:rPr>
+              <a:t>;</a:t>
+            </a:r>
+            <a:endParaRPr lang="en-US" sz="2400" dirty="0">
+              <a:solidFill>
+                <a:srgbClr val="000000"/>
+              </a:solidFill>
+            </a:endParaRPr>
+          </a:p>
+        </p:txBody>
+      </p:sp>
+    </p:spTree>
+    <p:extLst>
+      <p:ext uri="{BB962C8B-B14F-4D97-AF65-F5344CB8AC3E}">
+        <p14:creationId xmlns:p14="http://schemas.microsoft.com/office/powerpoint/2010/main" val="748072547"/>
+      </p:ext>
+    </p:extLst>
+  </p:cSld>
+  <p:clrMapOvr>
+    <a:masterClrMapping/>
+  </p:clrMapOvr>
+</p:sld>
+</file>
+
+<file path=ppt/slides/slide17.xml><?xml version="1.0" encoding="utf-8"?>
+<p:sld xmlns:a="http://schemas.openxmlformats.org/drawingml/2006/main" xmlns:r="http://schemas.openxmlformats.org/officeDocument/2006/relationships" xmlns:p="http://schemas.openxmlformats.org/presentationml/2006/main">
+  <p:cSld>
+    <p:spTree>
+      <p:nvGrpSpPr>
+        <p:cNvPr id="1" name=""/>
+        <p:cNvGrpSpPr/>
+        <p:nvPr/>
+      </p:nvGrpSpPr>
+      <p:grpSpPr>
+        <a:xfrm>
+          <a:off x="0" y="0"/>
+          <a:ext cx="0" cy="0"/>
+          <a:chOff x="0" y="0"/>
+          <a:chExt cx="0" cy="0"/>
+        </a:xfrm>
+      </p:grpSpPr>
+      <p:sp>
+        <p:nvSpPr>
+          <p:cNvPr id="2" name="Title 1"/>
+          <p:cNvSpPr>
+            <a:spLocks noGrp="1"/>
+          </p:cNvSpPr>
+          <p:nvPr>
+            <p:ph type="title"/>
+          </p:nvPr>
+        </p:nvSpPr>
         <p:spPr/>
         <p:txBody>
           <a:bodyPr>
@@ -13502,7 +13993,7 @@
 </p:sld>
 </file>
 
-<file path=ppt/slides/slide17.xml><?xml version="1.0" encoding="utf-8"?>
+<file path=ppt/slides/slide18.xml><?xml version="1.0" encoding="utf-8"?>
 <p:sld xmlns:a="http://schemas.openxmlformats.org/drawingml/2006/main" xmlns:r="http://schemas.openxmlformats.org/officeDocument/2006/relationships" xmlns:p="http://schemas.openxmlformats.org/presentationml/2006/main">
   <p:cSld>
     <p:spTree>
@@ -13861,9 +14352,9 @@
           <a:bodyPr rtlCol="0" anchor="ctr"/>
           <a:lstStyle/>
           <a:p>
-            <a:pPr marL="742950" lvl="1" indent="-285750">
-              <a:buFont typeface="Arial" panose="020B0604020202020204" pitchFamily="34" charset="0"/>
-              <a:buChar char="•"/>
+            <a:pPr marL="800100" lvl="1" indent="-342900">
+              <a:buFont typeface="Wingdings" charset="2"/>
+              <a:buChar char="§"/>
               <a:defRPr/>
             </a:pPr>
             <a:r>
@@ -13881,9 +14372,9 @@
             </a:endParaRPr>
           </a:p>
           <a:p>
-            <a:pPr marL="742950" lvl="1" indent="-285750">
-              <a:buFont typeface="Arial" panose="020B0604020202020204" pitchFamily="34" charset="0"/>
-              <a:buChar char="•"/>
+            <a:pPr marL="800100" lvl="1" indent="-342900">
+              <a:buFont typeface="Wingdings" charset="2"/>
+              <a:buChar char="§"/>
               <a:defRPr/>
             </a:pPr>
             <a:r>
@@ -13901,9 +14392,9 @@
             </a:endParaRPr>
           </a:p>
           <a:p>
-            <a:pPr marL="742950" lvl="1" indent="-285750">
-              <a:buFont typeface="Arial" panose="020B0604020202020204" pitchFamily="34" charset="0"/>
-              <a:buChar char="•"/>
+            <a:pPr marL="800100" lvl="1" indent="-342900">
+              <a:buFont typeface="Wingdings" charset="2"/>
+              <a:buChar char="§"/>
               <a:defRPr/>
             </a:pPr>
             <a:r>
@@ -13921,9 +14412,9 @@
             </a:endParaRPr>
           </a:p>
           <a:p>
-            <a:pPr marL="742950" lvl="1" indent="-285750">
-              <a:buFont typeface="Arial" panose="020B0604020202020204" pitchFamily="34" charset="0"/>
-              <a:buChar char="•"/>
+            <a:pPr marL="800100" lvl="1" indent="-342900">
+              <a:buFont typeface="Wingdings" charset="2"/>
+              <a:buChar char="§"/>
               <a:defRPr/>
             </a:pPr>
             <a:r>
@@ -13941,18 +14432,38 @@
             </a:endParaRPr>
           </a:p>
           <a:p>
-            <a:pPr marL="742950" lvl="1" indent="-285750">
-              <a:buFont typeface="Arial" panose="020B0604020202020204" pitchFamily="34" charset="0"/>
-              <a:buChar char="•"/>
+            <a:pPr marL="800100" lvl="1" indent="-342900">
+              <a:buFont typeface="Wingdings" charset="2"/>
+              <a:buChar char="§"/>
               <a:defRPr/>
             </a:pPr>
             <a:r>
-              <a:rPr lang="en-US" sz="2400" dirty="0" err="1">
+              <a:rPr lang="en-US" sz="2400" dirty="0" err="1" smtClean="0">
                 <a:solidFill>
                   <a:schemeClr val="tx1"/>
                 </a:solidFill>
               </a:rPr>
               <a:t>FrameLayout</a:t>
+            </a:r>
+            <a:endParaRPr lang="en-US" sz="2400" dirty="0" smtClean="0">
+              <a:solidFill>
+                <a:schemeClr val="tx1"/>
+              </a:solidFill>
+            </a:endParaRPr>
+          </a:p>
+          <a:p>
+            <a:pPr marL="800100" lvl="1" indent="-342900">
+              <a:buFont typeface="Wingdings" charset="2"/>
+              <a:buChar char="§"/>
+              <a:defRPr/>
+            </a:pPr>
+            <a:r>
+              <a:rPr lang="en-US" sz="2400" dirty="0" err="1" smtClean="0">
+                <a:solidFill>
+                  <a:schemeClr val="tx1"/>
+                </a:solidFill>
+              </a:rPr>
+              <a:t>ConstraintLayout</a:t>
             </a:r>
             <a:endParaRPr lang="en-US" sz="2400" dirty="0">
               <a:solidFill>
@@ -13961,25 +14472,27 @@
             </a:endParaRPr>
           </a:p>
           <a:p>
-            <a:pPr marL="742950" lvl="1" indent="-285750">
-              <a:buFont typeface="Arial" panose="020B0604020202020204" pitchFamily="34" charset="0"/>
-              <a:buChar char="•"/>
-              <a:defRPr/>
-            </a:pPr>
-            <a:r>
-              <a:rPr lang="en-US" sz="2400" dirty="0">
-                <a:solidFill>
-                  <a:schemeClr val="tx1"/>
-                </a:solidFill>
-              </a:rPr>
-              <a:t>And then there are Fragments</a:t>
-            </a:r>
-          </a:p>
-          <a:p>
-            <a:pPr marL="1255713" indent="-342900">
+            <a:pPr marL="800100" lvl="1" indent="-342900">
               <a:buFont typeface="Wingdings" charset="2"/>
               <a:buChar char="§"/>
-            </a:pPr>
+              <a:defRPr/>
+            </a:pPr>
+            <a:r>
+              <a:rPr lang="en-US" sz="2400" dirty="0">
+                <a:solidFill>
+                  <a:schemeClr val="tx1"/>
+                </a:solidFill>
+              </a:rPr>
+              <a:t>And then there are </a:t>
+            </a:r>
+            <a:r>
+              <a:rPr lang="en-US" sz="2400" dirty="0" smtClean="0">
+                <a:solidFill>
+                  <a:schemeClr val="tx1"/>
+                </a:solidFill>
+              </a:rPr>
+              <a:t>Fragments</a:t>
+            </a:r>
             <a:endParaRPr lang="en-US" sz="2400" dirty="0">
               <a:solidFill>
                 <a:schemeClr val="tx1"/>
@@ -14001,7 +14514,7 @@
 </p:sld>
 </file>
 
-<file path=ppt/slides/slide18.xml><?xml version="1.0" encoding="utf-8"?>
+<file path=ppt/slides/slide19.xml><?xml version="1.0" encoding="utf-8"?>
 <p:sld xmlns:a="http://schemas.openxmlformats.org/drawingml/2006/main" xmlns:r="http://schemas.openxmlformats.org/officeDocument/2006/relationships" xmlns:p="http://schemas.openxmlformats.org/presentationml/2006/main">
   <p:cSld>
     <p:spTree>
@@ -14465,153 +14978,6 @@
 </p:sld>
 </file>
 
-<file path=ppt/slides/slide19.xml><?xml version="1.0" encoding="utf-8"?>
-<p:sld xmlns:a="http://schemas.openxmlformats.org/drawingml/2006/main" xmlns:r="http://schemas.openxmlformats.org/officeDocument/2006/relationships" xmlns:p="http://schemas.openxmlformats.org/presentationml/2006/main">
-  <p:cSld>
-    <p:spTree>
-      <p:nvGrpSpPr>
-        <p:cNvPr id="1" name=""/>
-        <p:cNvGrpSpPr/>
-        <p:nvPr/>
-      </p:nvGrpSpPr>
-      <p:grpSpPr>
-        <a:xfrm>
-          <a:off x="0" y="0"/>
-          <a:ext cx="0" cy="0"/>
-          <a:chOff x="0" y="0"/>
-          <a:chExt cx="0" cy="0"/>
-        </a:xfrm>
-      </p:grpSpPr>
-      <p:sp>
-        <p:nvSpPr>
-          <p:cNvPr id="2" name="Title 1"/>
-          <p:cNvSpPr>
-            <a:spLocks noGrp="1"/>
-          </p:cNvSpPr>
-          <p:nvPr>
-            <p:ph type="title"/>
-          </p:nvPr>
-        </p:nvSpPr>
-        <p:spPr/>
-        <p:txBody>
-          <a:bodyPr/>
-          <a:lstStyle/>
-          <a:p>
-            <a:r>
-              <a:rPr lang="en-US" dirty="0"/>
-              <a:t>Nested Layouts and Views</a:t>
-            </a:r>
-          </a:p>
-        </p:txBody>
-      </p:sp>
-      <p:sp>
-        <p:nvSpPr>
-          <p:cNvPr id="3" name="Content Placeholder 2"/>
-          <p:cNvSpPr>
-            <a:spLocks noGrp="1"/>
-          </p:cNvSpPr>
-          <p:nvPr>
-            <p:ph idx="1"/>
-          </p:nvPr>
-        </p:nvSpPr>
-        <p:spPr/>
-        <p:txBody>
-          <a:bodyPr>
-            <a:normAutofit/>
-          </a:bodyPr>
-          <a:lstStyle/>
-          <a:p>
-            <a:pPr marL="0" indent="0">
-              <a:buNone/>
-            </a:pPr>
-            <a:r>
-              <a:rPr lang="en-US" dirty="0"/>
-              <a:t>&lt;LinearLayout&gt; </a:t>
-            </a:r>
-          </a:p>
-          <a:p>
-            <a:pPr marL="0" indent="0">
-              <a:buNone/>
-            </a:pPr>
-            <a:r>
-              <a:rPr lang="en-US" dirty="0"/>
-              <a:t>  	&lt;</a:t>
-            </a:r>
-            <a:r>
-              <a:rPr lang="en-US" dirty="0" err="1"/>
-              <a:t>TextView</a:t>
-            </a:r>
-            <a:r>
-              <a:rPr lang="en-US" dirty="0"/>
-              <a:t>/&gt; </a:t>
-            </a:r>
-          </a:p>
-          <a:p>
-            <a:pPr marL="0" indent="0">
-              <a:buNone/>
-            </a:pPr>
-            <a:r>
-              <a:rPr lang="en-US" dirty="0"/>
-              <a:t> 	&lt;LinearLayout&gt; </a:t>
-            </a:r>
-          </a:p>
-          <a:p>
-            <a:pPr marL="0" indent="0">
-              <a:buNone/>
-            </a:pPr>
-            <a:r>
-              <a:rPr lang="en-US" dirty="0"/>
-              <a:t> 	        &lt;Button/&gt; </a:t>
-            </a:r>
-          </a:p>
-          <a:p>
-            <a:pPr marL="0" indent="0">
-              <a:buNone/>
-            </a:pPr>
-            <a:r>
-              <a:rPr lang="en-US" dirty="0"/>
-              <a:t> 	        &lt;Button/&gt; </a:t>
-            </a:r>
-          </a:p>
-          <a:p>
-            <a:pPr marL="0" indent="0">
-              <a:buNone/>
-            </a:pPr>
-            <a:r>
-              <a:rPr lang="en-US" dirty="0"/>
-              <a:t> 	&lt;/LinearLayout&gt; </a:t>
-            </a:r>
-          </a:p>
-          <a:p>
-            <a:pPr marL="0" indent="0">
-              <a:buNone/>
-            </a:pPr>
-            <a:r>
-              <a:rPr lang="en-US" dirty="0"/>
-              <a:t>&lt;/LinearLayout&gt; </a:t>
-            </a:r>
-          </a:p>
-          <a:p>
-            <a:pPr marL="0" indent="0">
-              <a:buNone/>
-            </a:pPr>
-            <a:endParaRPr lang="en-US" dirty="0"/>
-          </a:p>
-        </p:txBody>
-      </p:sp>
-    </p:spTree>
-    <p:extLst>
-      <p:ext uri="{BB962C8B-B14F-4D97-AF65-F5344CB8AC3E}">
-        <p14:creationId xmlns:p14="http://schemas.microsoft.com/office/powerpoint/2010/main" val="895441346"/>
-      </p:ext>
-    </p:extLst>
-  </p:cSld>
-  <p:clrMapOvr>
-    <a:masterClrMapping/>
-  </p:clrMapOvr>
-</p:sld>
-</file>
-
 <file path=ppt/slides/slide2.xml><?xml version="1.0" encoding="utf-8"?>
 <p:sld xmlns:a="http://schemas.openxmlformats.org/drawingml/2006/main" xmlns:r="http://schemas.openxmlformats.org/officeDocument/2006/relationships" xmlns:p="http://schemas.openxmlformats.org/presentationml/2006/main">
   <p:cSld>
@@ -14670,25 +15036,13 @@
           <a:p>
             <a:r>
               <a:rPr lang="en-US" dirty="0"/>
-              <a:t>Coding for Android using C</a:t>
-            </a:r>
-            <a:r>
-              <a:rPr lang="en-US" dirty="0" smtClean="0"/>
-              <a:t>#</a:t>
-            </a:r>
-          </a:p>
-          <a:p>
-            <a:r>
-              <a:rPr lang="en-US" dirty="0" smtClean="0"/>
-              <a:t>Android </a:t>
-            </a:r>
+              <a:t>Coding for Android using C#</a:t>
+            </a:r>
+          </a:p>
+          <a:p>
             <a:r>
               <a:rPr lang="en-US" dirty="0"/>
-              <a:t>development </a:t>
-            </a:r>
-            <a:r>
-              <a:rPr lang="en-US" dirty="0" smtClean="0"/>
-              <a:t>fundamentals:</a:t>
+              <a:t>Android development fundamentals:</a:t>
             </a:r>
           </a:p>
           <a:p>
@@ -14697,10 +15051,9 @@
               <a:buChar char="§"/>
             </a:pPr>
             <a:r>
-              <a:rPr lang="en-US" dirty="0" smtClean="0"/>
+              <a:rPr lang="en-US" dirty="0"/>
               <a:t>Activity</a:t>
             </a:r>
-            <a:endParaRPr lang="en-US" dirty="0"/>
           </a:p>
           <a:p>
             <a:pPr marL="1262063" indent="-400050">
@@ -14729,22 +15082,13 @@
             </a:pPr>
             <a:r>
               <a:rPr lang="en-US" dirty="0"/>
-              <a:t>Views/</a:t>
-            </a:r>
-            <a:r>
-              <a:rPr lang="en-US" dirty="0" smtClean="0"/>
-              <a:t>Controls</a:t>
-            </a:r>
-            <a:endParaRPr lang="en-US" dirty="0"/>
+              <a:t>Views/Controls</a:t>
+            </a:r>
           </a:p>
           <a:p>
             <a:r>
               <a:rPr lang="en-US" dirty="0"/>
-              <a:t>Android user </a:t>
-            </a:r>
-            <a:r>
-              <a:rPr lang="en-US" dirty="0" smtClean="0"/>
-              <a:t>interfaces</a:t>
+              <a:t>Android user interfaces</a:t>
             </a:r>
           </a:p>
         </p:txBody>
@@ -14763,6 +15107,153 @@
 </file>
 
 <file path=ppt/slides/slide20.xml><?xml version="1.0" encoding="utf-8"?>
+<p:sld xmlns:a="http://schemas.openxmlformats.org/drawingml/2006/main" xmlns:r="http://schemas.openxmlformats.org/officeDocument/2006/relationships" xmlns:p="http://schemas.openxmlformats.org/presentationml/2006/main">
+  <p:cSld>
+    <p:spTree>
+      <p:nvGrpSpPr>
+        <p:cNvPr id="1" name=""/>
+        <p:cNvGrpSpPr/>
+        <p:nvPr/>
+      </p:nvGrpSpPr>
+      <p:grpSpPr>
+        <a:xfrm>
+          <a:off x="0" y="0"/>
+          <a:ext cx="0" cy="0"/>
+          <a:chOff x="0" y="0"/>
+          <a:chExt cx="0" cy="0"/>
+        </a:xfrm>
+      </p:grpSpPr>
+      <p:sp>
+        <p:nvSpPr>
+          <p:cNvPr id="2" name="Title 1"/>
+          <p:cNvSpPr>
+            <a:spLocks noGrp="1"/>
+          </p:cNvSpPr>
+          <p:nvPr>
+            <p:ph type="title"/>
+          </p:nvPr>
+        </p:nvSpPr>
+        <p:spPr/>
+        <p:txBody>
+          <a:bodyPr/>
+          <a:lstStyle/>
+          <a:p>
+            <a:r>
+              <a:rPr lang="en-US" dirty="0"/>
+              <a:t>Nested Layouts and Views</a:t>
+            </a:r>
+          </a:p>
+        </p:txBody>
+      </p:sp>
+      <p:sp>
+        <p:nvSpPr>
+          <p:cNvPr id="3" name="Content Placeholder 2"/>
+          <p:cNvSpPr>
+            <a:spLocks noGrp="1"/>
+          </p:cNvSpPr>
+          <p:nvPr>
+            <p:ph idx="1"/>
+          </p:nvPr>
+        </p:nvSpPr>
+        <p:spPr/>
+        <p:txBody>
+          <a:bodyPr>
+            <a:normAutofit/>
+          </a:bodyPr>
+          <a:lstStyle/>
+          <a:p>
+            <a:pPr marL="0" indent="0">
+              <a:buNone/>
+            </a:pPr>
+            <a:r>
+              <a:rPr lang="en-US" dirty="0"/>
+              <a:t>&lt;LinearLayout&gt; </a:t>
+            </a:r>
+          </a:p>
+          <a:p>
+            <a:pPr marL="0" indent="0">
+              <a:buNone/>
+            </a:pPr>
+            <a:r>
+              <a:rPr lang="en-US" dirty="0"/>
+              <a:t>  	&lt;</a:t>
+            </a:r>
+            <a:r>
+              <a:rPr lang="en-US" dirty="0" err="1"/>
+              <a:t>TextView</a:t>
+            </a:r>
+            <a:r>
+              <a:rPr lang="en-US" dirty="0"/>
+              <a:t>/&gt; </a:t>
+            </a:r>
+          </a:p>
+          <a:p>
+            <a:pPr marL="0" indent="0">
+              <a:buNone/>
+            </a:pPr>
+            <a:r>
+              <a:rPr lang="en-US" dirty="0"/>
+              <a:t> 	&lt;LinearLayout&gt; </a:t>
+            </a:r>
+          </a:p>
+          <a:p>
+            <a:pPr marL="0" indent="0">
+              <a:buNone/>
+            </a:pPr>
+            <a:r>
+              <a:rPr lang="en-US" dirty="0"/>
+              <a:t> 	        &lt;Button/&gt; </a:t>
+            </a:r>
+          </a:p>
+          <a:p>
+            <a:pPr marL="0" indent="0">
+              <a:buNone/>
+            </a:pPr>
+            <a:r>
+              <a:rPr lang="en-US" dirty="0"/>
+              <a:t> 	        &lt;Button/&gt; </a:t>
+            </a:r>
+          </a:p>
+          <a:p>
+            <a:pPr marL="0" indent="0">
+              <a:buNone/>
+            </a:pPr>
+            <a:r>
+              <a:rPr lang="en-US" dirty="0"/>
+              <a:t> 	&lt;/LinearLayout&gt; </a:t>
+            </a:r>
+          </a:p>
+          <a:p>
+            <a:pPr marL="0" indent="0">
+              <a:buNone/>
+            </a:pPr>
+            <a:r>
+              <a:rPr lang="en-US" dirty="0"/>
+              <a:t>&lt;/LinearLayout&gt; </a:t>
+            </a:r>
+          </a:p>
+          <a:p>
+            <a:pPr marL="0" indent="0">
+              <a:buNone/>
+            </a:pPr>
+            <a:endParaRPr lang="en-US" dirty="0"/>
+          </a:p>
+        </p:txBody>
+      </p:sp>
+    </p:spTree>
+    <p:extLst>
+      <p:ext uri="{BB962C8B-B14F-4D97-AF65-F5344CB8AC3E}">
+        <p14:creationId xmlns:p14="http://schemas.microsoft.com/office/powerpoint/2010/main" val="895441346"/>
+      </p:ext>
+    </p:extLst>
+  </p:cSld>
+  <p:clrMapOvr>
+    <a:masterClrMapping/>
+  </p:clrMapOvr>
+</p:sld>
+</file>
+
+<file path=ppt/slides/slide21.xml><?xml version="1.0" encoding="utf-8"?>
 <p:sld xmlns:a="http://schemas.openxmlformats.org/drawingml/2006/main" xmlns:r="http://schemas.openxmlformats.org/officeDocument/2006/relationships" xmlns:p="http://schemas.openxmlformats.org/presentationml/2006/main">
   <p:cSld>
     <p:spTree>
@@ -15115,7 +15606,7 @@
 </p:sld>
 </file>
 
-<file path=ppt/slides/slide21.xml><?xml version="1.0" encoding="utf-8"?>
+<file path=ppt/slides/slide22.xml><?xml version="1.0" encoding="utf-8"?>
 <p:sld xmlns:a="http://schemas.openxmlformats.org/drawingml/2006/main" xmlns:r="http://schemas.openxmlformats.org/officeDocument/2006/relationships" xmlns:p="http://schemas.openxmlformats.org/presentationml/2006/main">
   <p:cSld>
     <p:spTree>
@@ -15686,349 +16177,6 @@
 </p:sld>
 </file>
 
-<file path=ppt/slides/slide22.xml><?xml version="1.0" encoding="utf-8"?>
-<p:sld xmlns:a="http://schemas.openxmlformats.org/drawingml/2006/main" xmlns:r="http://schemas.openxmlformats.org/officeDocument/2006/relationships" xmlns:p="http://schemas.openxmlformats.org/presentationml/2006/main">
-  <p:cSld>
-    <p:spTree>
-      <p:nvGrpSpPr>
-        <p:cNvPr id="1" name=""/>
-        <p:cNvGrpSpPr/>
-        <p:nvPr/>
-      </p:nvGrpSpPr>
-      <p:grpSpPr>
-        <a:xfrm>
-          <a:off x="0" y="0"/>
-          <a:ext cx="0" cy="0"/>
-          <a:chOff x="0" y="0"/>
-          <a:chExt cx="0" cy="0"/>
-        </a:xfrm>
-      </p:grpSpPr>
-      <p:sp>
-        <p:nvSpPr>
-          <p:cNvPr id="2" name="Title 1"/>
-          <p:cNvSpPr>
-            <a:spLocks noGrp="1"/>
-          </p:cNvSpPr>
-          <p:nvPr>
-            <p:ph type="title"/>
-          </p:nvPr>
-        </p:nvSpPr>
-        <p:spPr/>
-        <p:txBody>
-          <a:bodyPr/>
-          <a:lstStyle/>
-          <a:p>
-            <a:r>
-              <a:rPr lang="en-US" dirty="0"/>
-              <a:t>Place a </a:t>
-            </a:r>
-            <a:r>
-              <a:rPr lang="en-US" dirty="0" err="1"/>
-              <a:t>TextView</a:t>
-            </a:r>
-            <a:r>
-              <a:rPr lang="en-US" dirty="0"/>
-              <a:t> in a Layout</a:t>
-            </a:r>
-          </a:p>
-        </p:txBody>
-      </p:sp>
-      <p:sp>
-        <p:nvSpPr>
-          <p:cNvPr id="3" name="Content Placeholder 2"/>
-          <p:cNvSpPr>
-            <a:spLocks noGrp="1"/>
-          </p:cNvSpPr>
-          <p:nvPr>
-            <p:ph idx="1"/>
-          </p:nvPr>
-        </p:nvSpPr>
-        <p:spPr/>
-        <p:txBody>
-          <a:bodyPr>
-            <a:noAutofit/>
-          </a:bodyPr>
-          <a:lstStyle/>
-          <a:p>
-            <a:pPr marL="0" indent="0">
-              <a:buNone/>
-            </a:pPr>
-            <a:r>
-              <a:rPr lang="en-US" sz="1800" dirty="0"/>
-              <a:t>&lt;?xml version="1.0" encoding="utf-8"?&gt;</a:t>
-            </a:r>
-          </a:p>
-          <a:p>
-            <a:pPr marL="0" indent="0">
-              <a:buNone/>
-            </a:pPr>
-            <a:r>
-              <a:rPr lang="en-US" sz="1800" dirty="0"/>
-              <a:t>&lt;</a:t>
-            </a:r>
-            <a:r>
-              <a:rPr lang="en-US" sz="1800" dirty="0" err="1"/>
-              <a:t>LinearLayout</a:t>
-            </a:r>
-            <a:r>
-              <a:rPr lang="en-US" sz="1800" dirty="0"/>
-              <a:t> </a:t>
-            </a:r>
-            <a:r>
-              <a:rPr lang="en-US" sz="1800" dirty="0" err="1"/>
-              <a:t>xmlns:android</a:t>
-            </a:r>
-            <a:r>
-              <a:rPr lang="en-US" sz="1800" dirty="0"/>
-              <a:t>="http://schemas.android.com/</a:t>
-            </a:r>
-            <a:r>
-              <a:rPr lang="en-US" sz="1800" dirty="0" err="1"/>
-              <a:t>apk</a:t>
-            </a:r>
-            <a:r>
-              <a:rPr lang="en-US" sz="1800" dirty="0"/>
-              <a:t>/res/android"</a:t>
-            </a:r>
-          </a:p>
-          <a:p>
-            <a:pPr marL="0" indent="0">
-              <a:buNone/>
-            </a:pPr>
-            <a:r>
-              <a:rPr lang="en-US" sz="1800" dirty="0"/>
-              <a:t>    </a:t>
-            </a:r>
-            <a:r>
-              <a:rPr lang="en-US" sz="1800" dirty="0" err="1"/>
-              <a:t>android:orientation</a:t>
-            </a:r>
-            <a:r>
-              <a:rPr lang="en-US" sz="1800" dirty="0"/>
-              <a:t>="vertical"</a:t>
-            </a:r>
-          </a:p>
-          <a:p>
-            <a:pPr marL="0" indent="0">
-              <a:buNone/>
-            </a:pPr>
-            <a:r>
-              <a:rPr lang="en-US" sz="1800" dirty="0"/>
-              <a:t>    </a:t>
-            </a:r>
-            <a:r>
-              <a:rPr lang="en-US" sz="1800" dirty="0" err="1"/>
-              <a:t>android:layout_width</a:t>
-            </a:r>
-            <a:r>
-              <a:rPr lang="en-US" sz="1800" dirty="0"/>
-              <a:t>="</a:t>
-            </a:r>
-            <a:r>
-              <a:rPr lang="en-US" sz="1800" dirty="0" err="1"/>
-              <a:t>fill_parent</a:t>
-            </a:r>
-            <a:r>
-              <a:rPr lang="en-US" sz="1800" dirty="0"/>
-              <a:t>"</a:t>
-            </a:r>
-          </a:p>
-          <a:p>
-            <a:pPr marL="0" indent="0">
-              <a:buNone/>
-            </a:pPr>
-            <a:r>
-              <a:rPr lang="en-US" sz="1800" dirty="0"/>
-              <a:t>    </a:t>
-            </a:r>
-            <a:r>
-              <a:rPr lang="en-US" sz="1800" dirty="0" err="1"/>
-              <a:t>android:layout_height</a:t>
-            </a:r>
-            <a:r>
-              <a:rPr lang="en-US" sz="1800" dirty="0"/>
-              <a:t>="</a:t>
-            </a:r>
-            <a:r>
-              <a:rPr lang="en-US" sz="1800" dirty="0" err="1"/>
-              <a:t>fill_parent</a:t>
-            </a:r>
-            <a:r>
-              <a:rPr lang="en-US" sz="1800" dirty="0"/>
-              <a:t>"&gt;</a:t>
-            </a:r>
-          </a:p>
-          <a:p>
-            <a:pPr marL="0" indent="0">
-              <a:buNone/>
-            </a:pPr>
-            <a:r>
-              <a:rPr lang="en-US" sz="1800" dirty="0"/>
-              <a:t> &lt;</a:t>
-            </a:r>
-            <a:r>
-              <a:rPr lang="en-US" sz="1800" dirty="0" err="1"/>
-              <a:t>TextView</a:t>
-            </a:r>
-            <a:endParaRPr lang="en-US" sz="1800" dirty="0"/>
-          </a:p>
-          <a:p>
-            <a:pPr marL="0" indent="0">
-              <a:buNone/>
-            </a:pPr>
-            <a:r>
-              <a:rPr lang="en-US" sz="1800" dirty="0"/>
-              <a:t>        </a:t>
-            </a:r>
-            <a:r>
-              <a:rPr lang="en-US" sz="1800" dirty="0" err="1"/>
-              <a:t>android:text</a:t>
-            </a:r>
-            <a:r>
-              <a:rPr lang="en-US" sz="1800" dirty="0"/>
-              <a:t>="My Items"</a:t>
-            </a:r>
-          </a:p>
-          <a:p>
-            <a:pPr marL="0" indent="0">
-              <a:buNone/>
-            </a:pPr>
-            <a:r>
-              <a:rPr lang="en-US" sz="1800" dirty="0"/>
-              <a:t>        </a:t>
-            </a:r>
-            <a:r>
-              <a:rPr lang="en-US" sz="1800" dirty="0" err="1"/>
-              <a:t>android:textAppearance</a:t>
-            </a:r>
-            <a:r>
-              <a:rPr lang="en-US" sz="1800" dirty="0"/>
-              <a:t>="?</a:t>
-            </a:r>
-            <a:r>
-              <a:rPr lang="en-US" sz="1800" dirty="0" err="1"/>
-              <a:t>android:attr</a:t>
-            </a:r>
-            <a:r>
-              <a:rPr lang="en-US" sz="1800" dirty="0"/>
-              <a:t>/</a:t>
-            </a:r>
-            <a:r>
-              <a:rPr lang="en-US" sz="1800" dirty="0" err="1"/>
-              <a:t>textAppearanceLarge</a:t>
-            </a:r>
-            <a:r>
-              <a:rPr lang="en-US" sz="1800" dirty="0"/>
-              <a:t>"</a:t>
-            </a:r>
-          </a:p>
-          <a:p>
-            <a:pPr marL="0" indent="0">
-              <a:buNone/>
-            </a:pPr>
-            <a:r>
-              <a:rPr lang="en-US" sz="1800" dirty="0"/>
-              <a:t>        </a:t>
-            </a:r>
-            <a:r>
-              <a:rPr lang="en-US" sz="1800" dirty="0" err="1"/>
-              <a:t>android:layout_width</a:t>
-            </a:r>
-            <a:r>
-              <a:rPr lang="en-US" sz="1800" dirty="0"/>
-              <a:t>="</a:t>
-            </a:r>
-            <a:r>
-              <a:rPr lang="en-US" sz="1800" dirty="0" err="1"/>
-              <a:t>match_parent</a:t>
-            </a:r>
-            <a:r>
-              <a:rPr lang="en-US" sz="1800" dirty="0"/>
-              <a:t>"</a:t>
-            </a:r>
-          </a:p>
-          <a:p>
-            <a:pPr marL="0" indent="0">
-              <a:buNone/>
-            </a:pPr>
-            <a:r>
-              <a:rPr lang="en-US" sz="1800" dirty="0"/>
-              <a:t>        </a:t>
-            </a:r>
-            <a:r>
-              <a:rPr lang="en-US" sz="1800" dirty="0" err="1"/>
-              <a:t>android:layout_height</a:t>
-            </a:r>
-            <a:r>
-              <a:rPr lang="en-US" sz="1800" dirty="0"/>
-              <a:t>="</a:t>
-            </a:r>
-            <a:r>
-              <a:rPr lang="en-US" sz="1800" dirty="0" err="1"/>
-              <a:t>wrap_content</a:t>
-            </a:r>
-            <a:r>
-              <a:rPr lang="en-US" sz="1800" dirty="0"/>
-              <a:t>"</a:t>
-            </a:r>
-          </a:p>
-          <a:p>
-            <a:pPr marL="0" indent="0">
-              <a:buNone/>
-            </a:pPr>
-            <a:r>
-              <a:rPr lang="en-US" sz="1800" dirty="0"/>
-              <a:t>        </a:t>
-            </a:r>
-            <a:r>
-              <a:rPr lang="en-US" sz="1800" dirty="0" err="1"/>
-              <a:t>android:id</a:t>
-            </a:r>
-            <a:r>
-              <a:rPr lang="en-US" sz="1800" dirty="0"/>
-              <a:t>="@+id/</a:t>
-            </a:r>
-            <a:r>
-              <a:rPr lang="en-US" sz="1800" dirty="0" err="1"/>
-              <a:t>headerText</a:t>
-            </a:r>
-            <a:r>
-              <a:rPr lang="en-US" sz="1800" dirty="0"/>
-              <a:t>" /&gt;</a:t>
-            </a:r>
-          </a:p>
-          <a:p>
-            <a:pPr marL="0" indent="0">
-              <a:buNone/>
-            </a:pPr>
-            <a:r>
-              <a:rPr lang="en-US" sz="1800" dirty="0"/>
-              <a:t>&lt;/</a:t>
-            </a:r>
-            <a:r>
-              <a:rPr lang="en-US" sz="1800" dirty="0" err="1"/>
-              <a:t>LinearLayout</a:t>
-            </a:r>
-            <a:r>
-              <a:rPr lang="en-US" sz="1800" dirty="0"/>
-              <a:t>&gt;</a:t>
-            </a:r>
-          </a:p>
-        </p:txBody>
-      </p:sp>
-    </p:spTree>
-    <p:extLst>
-      <p:ext uri="{BB962C8B-B14F-4D97-AF65-F5344CB8AC3E}">
-        <p14:creationId xmlns:p14="http://schemas.microsoft.com/office/powerpoint/2010/main" val="2054385222"/>
-      </p:ext>
-    </p:extLst>
-  </p:cSld>
-  <p:clrMapOvr>
-    <a:masterClrMapping/>
-  </p:clrMapOvr>
-</p:sld>
-</file>
-
 <file path=ppt/slides/slide23.xml><?xml version="1.0" encoding="utf-8"?>
 <p:sld xmlns:a="http://schemas.openxmlformats.org/drawingml/2006/main" xmlns:r="http://schemas.openxmlformats.org/officeDocument/2006/relationships" xmlns:p="http://schemas.openxmlformats.org/presentationml/2006/main">
   <p:cSld>
@@ -16063,7 +16211,15 @@
           <a:p>
             <a:r>
               <a:rPr lang="en-US" dirty="0"/>
-              <a:t>Handling Events</a:t>
+              <a:t>Place a </a:t>
+            </a:r>
+            <a:r>
+              <a:rPr lang="en-US" dirty="0" err="1"/>
+              <a:t>TextView</a:t>
+            </a:r>
+            <a:r>
+              <a:rPr lang="en-US" dirty="0"/>
+              <a:t> in a Layout</a:t>
             </a:r>
           </a:p>
         </p:txBody>
@@ -16078,18 +16234,10 @@
             <p:ph idx="1"/>
           </p:nvPr>
         </p:nvSpPr>
-        <p:spPr>
-          <a:xfrm>
-            <a:off x="701467" y="3098949"/>
-            <a:ext cx="10515600" cy="1416865"/>
-          </a:xfrm>
-          <a:solidFill>
-            <a:srgbClr val="D9D9D9"/>
-          </a:solidFill>
-        </p:spPr>
-        <p:txBody>
-          <a:bodyPr anchor="ctr">
-            <a:normAutofit/>
+        <p:spPr/>
+        <p:txBody>
+          <a:bodyPr>
+            <a:noAutofit/>
           </a:bodyPr>
           <a:lstStyle/>
           <a:p>
@@ -16097,39 +16245,8 @@
               <a:buNone/>
             </a:pPr>
             <a:r>
-              <a:rPr lang="en-US" sz="1800" dirty="0">
-                <a:latin typeface="Consolas"/>
-                <a:cs typeface="Consolas"/>
-              </a:rPr>
-              <a:t>	</a:t>
-            </a:r>
-            <a:r>
-              <a:rPr lang="en-US" sz="1800" dirty="0" err="1">
-                <a:latin typeface="Consolas"/>
-                <a:cs typeface="Consolas"/>
-              </a:rPr>
-              <a:t>button.Click</a:t>
-            </a:r>
-            <a:r>
-              <a:rPr lang="en-US" sz="1800" dirty="0">
-                <a:latin typeface="Consolas"/>
-                <a:cs typeface="Consolas"/>
-              </a:rPr>
-              <a:t> += (object sender, </a:t>
-            </a:r>
-            <a:r>
-              <a:rPr lang="en-US" sz="1800" dirty="0" err="1">
-                <a:latin typeface="Consolas"/>
-                <a:cs typeface="Consolas"/>
-              </a:rPr>
-              <a:t>EventArgs</a:t>
-            </a:r>
-            <a:r>
-              <a:rPr lang="en-US" sz="1800" dirty="0">
-                <a:latin typeface="Consolas"/>
-                <a:cs typeface="Consolas"/>
-              </a:rPr>
-              <a:t> e) =&gt; {…}</a:t>
+              <a:rPr lang="en-US" sz="1800" dirty="0"/>
+              <a:t>&lt;?xml version="1.0" encoding="utf-8"?&gt;</a:t>
             </a:r>
           </a:p>
           <a:p>
@@ -16137,25 +16254,32 @@
               <a:buNone/>
             </a:pPr>
             <a:r>
-              <a:rPr lang="en-US" sz="1800" dirty="0">
-                <a:latin typeface="Consolas"/>
-                <a:cs typeface="Consolas"/>
-              </a:rPr>
-              <a:t>	</a:t>
-            </a:r>
-            <a:r>
-              <a:rPr lang="en-US" sz="1800" dirty="0" err="1">
-                <a:latin typeface="Consolas"/>
-                <a:cs typeface="Consolas"/>
-              </a:rPr>
-              <a:t>button.Click</a:t>
-            </a:r>
-            <a:r>
-              <a:rPr lang="en-US" sz="1800" dirty="0">
-                <a:latin typeface="Consolas"/>
-                <a:cs typeface="Consolas"/>
-              </a:rPr>
-              <a:t> += delegate {…}</a:t>
+              <a:rPr lang="en-US" sz="1800" dirty="0"/>
+              <a:t>&lt;</a:t>
+            </a:r>
+            <a:r>
+              <a:rPr lang="en-US" sz="1800" dirty="0" err="1"/>
+              <a:t>LinearLayout</a:t>
+            </a:r>
+            <a:r>
+              <a:rPr lang="en-US" sz="1800" dirty="0"/>
+              <a:t> </a:t>
+            </a:r>
+            <a:r>
+              <a:rPr lang="en-US" sz="1800" dirty="0" err="1"/>
+              <a:t>xmlns:android</a:t>
+            </a:r>
+            <a:r>
+              <a:rPr lang="en-US" sz="1800" dirty="0"/>
+              <a:t>="http://schemas.android.com/</a:t>
+            </a:r>
+            <a:r>
+              <a:rPr lang="en-US" sz="1800" dirty="0" err="1"/>
+              <a:t>apk</a:t>
+            </a:r>
+            <a:r>
+              <a:rPr lang="en-US" sz="1800" dirty="0"/>
+              <a:t>/res/android"</a:t>
             </a:r>
           </a:p>
           <a:p>
@@ -16163,325 +16287,230 @@
               <a:buNone/>
             </a:pPr>
             <a:r>
-              <a:rPr lang="en-US" sz="1800" dirty="0">
-                <a:latin typeface="Consolas"/>
-                <a:cs typeface="Consolas"/>
-              </a:rPr>
-              <a:t>	</a:t>
-            </a:r>
-            <a:r>
-              <a:rPr lang="en-US" sz="1800" dirty="0" err="1">
-                <a:latin typeface="Consolas"/>
-                <a:cs typeface="Consolas"/>
-              </a:rPr>
-              <a:t>b</a:t>
-            </a:r>
-            <a:r>
-              <a:rPr lang="en-US" sz="1800" dirty="0" err="1" smtClean="0">
-                <a:latin typeface="Consolas"/>
-                <a:cs typeface="Consolas"/>
-              </a:rPr>
-              <a:t>utton.Click</a:t>
-            </a:r>
-            <a:r>
-              <a:rPr lang="en-US" sz="1800" dirty="0" smtClean="0">
-                <a:latin typeface="Consolas"/>
-                <a:cs typeface="Consolas"/>
-              </a:rPr>
-              <a:t> </a:t>
-            </a:r>
-            <a:r>
-              <a:rPr lang="en-US" sz="1800" dirty="0">
-                <a:latin typeface="Consolas"/>
-                <a:cs typeface="Consolas"/>
-              </a:rPr>
-              <a:t>+= </a:t>
-            </a:r>
-            <a:r>
-              <a:rPr lang="en-US" sz="1800" dirty="0" err="1">
-                <a:latin typeface="Consolas"/>
-                <a:cs typeface="Consolas"/>
-              </a:rPr>
-              <a:t>buttonClickHandler</a:t>
-            </a:r>
-            <a:r>
-              <a:rPr lang="en-US" sz="1800" dirty="0">
-                <a:latin typeface="Consolas"/>
-                <a:cs typeface="Consolas"/>
-              </a:rPr>
-              <a:t>()</a:t>
-            </a:r>
-            <a:r>
-              <a:rPr lang="en-US" sz="1800" dirty="0" smtClean="0">
-                <a:latin typeface="Consolas"/>
-                <a:cs typeface="Consolas"/>
-              </a:rPr>
-              <a:t>;</a:t>
-            </a:r>
-            <a:endParaRPr lang="en-US" dirty="0"/>
-          </a:p>
-        </p:txBody>
-      </p:sp>
-      <p:sp>
-        <p:nvSpPr>
-          <p:cNvPr id="4" name="Rectangle 3"/>
-          <p:cNvSpPr/>
-          <p:nvPr/>
-        </p:nvSpPr>
-        <p:spPr>
-          <a:xfrm>
-            <a:off x="0" y="1815935"/>
-            <a:ext cx="12160223" cy="791753"/>
-          </a:xfrm>
-          <a:prstGeom prst="rect">
-            <a:avLst/>
-          </a:prstGeom>
-          <a:solidFill>
-            <a:srgbClr val="0070C0"/>
-          </a:solidFill>
-          <a:ln w="9525" cap="flat" cmpd="sng" algn="ctr">
-            <a:noFill/>
-            <a:prstDash val="solid"/>
-          </a:ln>
-          <a:effectLst/>
-        </p:spPr>
-        <p:txBody>
-          <a:bodyPr rtlCol="0" anchor="ctr"/>
-          <a:lstStyle/>
-          <a:p>
-            <a:pPr marL="0" marR="0" lvl="0" indent="0" algn="ctr" defTabSz="914400" eaLnBrk="1" fontAlgn="auto" latinLnBrk="0" hangingPunct="1">
-              <a:lnSpc>
-                <a:spcPct val="100000"/>
-              </a:lnSpc>
-              <a:spcBef>
-                <a:spcPts val="0"/>
-              </a:spcBef>
-              <a:spcAft>
-                <a:spcPts val="0"/>
-              </a:spcAft>
-              <a:buClrTx/>
-              <a:buSzTx/>
-              <a:buFont typeface="Arial" panose="020B0604020202020204" pitchFamily="34" charset="0"/>
+              <a:rPr lang="en-US" sz="1800" dirty="0"/>
+              <a:t>    </a:t>
+            </a:r>
+            <a:r>
+              <a:rPr lang="en-US" sz="1800" dirty="0" err="1"/>
+              <a:t>android:orientation</a:t>
+            </a:r>
+            <a:r>
+              <a:rPr lang="en-US" sz="1800" dirty="0"/>
+              <a:t>="vertical"</a:t>
+            </a:r>
+          </a:p>
+          <a:p>
+            <a:pPr marL="0" indent="0">
               <a:buNone/>
-              <a:tabLst/>
-              <a:defRPr/>
-            </a:pPr>
-            <a:endParaRPr kumimoji="0" lang="en-US" sz="4000" i="1" u="none" strike="noStrike" kern="0" cap="none" spc="0" normalizeH="0" baseline="0" noProof="0" dirty="0">
-              <a:ln>
-                <a:noFill/>
-              </a:ln>
-              <a:solidFill>
-                <a:prstClr val="white"/>
-              </a:solidFill>
-              <a:effectLst/>
-              <a:uLnTx/>
-              <a:uFillTx/>
-              <a:latin typeface="+mj-lt"/>
-            </a:endParaRPr>
-          </a:p>
-        </p:txBody>
-      </p:sp>
-      <p:sp>
-        <p:nvSpPr>
-          <p:cNvPr id="5" name="Content Placeholder 2"/>
-          <p:cNvSpPr txBox="1">
-            <a:spLocks/>
-          </p:cNvSpPr>
-          <p:nvPr/>
-        </p:nvSpPr>
-        <p:spPr>
-          <a:xfrm>
-            <a:off x="896471" y="1815935"/>
-            <a:ext cx="12133729" cy="791753"/>
-          </a:xfrm>
-          <a:prstGeom prst="rect">
-            <a:avLst/>
-          </a:prstGeom>
-        </p:spPr>
-        <p:txBody>
-          <a:bodyPr anchor="ctr"/>
-          <a:lstStyle>
-            <a:lvl1pPr marL="0" indent="0" algn="ctr" defTabSz="914400" rtl="0" eaLnBrk="1" latinLnBrk="0" hangingPunct="1">
-              <a:lnSpc>
-                <a:spcPct val="90000"/>
-              </a:lnSpc>
-              <a:spcBef>
-                <a:spcPts val="1000"/>
-              </a:spcBef>
-              <a:buFont typeface="Arial" panose="020B0604020202020204" pitchFamily="34" charset="0"/>
+            </a:pPr>
+            <a:r>
+              <a:rPr lang="en-US" sz="1800" dirty="0"/>
+              <a:t>    </a:t>
+            </a:r>
+            <a:r>
+              <a:rPr lang="en-US" sz="1800" dirty="0" err="1"/>
+              <a:t>android:layout_width</a:t>
+            </a:r>
+            <a:r>
+              <a:rPr lang="en-US" sz="1800" dirty="0"/>
+              <a:t>="</a:t>
+            </a:r>
+            <a:r>
+              <a:rPr lang="en-US" sz="1800" dirty="0" err="1"/>
+              <a:t>fill_parent</a:t>
+            </a:r>
+            <a:r>
+              <a:rPr lang="en-US" sz="1800" dirty="0"/>
+              <a:t>"</a:t>
+            </a:r>
+          </a:p>
+          <a:p>
+            <a:pPr marL="0" indent="0">
               <a:buNone/>
-              <a:defRPr sz="2800" i="1" kern="1200">
-                <a:solidFill>
-                  <a:schemeClr val="bg1"/>
-                </a:solidFill>
-                <a:latin typeface="+mn-lt"/>
-                <a:ea typeface="+mn-ea"/>
-                <a:cs typeface="+mn-cs"/>
-              </a:defRPr>
-            </a:lvl1pPr>
-            <a:lvl2pPr marL="457200" indent="0" algn="ctr" defTabSz="914400" rtl="0" eaLnBrk="1" latinLnBrk="0" hangingPunct="1">
-              <a:lnSpc>
-                <a:spcPct val="90000"/>
-              </a:lnSpc>
-              <a:spcBef>
-                <a:spcPts val="500"/>
-              </a:spcBef>
-              <a:buFont typeface="Arial" panose="020B0604020202020204" pitchFamily="34" charset="0"/>
+            </a:pPr>
+            <a:r>
+              <a:rPr lang="en-US" sz="1800" dirty="0"/>
+              <a:t>    </a:t>
+            </a:r>
+            <a:r>
+              <a:rPr lang="en-US" sz="1800" dirty="0" err="1"/>
+              <a:t>android:layout_height</a:t>
+            </a:r>
+            <a:r>
+              <a:rPr lang="en-US" sz="1800" dirty="0"/>
+              <a:t>="</a:t>
+            </a:r>
+            <a:r>
+              <a:rPr lang="en-US" sz="1800" dirty="0" err="1"/>
+              <a:t>fill_parent</a:t>
+            </a:r>
+            <a:r>
+              <a:rPr lang="en-US" sz="1800" dirty="0"/>
+              <a:t>"&gt;</a:t>
+            </a:r>
+          </a:p>
+          <a:p>
+            <a:pPr marL="0" indent="0">
               <a:buNone/>
-              <a:defRPr sz="2400" i="1" kern="1200">
-                <a:solidFill>
-                  <a:schemeClr val="bg1"/>
-                </a:solidFill>
-                <a:latin typeface="+mn-lt"/>
-                <a:ea typeface="+mn-ea"/>
-                <a:cs typeface="+mn-cs"/>
-              </a:defRPr>
-            </a:lvl2pPr>
-            <a:lvl3pPr marL="914400" indent="0" algn="ctr" defTabSz="914400" rtl="0" eaLnBrk="1" latinLnBrk="0" hangingPunct="1">
-              <a:lnSpc>
-                <a:spcPct val="90000"/>
-              </a:lnSpc>
-              <a:spcBef>
-                <a:spcPts val="500"/>
-              </a:spcBef>
-              <a:buFont typeface="Arial" panose="020B0604020202020204" pitchFamily="34" charset="0"/>
+            </a:pPr>
+            <a:r>
+              <a:rPr lang="en-US" sz="1800" dirty="0"/>
+              <a:t> &lt;</a:t>
+            </a:r>
+            <a:r>
+              <a:rPr lang="en-US" sz="1800" dirty="0" err="1"/>
+              <a:t>TextView</a:t>
+            </a:r>
+            <a:endParaRPr lang="en-US" sz="1800" dirty="0"/>
+          </a:p>
+          <a:p>
+            <a:pPr marL="0" indent="0">
               <a:buNone/>
-              <a:defRPr sz="2000" i="1" kern="1200">
-                <a:solidFill>
-                  <a:schemeClr val="bg1"/>
-                </a:solidFill>
-                <a:latin typeface="+mn-lt"/>
-                <a:ea typeface="+mn-ea"/>
-                <a:cs typeface="+mn-cs"/>
-              </a:defRPr>
-            </a:lvl3pPr>
-            <a:lvl4pPr marL="1371600" indent="0" algn="ctr" defTabSz="914400" rtl="0" eaLnBrk="1" latinLnBrk="0" hangingPunct="1">
-              <a:lnSpc>
-                <a:spcPct val="90000"/>
-              </a:lnSpc>
-              <a:spcBef>
-                <a:spcPts val="500"/>
-              </a:spcBef>
-              <a:buFont typeface="Arial" panose="020B0604020202020204" pitchFamily="34" charset="0"/>
+            </a:pPr>
+            <a:r>
+              <a:rPr lang="en-US" sz="1800" dirty="0"/>
+              <a:t>        </a:t>
+            </a:r>
+            <a:r>
+              <a:rPr lang="en-US" sz="1800" dirty="0" err="1"/>
+              <a:t>android:text</a:t>
+            </a:r>
+            <a:r>
+              <a:rPr lang="en-US" sz="1800" dirty="0"/>
+              <a:t>="My Items"</a:t>
+            </a:r>
+          </a:p>
+          <a:p>
+            <a:pPr marL="0" indent="0">
               <a:buNone/>
-              <a:defRPr sz="1800" i="1" kern="1200">
-                <a:solidFill>
-                  <a:schemeClr val="bg1"/>
-                </a:solidFill>
-                <a:latin typeface="+mn-lt"/>
-                <a:ea typeface="+mn-ea"/>
-                <a:cs typeface="+mn-cs"/>
-              </a:defRPr>
-            </a:lvl4pPr>
-            <a:lvl5pPr marL="1828800" indent="0" algn="ctr" defTabSz="914400" rtl="0" eaLnBrk="1" latinLnBrk="0" hangingPunct="1">
-              <a:lnSpc>
-                <a:spcPct val="90000"/>
-              </a:lnSpc>
-              <a:spcBef>
-                <a:spcPts val="500"/>
-              </a:spcBef>
-              <a:buFont typeface="Arial" panose="020B0604020202020204" pitchFamily="34" charset="0"/>
+            </a:pPr>
+            <a:r>
+              <a:rPr lang="en-US" sz="1800" dirty="0"/>
+              <a:t>        </a:t>
+            </a:r>
+            <a:r>
+              <a:rPr lang="en-US" sz="1800" dirty="0" err="1"/>
+              <a:t>android:textAppearance</a:t>
+            </a:r>
+            <a:r>
+              <a:rPr lang="en-US" sz="1800" dirty="0"/>
+              <a:t>="?</a:t>
+            </a:r>
+            <a:r>
+              <a:rPr lang="en-US" sz="1800" dirty="0" err="1"/>
+              <a:t>android:attr</a:t>
+            </a:r>
+            <a:r>
+              <a:rPr lang="en-US" sz="1800" dirty="0"/>
+              <a:t>/</a:t>
+            </a:r>
+            <a:r>
+              <a:rPr lang="en-US" sz="1800" dirty="0" err="1"/>
+              <a:t>textAppearanceLarge</a:t>
+            </a:r>
+            <a:r>
+              <a:rPr lang="en-US" sz="1800" dirty="0"/>
+              <a:t>"</a:t>
+            </a:r>
+          </a:p>
+          <a:p>
+            <a:pPr marL="0" indent="0">
               <a:buNone/>
-              <a:defRPr sz="1800" i="1" kern="1200">
-                <a:solidFill>
-                  <a:schemeClr val="bg1"/>
-                </a:solidFill>
-                <a:latin typeface="+mn-lt"/>
-                <a:ea typeface="+mn-ea"/>
-                <a:cs typeface="+mn-cs"/>
-              </a:defRPr>
-            </a:lvl5pPr>
-            <a:lvl6pPr marL="2514600" indent="-228600" algn="l" defTabSz="914400" rtl="0" eaLnBrk="1" latinLnBrk="0" hangingPunct="1">
-              <a:lnSpc>
-                <a:spcPct val="90000"/>
-              </a:lnSpc>
-              <a:spcBef>
-                <a:spcPts val="500"/>
-              </a:spcBef>
-              <a:buFont typeface="Arial" panose="020B0604020202020204" pitchFamily="34" charset="0"/>
-              <a:buChar char="•"/>
-              <a:defRPr sz="1800" kern="1200">
-                <a:solidFill>
-                  <a:schemeClr val="tx1"/>
-                </a:solidFill>
-                <a:latin typeface="+mn-lt"/>
-                <a:ea typeface="+mn-ea"/>
-                <a:cs typeface="+mn-cs"/>
-              </a:defRPr>
-            </a:lvl6pPr>
-            <a:lvl7pPr marL="2971800" indent="-228600" algn="l" defTabSz="914400" rtl="0" eaLnBrk="1" latinLnBrk="0" hangingPunct="1">
-              <a:lnSpc>
-                <a:spcPct val="90000"/>
-              </a:lnSpc>
-              <a:spcBef>
-                <a:spcPts val="500"/>
-              </a:spcBef>
-              <a:buFont typeface="Arial" panose="020B0604020202020204" pitchFamily="34" charset="0"/>
-              <a:buChar char="•"/>
-              <a:defRPr sz="1800" kern="1200">
-                <a:solidFill>
-                  <a:schemeClr val="tx1"/>
-                </a:solidFill>
-                <a:latin typeface="+mn-lt"/>
-                <a:ea typeface="+mn-ea"/>
-                <a:cs typeface="+mn-cs"/>
-              </a:defRPr>
-            </a:lvl7pPr>
-            <a:lvl8pPr marL="3429000" indent="-228600" algn="l" defTabSz="914400" rtl="0" eaLnBrk="1" latinLnBrk="0" hangingPunct="1">
-              <a:lnSpc>
-                <a:spcPct val="90000"/>
-              </a:lnSpc>
-              <a:spcBef>
-                <a:spcPts val="500"/>
-              </a:spcBef>
-              <a:buFont typeface="Arial" panose="020B0604020202020204" pitchFamily="34" charset="0"/>
-              <a:buChar char="•"/>
-              <a:defRPr sz="1800" kern="1200">
-                <a:solidFill>
-                  <a:schemeClr val="tx1"/>
-                </a:solidFill>
-                <a:latin typeface="+mn-lt"/>
-                <a:ea typeface="+mn-ea"/>
-                <a:cs typeface="+mn-cs"/>
-              </a:defRPr>
-            </a:lvl8pPr>
-            <a:lvl9pPr marL="3886200" indent="-228600" algn="l" defTabSz="914400" rtl="0" eaLnBrk="1" latinLnBrk="0" hangingPunct="1">
-              <a:lnSpc>
-                <a:spcPct val="90000"/>
-              </a:lnSpc>
-              <a:spcBef>
-                <a:spcPts val="500"/>
-              </a:spcBef>
-              <a:buFont typeface="Arial" panose="020B0604020202020204" pitchFamily="34" charset="0"/>
-              <a:buChar char="•"/>
-              <a:defRPr sz="1800" kern="1200">
-                <a:solidFill>
-                  <a:schemeClr val="tx1"/>
-                </a:solidFill>
-                <a:latin typeface="+mn-lt"/>
-                <a:ea typeface="+mn-ea"/>
-                <a:cs typeface="+mn-cs"/>
-              </a:defRPr>
-            </a:lvl9pPr>
-          </a:lstStyle>
-          <a:p>
-            <a:pPr algn="l"/>
-            <a:r>
-              <a:rPr lang="en-US" altLang="ko-KR" i="0" dirty="0"/>
-              <a:t>There are three ways to handle </a:t>
-            </a:r>
-            <a:r>
-              <a:rPr lang="en-US" altLang="ko-KR" i="0" dirty="0" smtClean="0"/>
-              <a:t>events:</a:t>
-            </a:r>
-            <a:endParaRPr lang="en-US" altLang="ko-KR" i="0" dirty="0"/>
+            </a:pPr>
+            <a:r>
+              <a:rPr lang="en-US" sz="1800" dirty="0"/>
+              <a:t>        </a:t>
+            </a:r>
+            <a:r>
+              <a:rPr lang="en-US" sz="1800" dirty="0" err="1"/>
+              <a:t>android:layout_width</a:t>
+            </a:r>
+            <a:r>
+              <a:rPr lang="en-US" sz="1800" dirty="0"/>
+              <a:t>="</a:t>
+            </a:r>
+            <a:r>
+              <a:rPr lang="en-US" sz="1800" dirty="0" err="1"/>
+              <a:t>match_parent</a:t>
+            </a:r>
+            <a:r>
+              <a:rPr lang="en-US" sz="1800" dirty="0"/>
+              <a:t>"</a:t>
+            </a:r>
+          </a:p>
+          <a:p>
+            <a:pPr marL="0" indent="0">
+              <a:buNone/>
+            </a:pPr>
+            <a:r>
+              <a:rPr lang="en-US" sz="1800" dirty="0"/>
+              <a:t>        </a:t>
+            </a:r>
+            <a:r>
+              <a:rPr lang="en-US" sz="1800" dirty="0" err="1"/>
+              <a:t>android:layout_height</a:t>
+            </a:r>
+            <a:r>
+              <a:rPr lang="en-US" sz="1800" dirty="0"/>
+              <a:t>="</a:t>
+            </a:r>
+            <a:r>
+              <a:rPr lang="en-US" sz="1800" dirty="0" err="1"/>
+              <a:t>wrap_content</a:t>
+            </a:r>
+            <a:r>
+              <a:rPr lang="en-US" sz="1800" dirty="0"/>
+              <a:t>"</a:t>
+            </a:r>
+          </a:p>
+          <a:p>
+            <a:pPr marL="0" indent="0">
+              <a:buNone/>
+            </a:pPr>
+            <a:r>
+              <a:rPr lang="en-US" sz="1800" dirty="0"/>
+              <a:t>        </a:t>
+            </a:r>
+            <a:r>
+              <a:rPr lang="en-US" sz="1800" dirty="0" err="1"/>
+              <a:t>android:id</a:t>
+            </a:r>
+            <a:r>
+              <a:rPr lang="en-US" sz="1800" dirty="0"/>
+              <a:t>="@+id/</a:t>
+            </a:r>
+            <a:r>
+              <a:rPr lang="en-US" sz="1800" dirty="0" err="1"/>
+              <a:t>headerText</a:t>
+            </a:r>
+            <a:r>
+              <a:rPr lang="en-US" sz="1800" dirty="0"/>
+              <a:t>" /&gt;</a:t>
+            </a:r>
+          </a:p>
+          <a:p>
+            <a:pPr marL="0" indent="0">
+              <a:buNone/>
+            </a:pPr>
+            <a:r>
+              <a:rPr lang="en-US" sz="1800" dirty="0"/>
+              <a:t>&lt;/</a:t>
+            </a:r>
+            <a:r>
+              <a:rPr lang="en-US" sz="1800" dirty="0" err="1"/>
+              <a:t>LinearLayout</a:t>
+            </a:r>
+            <a:r>
+              <a:rPr lang="en-US" sz="1800" dirty="0"/>
+              <a:t>&gt;</a:t>
+            </a:r>
           </a:p>
         </p:txBody>
       </p:sp>
     </p:spTree>
     <p:extLst>
       <p:ext uri="{BB962C8B-B14F-4D97-AF65-F5344CB8AC3E}">
-        <p14:creationId xmlns:p14="http://schemas.microsoft.com/office/powerpoint/2010/main" val="97197920"/>
+        <p14:creationId xmlns:p14="http://schemas.microsoft.com/office/powerpoint/2010/main" val="2054385222"/>
       </p:ext>
     </p:extLst>
   </p:cSld>
@@ -16524,12 +16553,8 @@
           <a:lstStyle/>
           <a:p>
             <a:r>
-              <a:rPr lang="en-US" dirty="0">
-                <a:solidFill>
-                  <a:srgbClr val="000000"/>
-                </a:solidFill>
-              </a:rPr>
-              <a:t>Toast</a:t>
+              <a:rPr lang="en-US" dirty="0"/>
+              <a:t>Handling Events</a:t>
             </a:r>
           </a:p>
         </p:txBody>
@@ -16546,6 +16571,446 @@
         </p:nvSpPr>
         <p:spPr>
           <a:xfrm>
+            <a:off x="701467" y="3098949"/>
+            <a:ext cx="10515600" cy="1416865"/>
+          </a:xfrm>
+          <a:solidFill>
+            <a:srgbClr val="D9D9D9"/>
+          </a:solidFill>
+        </p:spPr>
+        <p:txBody>
+          <a:bodyPr anchor="ctr">
+            <a:normAutofit/>
+          </a:bodyPr>
+          <a:lstStyle/>
+          <a:p>
+            <a:pPr marL="0" indent="0">
+              <a:buNone/>
+            </a:pPr>
+            <a:r>
+              <a:rPr lang="en-US" sz="1800" dirty="0">
+                <a:latin typeface="Consolas"/>
+                <a:cs typeface="Consolas"/>
+              </a:rPr>
+              <a:t>	</a:t>
+            </a:r>
+            <a:r>
+              <a:rPr lang="en-US" sz="1800" dirty="0" err="1">
+                <a:latin typeface="Consolas"/>
+                <a:cs typeface="Consolas"/>
+              </a:rPr>
+              <a:t>button.Click</a:t>
+            </a:r>
+            <a:r>
+              <a:rPr lang="en-US" sz="1800" dirty="0">
+                <a:latin typeface="Consolas"/>
+                <a:cs typeface="Consolas"/>
+              </a:rPr>
+              <a:t> += (object sender, </a:t>
+            </a:r>
+            <a:r>
+              <a:rPr lang="en-US" sz="1800" dirty="0" err="1">
+                <a:latin typeface="Consolas"/>
+                <a:cs typeface="Consolas"/>
+              </a:rPr>
+              <a:t>EventArgs</a:t>
+            </a:r>
+            <a:r>
+              <a:rPr lang="en-US" sz="1800" dirty="0">
+                <a:latin typeface="Consolas"/>
+                <a:cs typeface="Consolas"/>
+              </a:rPr>
+              <a:t> e) =&gt; {…}</a:t>
+            </a:r>
+          </a:p>
+          <a:p>
+            <a:pPr marL="0" indent="0">
+              <a:buNone/>
+            </a:pPr>
+            <a:r>
+              <a:rPr lang="en-US" sz="1800" dirty="0">
+                <a:latin typeface="Consolas"/>
+                <a:cs typeface="Consolas"/>
+              </a:rPr>
+              <a:t>	</a:t>
+            </a:r>
+            <a:r>
+              <a:rPr lang="en-US" sz="1800" dirty="0" err="1">
+                <a:latin typeface="Consolas"/>
+                <a:cs typeface="Consolas"/>
+              </a:rPr>
+              <a:t>button.Click</a:t>
+            </a:r>
+            <a:r>
+              <a:rPr lang="en-US" sz="1800" dirty="0">
+                <a:latin typeface="Consolas"/>
+                <a:cs typeface="Consolas"/>
+              </a:rPr>
+              <a:t> += delegate {…}</a:t>
+            </a:r>
+          </a:p>
+          <a:p>
+            <a:pPr marL="0" indent="0">
+              <a:buNone/>
+            </a:pPr>
+            <a:r>
+              <a:rPr lang="en-US" sz="1800" dirty="0">
+                <a:latin typeface="Consolas"/>
+                <a:cs typeface="Consolas"/>
+              </a:rPr>
+              <a:t>	</a:t>
+            </a:r>
+            <a:r>
+              <a:rPr lang="en-US" sz="1800" dirty="0" err="1">
+                <a:latin typeface="Consolas"/>
+                <a:cs typeface="Consolas"/>
+              </a:rPr>
+              <a:t>button.Click</a:t>
+            </a:r>
+            <a:r>
+              <a:rPr lang="en-US" sz="1800" dirty="0">
+                <a:latin typeface="Consolas"/>
+                <a:cs typeface="Consolas"/>
+              </a:rPr>
+              <a:t> += </a:t>
+            </a:r>
+            <a:r>
+              <a:rPr lang="en-US" sz="1800" dirty="0" err="1">
+                <a:latin typeface="Consolas"/>
+                <a:cs typeface="Consolas"/>
+              </a:rPr>
+              <a:t>buttonClickHandler</a:t>
+            </a:r>
+            <a:r>
+              <a:rPr lang="en-US" sz="1800" dirty="0">
+                <a:latin typeface="Consolas"/>
+                <a:cs typeface="Consolas"/>
+              </a:rPr>
+              <a:t>();</a:t>
+            </a:r>
+            <a:endParaRPr lang="en-US" dirty="0"/>
+          </a:p>
+        </p:txBody>
+      </p:sp>
+      <p:sp>
+        <p:nvSpPr>
+          <p:cNvPr id="4" name="Rectangle 3"/>
+          <p:cNvSpPr/>
+          <p:nvPr/>
+        </p:nvSpPr>
+        <p:spPr>
+          <a:xfrm>
+            <a:off x="0" y="1815935"/>
+            <a:ext cx="12160223" cy="791753"/>
+          </a:xfrm>
+          <a:prstGeom prst="rect">
+            <a:avLst/>
+          </a:prstGeom>
+          <a:solidFill>
+            <a:srgbClr val="0070C0"/>
+          </a:solidFill>
+          <a:ln w="9525" cap="flat" cmpd="sng" algn="ctr">
+            <a:noFill/>
+            <a:prstDash val="solid"/>
+          </a:ln>
+          <a:effectLst/>
+        </p:spPr>
+        <p:txBody>
+          <a:bodyPr rtlCol="0" anchor="ctr"/>
+          <a:lstStyle/>
+          <a:p>
+            <a:pPr marL="0" marR="0" lvl="0" indent="0" algn="ctr" defTabSz="914400" eaLnBrk="1" fontAlgn="auto" latinLnBrk="0" hangingPunct="1">
+              <a:lnSpc>
+                <a:spcPct val="100000"/>
+              </a:lnSpc>
+              <a:spcBef>
+                <a:spcPts val="0"/>
+              </a:spcBef>
+              <a:spcAft>
+                <a:spcPts val="0"/>
+              </a:spcAft>
+              <a:buClrTx/>
+              <a:buSzTx/>
+              <a:buFont typeface="Arial" panose="020B0604020202020204" pitchFamily="34" charset="0"/>
+              <a:buNone/>
+              <a:tabLst/>
+              <a:defRPr/>
+            </a:pPr>
+            <a:endParaRPr kumimoji="0" lang="en-US" sz="4000" i="1" u="none" strike="noStrike" kern="0" cap="none" spc="0" normalizeH="0" baseline="0" noProof="0" dirty="0">
+              <a:ln>
+                <a:noFill/>
+              </a:ln>
+              <a:solidFill>
+                <a:prstClr val="white"/>
+              </a:solidFill>
+              <a:effectLst/>
+              <a:uLnTx/>
+              <a:uFillTx/>
+              <a:latin typeface="+mj-lt"/>
+            </a:endParaRPr>
+          </a:p>
+        </p:txBody>
+      </p:sp>
+      <p:sp>
+        <p:nvSpPr>
+          <p:cNvPr id="5" name="Content Placeholder 2"/>
+          <p:cNvSpPr txBox="1">
+            <a:spLocks/>
+          </p:cNvSpPr>
+          <p:nvPr/>
+        </p:nvSpPr>
+        <p:spPr>
+          <a:xfrm>
+            <a:off x="896471" y="1815935"/>
+            <a:ext cx="12133729" cy="791753"/>
+          </a:xfrm>
+          <a:prstGeom prst="rect">
+            <a:avLst/>
+          </a:prstGeom>
+        </p:spPr>
+        <p:txBody>
+          <a:bodyPr anchor="ctr"/>
+          <a:lstStyle>
+            <a:lvl1pPr marL="0" indent="0" algn="ctr" defTabSz="914400" rtl="0" eaLnBrk="1" latinLnBrk="0" hangingPunct="1">
+              <a:lnSpc>
+                <a:spcPct val="90000"/>
+              </a:lnSpc>
+              <a:spcBef>
+                <a:spcPts val="1000"/>
+              </a:spcBef>
+              <a:buFont typeface="Arial" panose="020B0604020202020204" pitchFamily="34" charset="0"/>
+              <a:buNone/>
+              <a:defRPr sz="2800" i="1" kern="1200">
+                <a:solidFill>
+                  <a:schemeClr val="bg1"/>
+                </a:solidFill>
+                <a:latin typeface="+mn-lt"/>
+                <a:ea typeface="+mn-ea"/>
+                <a:cs typeface="+mn-cs"/>
+              </a:defRPr>
+            </a:lvl1pPr>
+            <a:lvl2pPr marL="457200" indent="0" algn="ctr" defTabSz="914400" rtl="0" eaLnBrk="1" latinLnBrk="0" hangingPunct="1">
+              <a:lnSpc>
+                <a:spcPct val="90000"/>
+              </a:lnSpc>
+              <a:spcBef>
+                <a:spcPts val="500"/>
+              </a:spcBef>
+              <a:buFont typeface="Arial" panose="020B0604020202020204" pitchFamily="34" charset="0"/>
+              <a:buNone/>
+              <a:defRPr sz="2400" i="1" kern="1200">
+                <a:solidFill>
+                  <a:schemeClr val="bg1"/>
+                </a:solidFill>
+                <a:latin typeface="+mn-lt"/>
+                <a:ea typeface="+mn-ea"/>
+                <a:cs typeface="+mn-cs"/>
+              </a:defRPr>
+            </a:lvl2pPr>
+            <a:lvl3pPr marL="914400" indent="0" algn="ctr" defTabSz="914400" rtl="0" eaLnBrk="1" latinLnBrk="0" hangingPunct="1">
+              <a:lnSpc>
+                <a:spcPct val="90000"/>
+              </a:lnSpc>
+              <a:spcBef>
+                <a:spcPts val="500"/>
+              </a:spcBef>
+              <a:buFont typeface="Arial" panose="020B0604020202020204" pitchFamily="34" charset="0"/>
+              <a:buNone/>
+              <a:defRPr sz="2000" i="1" kern="1200">
+                <a:solidFill>
+                  <a:schemeClr val="bg1"/>
+                </a:solidFill>
+                <a:latin typeface="+mn-lt"/>
+                <a:ea typeface="+mn-ea"/>
+                <a:cs typeface="+mn-cs"/>
+              </a:defRPr>
+            </a:lvl3pPr>
+            <a:lvl4pPr marL="1371600" indent="0" algn="ctr" defTabSz="914400" rtl="0" eaLnBrk="1" latinLnBrk="0" hangingPunct="1">
+              <a:lnSpc>
+                <a:spcPct val="90000"/>
+              </a:lnSpc>
+              <a:spcBef>
+                <a:spcPts val="500"/>
+              </a:spcBef>
+              <a:buFont typeface="Arial" panose="020B0604020202020204" pitchFamily="34" charset="0"/>
+              <a:buNone/>
+              <a:defRPr sz="1800" i="1" kern="1200">
+                <a:solidFill>
+                  <a:schemeClr val="bg1"/>
+                </a:solidFill>
+                <a:latin typeface="+mn-lt"/>
+                <a:ea typeface="+mn-ea"/>
+                <a:cs typeface="+mn-cs"/>
+              </a:defRPr>
+            </a:lvl4pPr>
+            <a:lvl5pPr marL="1828800" indent="0" algn="ctr" defTabSz="914400" rtl="0" eaLnBrk="1" latinLnBrk="0" hangingPunct="1">
+              <a:lnSpc>
+                <a:spcPct val="90000"/>
+              </a:lnSpc>
+              <a:spcBef>
+                <a:spcPts val="500"/>
+              </a:spcBef>
+              <a:buFont typeface="Arial" panose="020B0604020202020204" pitchFamily="34" charset="0"/>
+              <a:buNone/>
+              <a:defRPr sz="1800" i="1" kern="1200">
+                <a:solidFill>
+                  <a:schemeClr val="bg1"/>
+                </a:solidFill>
+                <a:latin typeface="+mn-lt"/>
+                <a:ea typeface="+mn-ea"/>
+                <a:cs typeface="+mn-cs"/>
+              </a:defRPr>
+            </a:lvl5pPr>
+            <a:lvl6pPr marL="2514600" indent="-228600" algn="l" defTabSz="914400" rtl="0" eaLnBrk="1" latinLnBrk="0" hangingPunct="1">
+              <a:lnSpc>
+                <a:spcPct val="90000"/>
+              </a:lnSpc>
+              <a:spcBef>
+                <a:spcPts val="500"/>
+              </a:spcBef>
+              <a:buFont typeface="Arial" panose="020B0604020202020204" pitchFamily="34" charset="0"/>
+              <a:buChar char="•"/>
+              <a:defRPr sz="1800" kern="1200">
+                <a:solidFill>
+                  <a:schemeClr val="tx1"/>
+                </a:solidFill>
+                <a:latin typeface="+mn-lt"/>
+                <a:ea typeface="+mn-ea"/>
+                <a:cs typeface="+mn-cs"/>
+              </a:defRPr>
+            </a:lvl6pPr>
+            <a:lvl7pPr marL="2971800" indent="-228600" algn="l" defTabSz="914400" rtl="0" eaLnBrk="1" latinLnBrk="0" hangingPunct="1">
+              <a:lnSpc>
+                <a:spcPct val="90000"/>
+              </a:lnSpc>
+              <a:spcBef>
+                <a:spcPts val="500"/>
+              </a:spcBef>
+              <a:buFont typeface="Arial" panose="020B0604020202020204" pitchFamily="34" charset="0"/>
+              <a:buChar char="•"/>
+              <a:defRPr sz="1800" kern="1200">
+                <a:solidFill>
+                  <a:schemeClr val="tx1"/>
+                </a:solidFill>
+                <a:latin typeface="+mn-lt"/>
+                <a:ea typeface="+mn-ea"/>
+                <a:cs typeface="+mn-cs"/>
+              </a:defRPr>
+            </a:lvl7pPr>
+            <a:lvl8pPr marL="3429000" indent="-228600" algn="l" defTabSz="914400" rtl="0" eaLnBrk="1" latinLnBrk="0" hangingPunct="1">
+              <a:lnSpc>
+                <a:spcPct val="90000"/>
+              </a:lnSpc>
+              <a:spcBef>
+                <a:spcPts val="500"/>
+              </a:spcBef>
+              <a:buFont typeface="Arial" panose="020B0604020202020204" pitchFamily="34" charset="0"/>
+              <a:buChar char="•"/>
+              <a:defRPr sz="1800" kern="1200">
+                <a:solidFill>
+                  <a:schemeClr val="tx1"/>
+                </a:solidFill>
+                <a:latin typeface="+mn-lt"/>
+                <a:ea typeface="+mn-ea"/>
+                <a:cs typeface="+mn-cs"/>
+              </a:defRPr>
+            </a:lvl8pPr>
+            <a:lvl9pPr marL="3886200" indent="-228600" algn="l" defTabSz="914400" rtl="0" eaLnBrk="1" latinLnBrk="0" hangingPunct="1">
+              <a:lnSpc>
+                <a:spcPct val="90000"/>
+              </a:lnSpc>
+              <a:spcBef>
+                <a:spcPts val="500"/>
+              </a:spcBef>
+              <a:buFont typeface="Arial" panose="020B0604020202020204" pitchFamily="34" charset="0"/>
+              <a:buChar char="•"/>
+              <a:defRPr sz="1800" kern="1200">
+                <a:solidFill>
+                  <a:schemeClr val="tx1"/>
+                </a:solidFill>
+                <a:latin typeface="+mn-lt"/>
+                <a:ea typeface="+mn-ea"/>
+                <a:cs typeface="+mn-cs"/>
+              </a:defRPr>
+            </a:lvl9pPr>
+          </a:lstStyle>
+          <a:p>
+            <a:pPr algn="l"/>
+            <a:r>
+              <a:rPr lang="en-US" altLang="ko-KR" i="0" dirty="0"/>
+              <a:t>There are three ways to handle events:</a:t>
+            </a:r>
+          </a:p>
+        </p:txBody>
+      </p:sp>
+    </p:spTree>
+    <p:extLst>
+      <p:ext uri="{BB962C8B-B14F-4D97-AF65-F5344CB8AC3E}">
+        <p14:creationId xmlns:p14="http://schemas.microsoft.com/office/powerpoint/2010/main" val="97197920"/>
+      </p:ext>
+    </p:extLst>
+  </p:cSld>
+  <p:clrMapOvr>
+    <a:masterClrMapping/>
+  </p:clrMapOvr>
+</p:sld>
+</file>
+
+<file path=ppt/slides/slide25.xml><?xml version="1.0" encoding="utf-8"?>
+<p:sld xmlns:a="http://schemas.openxmlformats.org/drawingml/2006/main" xmlns:r="http://schemas.openxmlformats.org/officeDocument/2006/relationships" xmlns:p="http://schemas.openxmlformats.org/presentationml/2006/main">
+  <p:cSld>
+    <p:spTree>
+      <p:nvGrpSpPr>
+        <p:cNvPr id="1" name=""/>
+        <p:cNvGrpSpPr/>
+        <p:nvPr/>
+      </p:nvGrpSpPr>
+      <p:grpSpPr>
+        <a:xfrm>
+          <a:off x="0" y="0"/>
+          <a:ext cx="0" cy="0"/>
+          <a:chOff x="0" y="0"/>
+          <a:chExt cx="0" cy="0"/>
+        </a:xfrm>
+      </p:grpSpPr>
+      <p:sp>
+        <p:nvSpPr>
+          <p:cNvPr id="2" name="Title 1"/>
+          <p:cNvSpPr>
+            <a:spLocks noGrp="1"/>
+          </p:cNvSpPr>
+          <p:nvPr>
+            <p:ph type="title"/>
+          </p:nvPr>
+        </p:nvSpPr>
+        <p:spPr/>
+        <p:txBody>
+          <a:bodyPr/>
+          <a:lstStyle/>
+          <a:p>
+            <a:r>
+              <a:rPr lang="en-US" dirty="0">
+                <a:solidFill>
+                  <a:srgbClr val="000000"/>
+                </a:solidFill>
+              </a:rPr>
+              <a:t>Toast</a:t>
+            </a:r>
+          </a:p>
+        </p:txBody>
+      </p:sp>
+      <p:sp>
+        <p:nvSpPr>
+          <p:cNvPr id="3" name="Content Placeholder 2"/>
+          <p:cNvSpPr>
+            <a:spLocks noGrp="1"/>
+          </p:cNvSpPr>
+          <p:nvPr>
+            <p:ph idx="1"/>
+          </p:nvPr>
+        </p:nvSpPr>
+        <p:spPr>
+          <a:xfrm>
             <a:off x="824002" y="2430385"/>
             <a:ext cx="10515600" cy="2044146"/>
           </a:xfrm>
@@ -16560,7 +17025,7 @@
               <a:buNone/>
             </a:pPr>
             <a:r>
-              <a:rPr lang="en-US" sz="2400" dirty="0" smtClean="0">
+              <a:rPr lang="en-US" sz="2400" dirty="0">
                 <a:solidFill>
                   <a:srgbClr val="000000"/>
                 </a:solidFill>
@@ -16568,18 +17033,7 @@
                   <a:srgbClr val="FFFFFF"/>
                 </a:highlight>
               </a:rPr>
-              <a:t>Toast </a:t>
-            </a:r>
-            <a:r>
-              <a:rPr lang="en-US" sz="2400" dirty="0">
-                <a:solidFill>
-                  <a:srgbClr val="000000"/>
-                </a:solidFill>
-                <a:highlight>
-                  <a:srgbClr val="FFFFFF"/>
-                </a:highlight>
-              </a:rPr>
-              <a:t>Duration</a:t>
+              <a:t>Toast Duration</a:t>
             </a:r>
           </a:p>
           <a:p>
@@ -16941,7 +17395,7 @@
           </a:bodyPr>
           <a:lstStyle/>
           <a:p>
-            <a:endParaRPr lang="en-US" dirty="0" smtClean="0">
+            <a:endParaRPr lang="en-US" dirty="0">
               <a:solidFill>
                 <a:srgbClr val="000000"/>
               </a:solidFill>
@@ -16953,7 +17407,7 @@
           </a:p>
           <a:p>
             <a:r>
-              <a:rPr lang="en-US" dirty="0" err="1" smtClean="0">
+              <a:rPr lang="en-US" dirty="0" err="1">
                 <a:solidFill>
                   <a:srgbClr val="000000"/>
                 </a:solidFill>
@@ -16998,19 +17452,7 @@
                 </a:highlight>
                 <a:latin typeface="Consolas" panose="020B0609020204030204" pitchFamily="49" charset="0"/>
               </a:rPr>
-              <a:t>).Show()</a:t>
-            </a:r>
-            <a:r>
-              <a:rPr lang="en-US" dirty="0" smtClean="0">
-                <a:solidFill>
-                  <a:srgbClr val="000000"/>
-                </a:solidFill>
-                <a:highlight>
-                  <a:srgbClr val="FFFFFF"/>
-                </a:highlight>
-                <a:latin typeface="Consolas" panose="020B0609020204030204" pitchFamily="49" charset="0"/>
-              </a:rPr>
-              <a:t>;</a:t>
+              <a:t>).Show();</a:t>
             </a:r>
           </a:p>
           <a:p>
@@ -17035,7 +17477,7 @@
 </p:sld>
 </file>
 
-<file path=ppt/slides/slide25.xml><?xml version="1.0" encoding="utf-8"?>
+<file path=ppt/slides/slide26.xml><?xml version="1.0" encoding="utf-8"?>
 <p:sld xmlns:a="http://schemas.openxmlformats.org/drawingml/2006/main" xmlns:r="http://schemas.openxmlformats.org/officeDocument/2006/relationships" xmlns:p="http://schemas.openxmlformats.org/presentationml/2006/main">
   <p:cSld>
     <p:spTree>
@@ -17303,7 +17745,7 @@
 </p:sld>
 </file>
 
-<file path=ppt/slides/slide26.xml><?xml version="1.0" encoding="utf-8"?>
+<file path=ppt/slides/slide27.xml><?xml version="1.0" encoding="utf-8"?>
 <p:sld xmlns:a="http://schemas.openxmlformats.org/drawingml/2006/main" xmlns:r="http://schemas.openxmlformats.org/officeDocument/2006/relationships" xmlns:p="http://schemas.openxmlformats.org/presentationml/2006/main">
   <p:cSld>
     <p:spTree>
@@ -17570,140 +18012,6 @@
 </p:sld>
 </file>
 
-<file path=ppt/slides/slide27.xml><?xml version="1.0" encoding="utf-8"?>
-<p:sld xmlns:a="http://schemas.openxmlformats.org/drawingml/2006/main" xmlns:r="http://schemas.openxmlformats.org/officeDocument/2006/relationships" xmlns:p="http://schemas.openxmlformats.org/presentationml/2006/main">
-  <p:cSld>
-    <p:spTree>
-      <p:nvGrpSpPr>
-        <p:cNvPr id="1" name=""/>
-        <p:cNvGrpSpPr/>
-        <p:nvPr/>
-      </p:nvGrpSpPr>
-      <p:grpSpPr>
-        <a:xfrm>
-          <a:off x="0" y="0"/>
-          <a:ext cx="0" cy="0"/>
-          <a:chOff x="0" y="0"/>
-          <a:chExt cx="0" cy="0"/>
-        </a:xfrm>
-      </p:grpSpPr>
-      <p:sp>
-        <p:nvSpPr>
-          <p:cNvPr id="2" name="Title 1"/>
-          <p:cNvSpPr>
-            <a:spLocks noGrp="1"/>
-          </p:cNvSpPr>
-          <p:nvPr>
-            <p:ph type="title"/>
-          </p:nvPr>
-        </p:nvSpPr>
-        <p:spPr/>
-        <p:txBody>
-          <a:bodyPr/>
-          <a:lstStyle/>
-          <a:p>
-            <a:r>
-              <a:rPr lang="en-US" dirty="0"/>
-              <a:t>Spinner</a:t>
-            </a:r>
-          </a:p>
-        </p:txBody>
-      </p:sp>
-      <p:sp>
-        <p:nvSpPr>
-          <p:cNvPr id="3" name="Content Placeholder 2"/>
-          <p:cNvSpPr>
-            <a:spLocks noGrp="1"/>
-          </p:cNvSpPr>
-          <p:nvPr>
-            <p:ph idx="1"/>
-          </p:nvPr>
-        </p:nvSpPr>
-        <p:spPr/>
-        <p:txBody>
-          <a:bodyPr>
-            <a:normAutofit/>
-          </a:bodyPr>
-          <a:lstStyle/>
-          <a:p>
-            <a:pPr marL="0" indent="0">
-              <a:buNone/>
-            </a:pPr>
-            <a:r>
-              <a:rPr lang="en-US" sz="1800" dirty="0"/>
-              <a:t>&lt;Spinner</a:t>
-            </a:r>
-          </a:p>
-          <a:p>
-            <a:pPr marL="0" indent="0">
-              <a:buNone/>
-            </a:pPr>
-            <a:r>
-              <a:rPr lang="en-US" sz="1800" dirty="0" err="1"/>
-              <a:t>android:layout_width</a:t>
-            </a:r>
-            <a:r>
-              <a:rPr lang="en-US" sz="1800" dirty="0"/>
-              <a:t>="</a:t>
-            </a:r>
-            <a:r>
-              <a:rPr lang="en-US" sz="1800" dirty="0" err="1"/>
-              <a:t>match_parent</a:t>
-            </a:r>
-            <a:r>
-              <a:rPr lang="en-US" sz="1800" dirty="0"/>
-              <a:t>"</a:t>
-            </a:r>
-          </a:p>
-          <a:p>
-            <a:pPr marL="0" indent="0">
-              <a:buNone/>
-            </a:pPr>
-            <a:r>
-              <a:rPr lang="en-US" sz="1800" dirty="0" err="1"/>
-              <a:t>android:layout_height</a:t>
-            </a:r>
-            <a:r>
-              <a:rPr lang="en-US" sz="1800" dirty="0"/>
-              <a:t>="</a:t>
-            </a:r>
-            <a:r>
-              <a:rPr lang="en-US" sz="1800" dirty="0" err="1"/>
-              <a:t>wrap_content</a:t>
-            </a:r>
-            <a:r>
-              <a:rPr lang="en-US" sz="1800" dirty="0"/>
-              <a:t>"</a:t>
-            </a:r>
-          </a:p>
-          <a:p>
-            <a:pPr marL="0" indent="0">
-              <a:buNone/>
-            </a:pPr>
-            <a:r>
-              <a:rPr lang="en-US" sz="1800" dirty="0" err="1"/>
-              <a:t>android:id</a:t>
-            </a:r>
-            <a:r>
-              <a:rPr lang="en-US" sz="1800" dirty="0"/>
-              <a:t>="@+id/spinner" /&gt;</a:t>
-            </a:r>
-          </a:p>
-        </p:txBody>
-      </p:sp>
-    </p:spTree>
-    <p:extLst>
-      <p:ext uri="{BB962C8B-B14F-4D97-AF65-F5344CB8AC3E}">
-        <p14:creationId xmlns:p14="http://schemas.microsoft.com/office/powerpoint/2010/main" val="406558416"/>
-      </p:ext>
-    </p:extLst>
-  </p:cSld>
-  <p:clrMapOvr>
-    <a:masterClrMapping/>
-  </p:clrMapOvr>
-</p:sld>
-</file>
-
 <file path=ppt/slides/slide28.xml><?xml version="1.0" encoding="utf-8"?>
 <p:sld xmlns:a="http://schemas.openxmlformats.org/drawingml/2006/main" xmlns:r="http://schemas.openxmlformats.org/officeDocument/2006/relationships" xmlns:p="http://schemas.openxmlformats.org/presentationml/2006/main">
   <p:cSld>
@@ -17737,154 +18045,48 @@
           <a:lstStyle/>
           <a:p>
             <a:r>
-              <a:rPr lang="en-US" dirty="0">
-                <a:solidFill>
-                  <a:srgbClr val="FFFFFF"/>
-                </a:solidFill>
-              </a:rPr>
-              <a:t>Spinner Cell</a:t>
-            </a:r>
-          </a:p>
-        </p:txBody>
-      </p:sp>
-      <p:sp>
-        <p:nvSpPr>
-          <p:cNvPr id="3" name="Content Placeholder 2"/>
-          <p:cNvSpPr>
-            <a:spLocks noGrp="1"/>
-          </p:cNvSpPr>
+              <a:rPr lang="en-US" dirty="0"/>
+              <a:t>Spinner</a:t>
+            </a:r>
+          </a:p>
+        </p:txBody>
+      </p:sp>
+      <p:pic>
+        <p:nvPicPr>
+          <p:cNvPr id="4" name="Content Placeholder 3"/>
+          <p:cNvPicPr>
+            <a:picLocks noGrp="1" noChangeAspect="1"/>
+          </p:cNvPicPr>
           <p:nvPr>
-            <p:ph idx="1"/>
+            <p:ph idx="4294967295"/>
           </p:nvPr>
-        </p:nvSpPr>
-        <p:spPr/>
-        <p:txBody>
-          <a:bodyPr/>
-          <a:lstStyle/>
-          <a:p>
-            <a:pPr marL="0" indent="0">
-              <a:buNone/>
-            </a:pPr>
-            <a:r>
-              <a:rPr lang="en-US" dirty="0"/>
-              <a:t>&lt;?xml version="1.0" encoding="UTF-8"?&gt;</a:t>
-            </a:r>
-          </a:p>
-          <a:p>
-            <a:pPr marL="0" indent="0">
-              <a:buNone/>
-            </a:pPr>
-            <a:r>
-              <a:rPr lang="en-US" dirty="0"/>
-              <a:t>&lt;</a:t>
-            </a:r>
-            <a:r>
-              <a:rPr lang="en-US" dirty="0" err="1"/>
-              <a:t>TextView</a:t>
-            </a:r>
-            <a:r>
-              <a:rPr lang="en-US" dirty="0"/>
-              <a:t> </a:t>
-            </a:r>
-            <a:r>
-              <a:rPr lang="en-US" dirty="0" err="1"/>
-              <a:t>xmlns:android</a:t>
-            </a:r>
-            <a:r>
-              <a:rPr lang="en-US" dirty="0"/>
-              <a:t>="http://schemas.android.com/</a:t>
-            </a:r>
-            <a:r>
-              <a:rPr lang="en-US" dirty="0" err="1"/>
-              <a:t>apk</a:t>
-            </a:r>
-            <a:r>
-              <a:rPr lang="en-US" dirty="0"/>
-              <a:t>/res/android"</a:t>
-            </a:r>
-          </a:p>
-          <a:p>
-            <a:pPr marL="0" indent="0">
-              <a:buNone/>
-            </a:pPr>
-            <a:r>
-              <a:rPr lang="en-US" dirty="0" err="1"/>
-              <a:t>android:id</a:t>
-            </a:r>
-            <a:r>
-              <a:rPr lang="en-US" dirty="0"/>
-              <a:t>="@+id/</a:t>
-            </a:r>
-            <a:r>
-              <a:rPr lang="en-US" dirty="0" err="1"/>
-              <a:t>textItem</a:t>
-            </a:r>
-            <a:r>
-              <a:rPr lang="en-US" dirty="0"/>
-              <a:t>"</a:t>
-            </a:r>
-          </a:p>
-          <a:p>
-            <a:pPr marL="0" indent="0">
-              <a:buNone/>
-            </a:pPr>
-            <a:r>
-              <a:rPr lang="en-US" dirty="0" err="1"/>
-              <a:t>android:textSize</a:t>
-            </a:r>
-            <a:r>
-              <a:rPr lang="en-US" dirty="0"/>
-              <a:t>="44sp"</a:t>
-            </a:r>
-          </a:p>
-          <a:p>
-            <a:pPr marL="0" indent="0">
-              <a:buNone/>
-            </a:pPr>
-            <a:r>
-              <a:rPr lang="en-US" dirty="0" err="1"/>
-              <a:t>android:layout_width</a:t>
-            </a:r>
-            <a:r>
-              <a:rPr lang="en-US" dirty="0"/>
-              <a:t>="</a:t>
-            </a:r>
-            <a:r>
-              <a:rPr lang="en-US" dirty="0" err="1"/>
-              <a:t>fill_parent</a:t>
-            </a:r>
-            <a:r>
-              <a:rPr lang="en-US" dirty="0"/>
-              <a:t>"</a:t>
-            </a:r>
-          </a:p>
-          <a:p>
-            <a:pPr marL="0" indent="0">
-              <a:buNone/>
-            </a:pPr>
-            <a:r>
-              <a:rPr lang="en-US" dirty="0" err="1"/>
-              <a:t>android:layout_height</a:t>
-            </a:r>
-            <a:r>
-              <a:rPr lang="en-US" dirty="0"/>
-              <a:t>="</a:t>
-            </a:r>
-            <a:r>
-              <a:rPr lang="en-US" dirty="0" err="1"/>
-              <a:t>wrap_content</a:t>
-            </a:r>
-            <a:r>
-              <a:rPr lang="en-US" dirty="0"/>
-              <a:t>" /&gt;</a:t>
-            </a:r>
-          </a:p>
-        </p:txBody>
-      </p:sp>
+        </p:nvPicPr>
+        <p:blipFill>
+          <a:blip r:embed="rId3">
+            <a:extLst>
+              <a:ext uri="{28A0092B-C50C-407E-A947-70E740481C1C}">
+                <a14:useLocalDpi xmlns:a14="http://schemas.microsoft.com/office/drawing/2010/main" val="0"/>
+              </a:ext>
+            </a:extLst>
+          </a:blip>
+          <a:stretch>
+            <a:fillRect/>
+          </a:stretch>
+        </p:blipFill>
+        <p:spPr>
+          <a:xfrm>
+            <a:off x="4748213" y="1527175"/>
+            <a:ext cx="2695575" cy="5084763"/>
+          </a:xfrm>
+          <a:prstGeom prst="rect">
+            <a:avLst/>
+          </a:prstGeom>
+        </p:spPr>
+      </p:pic>
     </p:spTree>
     <p:extLst>
       <p:ext uri="{BB962C8B-B14F-4D97-AF65-F5344CB8AC3E}">
-        <p14:creationId xmlns:p14="http://schemas.microsoft.com/office/powerpoint/2010/main" val="2564236699"/>
+        <p14:creationId xmlns:p14="http://schemas.microsoft.com/office/powerpoint/2010/main" val="9626475"/>
       </p:ext>
     </p:extLst>
   </p:cSld>
@@ -17927,12 +18129,8 @@
           <a:lstStyle/>
           <a:p>
             <a:r>
-              <a:rPr lang="en-US" dirty="0">
-                <a:solidFill>
-                  <a:srgbClr val="FFFFFF"/>
-                </a:solidFill>
-              </a:rPr>
-              <a:t>Spinner Implementation</a:t>
+              <a:rPr lang="en-US" dirty="0"/>
+              <a:t>Spinner</a:t>
             </a:r>
           </a:p>
         </p:txBody>
@@ -17958,20 +18156,8 @@
               <a:buNone/>
             </a:pPr>
             <a:r>
-              <a:rPr lang="en-US" sz="2000" dirty="0" err="1"/>
-              <a:t>SetContentView</a:t>
-            </a:r>
-            <a:r>
-              <a:rPr lang="en-US" sz="2000" dirty="0"/>
-              <a:t> (</a:t>
-            </a:r>
-            <a:r>
-              <a:rPr lang="en-US" sz="2000" dirty="0" err="1"/>
-              <a:t>Resource.Layout.Spinner</a:t>
-            </a:r>
-            <a:r>
-              <a:rPr lang="en-US" sz="2000" dirty="0"/>
-              <a:t>);</a:t>
+              <a:rPr lang="en-US" sz="1800" dirty="0"/>
+              <a:t>&lt;Spinner</a:t>
             </a:r>
           </a:p>
           <a:p>
@@ -17979,104 +18165,54 @@
               <a:buNone/>
             </a:pPr>
             <a:r>
-              <a:rPr lang="en-US" sz="2000" dirty="0"/>
-              <a:t>Spinner </a:t>
-            </a:r>
-            <a:r>
-              <a:rPr lang="en-US" sz="2000" dirty="0" err="1"/>
-              <a:t>spinner</a:t>
-            </a:r>
-            <a:r>
-              <a:rPr lang="en-US" sz="2000" dirty="0"/>
-              <a:t> = </a:t>
-            </a:r>
-            <a:r>
-              <a:rPr lang="en-US" sz="2000" dirty="0" err="1"/>
-              <a:t>FindViewById</a:t>
-            </a:r>
-            <a:r>
-              <a:rPr lang="en-US" sz="2000" dirty="0"/>
-              <a:t>&lt;Spinner&gt; (</a:t>
-            </a:r>
-            <a:r>
-              <a:rPr lang="en-US" sz="2000" dirty="0" err="1"/>
-              <a:t>Resource.Id.spinner</a:t>
-            </a:r>
-            <a:r>
-              <a:rPr lang="en-US" sz="2000" dirty="0"/>
-              <a:t>);</a:t>
+              <a:rPr lang="en-US" sz="1800" dirty="0" err="1"/>
+              <a:t>android:layout_width</a:t>
+            </a:r>
+            <a:r>
+              <a:rPr lang="en-US" sz="1800" dirty="0"/>
+              <a:t>="</a:t>
+            </a:r>
+            <a:r>
+              <a:rPr lang="en-US" sz="1800" dirty="0" err="1"/>
+              <a:t>match_parent</a:t>
+            </a:r>
+            <a:r>
+              <a:rPr lang="en-US" sz="1800" dirty="0"/>
+              <a:t>"</a:t>
             </a:r>
           </a:p>
           <a:p>
             <a:pPr marL="0" indent="0">
               <a:buNone/>
             </a:pPr>
-            <a:endParaRPr lang="en-US" sz="2000" dirty="0"/>
+            <a:r>
+              <a:rPr lang="en-US" sz="1800" dirty="0" err="1"/>
+              <a:t>android:layout_height</a:t>
+            </a:r>
+            <a:r>
+              <a:rPr lang="en-US" sz="1800" dirty="0"/>
+              <a:t>="</a:t>
+            </a:r>
+            <a:r>
+              <a:rPr lang="en-US" sz="1800" dirty="0" err="1"/>
+              <a:t>wrap_content</a:t>
+            </a:r>
+            <a:r>
+              <a:rPr lang="en-US" sz="1800" dirty="0"/>
+              <a:t>"</a:t>
+            </a:r>
           </a:p>
           <a:p>
             <a:pPr marL="0" indent="0">
               <a:buNone/>
             </a:pPr>
             <a:r>
-              <a:rPr lang="en-US" sz="2000" dirty="0"/>
-              <a:t>string[] options = {"one", "two", "three", "four", "five"} ;</a:t>
-            </a:r>
-          </a:p>
-          <a:p>
-            <a:pPr marL="0" indent="0">
-              <a:buNone/>
-            </a:pPr>
-            <a:endParaRPr lang="en-US" sz="2000" dirty="0"/>
-          </a:p>
-          <a:p>
-            <a:pPr marL="0" indent="0">
-              <a:buNone/>
-            </a:pPr>
-            <a:r>
-              <a:rPr lang="en-US" sz="2000" dirty="0" err="1"/>
-              <a:t>ArrayAdapter</a:t>
-            </a:r>
-            <a:r>
-              <a:rPr lang="en-US" sz="2000" dirty="0"/>
-              <a:t> adapter = new </a:t>
-            </a:r>
-            <a:r>
-              <a:rPr lang="en-US" sz="2000" dirty="0" err="1"/>
-              <a:t>ArrayAdapter</a:t>
-            </a:r>
-            <a:r>
-              <a:rPr lang="en-US" sz="2000" dirty="0"/>
-              <a:t> (this, </a:t>
-            </a:r>
-            <a:r>
-              <a:rPr lang="en-US" sz="2000" dirty="0" err="1"/>
-              <a:t>Resource.Layout.TextViewForSpinner</a:t>
-            </a:r>
-            <a:r>
-              <a:rPr lang="en-US" sz="2000" dirty="0"/>
-              <a:t>,</a:t>
-            </a:r>
-          </a:p>
-          <a:p>
-            <a:pPr marL="0" indent="0">
-              <a:buNone/>
-            </a:pPr>
-            <a:r>
-              <a:rPr lang="en-US" sz="2000" dirty="0"/>
-              <a:t>options);</a:t>
-            </a:r>
-          </a:p>
-          <a:p>
-            <a:pPr marL="0" indent="0">
-              <a:buNone/>
-            </a:pPr>
-            <a:r>
-              <a:rPr lang="en-US" sz="2000" dirty="0" err="1"/>
-              <a:t>spinner.Adapter</a:t>
-            </a:r>
-            <a:r>
-              <a:rPr lang="en-US" sz="2000" dirty="0"/>
-              <a:t> = adapter;</a:t>
+              <a:rPr lang="en-US" sz="1800" dirty="0" err="1"/>
+              <a:t>android:id</a:t>
+            </a:r>
+            <a:r>
+              <a:rPr lang="en-US" sz="1800" dirty="0"/>
+              <a:t>="@+id/spinner" /&gt;</a:t>
             </a:r>
           </a:p>
         </p:txBody>
@@ -18084,7 +18220,7 @@
     </p:spTree>
     <p:extLst>
       <p:ext uri="{BB962C8B-B14F-4D97-AF65-F5344CB8AC3E}">
-        <p14:creationId xmlns:p14="http://schemas.microsoft.com/office/powerpoint/2010/main" val="3634464508"/>
+        <p14:creationId xmlns:p14="http://schemas.microsoft.com/office/powerpoint/2010/main" val="406558416"/>
       </p:ext>
     </p:extLst>
   </p:cSld>
@@ -18543,48 +18679,154 @@
           <a:lstStyle/>
           <a:p>
             <a:r>
+              <a:rPr lang="en-US" dirty="0">
+                <a:solidFill>
+                  <a:srgbClr val="FFFFFF"/>
+                </a:solidFill>
+              </a:rPr>
+              <a:t>Spinner Cell</a:t>
+            </a:r>
+          </a:p>
+        </p:txBody>
+      </p:sp>
+      <p:sp>
+        <p:nvSpPr>
+          <p:cNvPr id="3" name="Content Placeholder 2"/>
+          <p:cNvSpPr>
+            <a:spLocks noGrp="1"/>
+          </p:cNvSpPr>
+          <p:nvPr>
+            <p:ph idx="1"/>
+          </p:nvPr>
+        </p:nvSpPr>
+        <p:spPr/>
+        <p:txBody>
+          <a:bodyPr/>
+          <a:lstStyle/>
+          <a:p>
+            <a:pPr marL="0" indent="0">
+              <a:buNone/>
+            </a:pPr>
+            <a:r>
               <a:rPr lang="en-US" dirty="0"/>
-              <a:t>Spinner</a:t>
-            </a:r>
-          </a:p>
-        </p:txBody>
-      </p:sp>
-      <p:pic>
-        <p:nvPicPr>
-          <p:cNvPr id="4" name="Content Placeholder 3"/>
-          <p:cNvPicPr>
-            <a:picLocks noGrp="1" noChangeAspect="1"/>
-          </p:cNvPicPr>
-          <p:nvPr>
-            <p:ph idx="4294967295"/>
-          </p:nvPr>
-        </p:nvPicPr>
-        <p:blipFill>
-          <a:blip r:embed="rId3">
-            <a:extLst>
-              <a:ext uri="{28A0092B-C50C-407E-A947-70E740481C1C}">
-                <a14:useLocalDpi xmlns:a14="http://schemas.microsoft.com/office/drawing/2010/main" val="0"/>
-              </a:ext>
-            </a:extLst>
-          </a:blip>
-          <a:stretch>
-            <a:fillRect/>
-          </a:stretch>
-        </p:blipFill>
-        <p:spPr>
-          <a:xfrm>
-            <a:off x="4748213" y="1527175"/>
-            <a:ext cx="2695575" cy="5084763"/>
-          </a:xfrm>
-          <a:prstGeom prst="rect">
-            <a:avLst/>
-          </a:prstGeom>
-        </p:spPr>
-      </p:pic>
+              <a:t>&lt;?xml version="1.0" encoding="UTF-8"?&gt;</a:t>
+            </a:r>
+          </a:p>
+          <a:p>
+            <a:pPr marL="0" indent="0">
+              <a:buNone/>
+            </a:pPr>
+            <a:r>
+              <a:rPr lang="en-US" dirty="0"/>
+              <a:t>&lt;</a:t>
+            </a:r>
+            <a:r>
+              <a:rPr lang="en-US" dirty="0" err="1"/>
+              <a:t>TextView</a:t>
+            </a:r>
+            <a:r>
+              <a:rPr lang="en-US" dirty="0"/>
+              <a:t> </a:t>
+            </a:r>
+            <a:r>
+              <a:rPr lang="en-US" dirty="0" err="1"/>
+              <a:t>xmlns:android</a:t>
+            </a:r>
+            <a:r>
+              <a:rPr lang="en-US" dirty="0"/>
+              <a:t>="http://schemas.android.com/</a:t>
+            </a:r>
+            <a:r>
+              <a:rPr lang="en-US" dirty="0" err="1"/>
+              <a:t>apk</a:t>
+            </a:r>
+            <a:r>
+              <a:rPr lang="en-US" dirty="0"/>
+              <a:t>/res/android"</a:t>
+            </a:r>
+          </a:p>
+          <a:p>
+            <a:pPr marL="0" indent="0">
+              <a:buNone/>
+            </a:pPr>
+            <a:r>
+              <a:rPr lang="en-US" dirty="0" err="1"/>
+              <a:t>android:id</a:t>
+            </a:r>
+            <a:r>
+              <a:rPr lang="en-US" dirty="0"/>
+              <a:t>="@+id/</a:t>
+            </a:r>
+            <a:r>
+              <a:rPr lang="en-US" dirty="0" err="1"/>
+              <a:t>textItem</a:t>
+            </a:r>
+            <a:r>
+              <a:rPr lang="en-US" dirty="0"/>
+              <a:t>"</a:t>
+            </a:r>
+          </a:p>
+          <a:p>
+            <a:pPr marL="0" indent="0">
+              <a:buNone/>
+            </a:pPr>
+            <a:r>
+              <a:rPr lang="en-US" dirty="0" err="1"/>
+              <a:t>android:textSize</a:t>
+            </a:r>
+            <a:r>
+              <a:rPr lang="en-US" dirty="0"/>
+              <a:t>="44sp"</a:t>
+            </a:r>
+          </a:p>
+          <a:p>
+            <a:pPr marL="0" indent="0">
+              <a:buNone/>
+            </a:pPr>
+            <a:r>
+              <a:rPr lang="en-US" dirty="0" err="1"/>
+              <a:t>android:layout_width</a:t>
+            </a:r>
+            <a:r>
+              <a:rPr lang="en-US" dirty="0"/>
+              <a:t>="</a:t>
+            </a:r>
+            <a:r>
+              <a:rPr lang="en-US" dirty="0" err="1"/>
+              <a:t>fill_parent</a:t>
+            </a:r>
+            <a:r>
+              <a:rPr lang="en-US" dirty="0"/>
+              <a:t>"</a:t>
+            </a:r>
+          </a:p>
+          <a:p>
+            <a:pPr marL="0" indent="0">
+              <a:buNone/>
+            </a:pPr>
+            <a:r>
+              <a:rPr lang="en-US" dirty="0" err="1"/>
+              <a:t>android:layout_height</a:t>
+            </a:r>
+            <a:r>
+              <a:rPr lang="en-US" dirty="0"/>
+              <a:t>="</a:t>
+            </a:r>
+            <a:r>
+              <a:rPr lang="en-US" dirty="0" err="1"/>
+              <a:t>wrap_content</a:t>
+            </a:r>
+            <a:r>
+              <a:rPr lang="en-US" dirty="0"/>
+              <a:t>" /&gt;</a:t>
+            </a:r>
+          </a:p>
+        </p:txBody>
+      </p:sp>
     </p:spTree>
     <p:extLst>
       <p:ext uri="{BB962C8B-B14F-4D97-AF65-F5344CB8AC3E}">
-        <p14:creationId xmlns:p14="http://schemas.microsoft.com/office/powerpoint/2010/main" val="9626475"/>
+        <p14:creationId xmlns:p14="http://schemas.microsoft.com/office/powerpoint/2010/main" val="2564236699"/>
       </p:ext>
     </p:extLst>
   </p:cSld>
@@ -18595,6 +18837,206 @@
 </file>
 
 <file path=ppt/slides/slide31.xml><?xml version="1.0" encoding="utf-8"?>
+<p:sld xmlns:a="http://schemas.openxmlformats.org/drawingml/2006/main" xmlns:r="http://schemas.openxmlformats.org/officeDocument/2006/relationships" xmlns:p="http://schemas.openxmlformats.org/presentationml/2006/main">
+  <p:cSld>
+    <p:spTree>
+      <p:nvGrpSpPr>
+        <p:cNvPr id="1" name=""/>
+        <p:cNvGrpSpPr/>
+        <p:nvPr/>
+      </p:nvGrpSpPr>
+      <p:grpSpPr>
+        <a:xfrm>
+          <a:off x="0" y="0"/>
+          <a:ext cx="0" cy="0"/>
+          <a:chOff x="0" y="0"/>
+          <a:chExt cx="0" cy="0"/>
+        </a:xfrm>
+      </p:grpSpPr>
+      <p:sp>
+        <p:nvSpPr>
+          <p:cNvPr id="2" name="Title 1"/>
+          <p:cNvSpPr>
+            <a:spLocks noGrp="1"/>
+          </p:cNvSpPr>
+          <p:nvPr>
+            <p:ph type="title"/>
+          </p:nvPr>
+        </p:nvSpPr>
+        <p:spPr/>
+        <p:txBody>
+          <a:bodyPr/>
+          <a:lstStyle/>
+          <a:p>
+            <a:r>
+              <a:rPr lang="en-US" dirty="0">
+                <a:solidFill>
+                  <a:srgbClr val="FFFFFF"/>
+                </a:solidFill>
+              </a:rPr>
+              <a:t>Spinner Implementation</a:t>
+            </a:r>
+          </a:p>
+        </p:txBody>
+      </p:sp>
+      <p:sp>
+        <p:nvSpPr>
+          <p:cNvPr id="3" name="Content Placeholder 2"/>
+          <p:cNvSpPr>
+            <a:spLocks noGrp="1"/>
+          </p:cNvSpPr>
+          <p:nvPr>
+            <p:ph idx="1"/>
+          </p:nvPr>
+        </p:nvSpPr>
+        <p:spPr/>
+        <p:txBody>
+          <a:bodyPr>
+            <a:normAutofit/>
+          </a:bodyPr>
+          <a:lstStyle/>
+          <a:p>
+            <a:pPr marL="0" indent="0">
+              <a:buNone/>
+            </a:pPr>
+            <a:r>
+              <a:rPr lang="en-US" sz="2000" dirty="0" err="1"/>
+              <a:t>SetContentView</a:t>
+            </a:r>
+            <a:r>
+              <a:rPr lang="en-US" sz="2000" dirty="0"/>
+              <a:t> (</a:t>
+            </a:r>
+            <a:r>
+              <a:rPr lang="en-US" sz="2000" dirty="0" err="1"/>
+              <a:t>Resource.Layout.Spinner</a:t>
+            </a:r>
+            <a:r>
+              <a:rPr lang="en-US" sz="2000" dirty="0"/>
+              <a:t>);</a:t>
+            </a:r>
+          </a:p>
+          <a:p>
+            <a:pPr marL="0" indent="0">
+              <a:buNone/>
+            </a:pPr>
+            <a:r>
+              <a:rPr lang="en-US" sz="2000" dirty="0"/>
+              <a:t>Spinner </a:t>
+            </a:r>
+            <a:r>
+              <a:rPr lang="en-US" sz="2000" dirty="0" err="1"/>
+              <a:t>spinner</a:t>
+            </a:r>
+            <a:r>
+              <a:rPr lang="en-US" sz="2000" dirty="0"/>
+              <a:t> = </a:t>
+            </a:r>
+            <a:r>
+              <a:rPr lang="en-US" sz="2000" dirty="0" err="1"/>
+              <a:t>FindViewById</a:t>
+            </a:r>
+            <a:r>
+              <a:rPr lang="en-US" sz="2000" dirty="0"/>
+              <a:t>&lt;Spinner&gt; (</a:t>
+            </a:r>
+            <a:r>
+              <a:rPr lang="en-US" sz="2000" dirty="0" err="1"/>
+              <a:t>Resource.Id.spinner</a:t>
+            </a:r>
+            <a:r>
+              <a:rPr lang="en-US" sz="2000" dirty="0"/>
+              <a:t>);</a:t>
+            </a:r>
+          </a:p>
+          <a:p>
+            <a:pPr marL="0" indent="0">
+              <a:buNone/>
+            </a:pPr>
+            <a:endParaRPr lang="en-US" sz="2000" dirty="0"/>
+          </a:p>
+          <a:p>
+            <a:pPr marL="0" indent="0">
+              <a:buNone/>
+            </a:pPr>
+            <a:r>
+              <a:rPr lang="en-US" sz="2000" dirty="0"/>
+              <a:t>string[] options = {"one", "two", "three", "four", "five"} ;</a:t>
+            </a:r>
+          </a:p>
+          <a:p>
+            <a:pPr marL="0" indent="0">
+              <a:buNone/>
+            </a:pPr>
+            <a:endParaRPr lang="en-US" sz="2000" dirty="0"/>
+          </a:p>
+          <a:p>
+            <a:pPr marL="0" indent="0">
+              <a:buNone/>
+            </a:pPr>
+            <a:r>
+              <a:rPr lang="en-US" sz="2000" dirty="0" err="1"/>
+              <a:t>ArrayAdapter</a:t>
+            </a:r>
+            <a:r>
+              <a:rPr lang="en-US" sz="2000" dirty="0"/>
+              <a:t> adapter = new </a:t>
+            </a:r>
+            <a:r>
+              <a:rPr lang="en-US" sz="2000" dirty="0" err="1"/>
+              <a:t>ArrayAdapter</a:t>
+            </a:r>
+            <a:r>
+              <a:rPr lang="en-US" sz="2000" dirty="0"/>
+              <a:t> (this, </a:t>
+            </a:r>
+            <a:r>
+              <a:rPr lang="en-US" sz="2000" dirty="0" err="1"/>
+              <a:t>Resource.Layout.TextViewForSpinner</a:t>
+            </a:r>
+            <a:r>
+              <a:rPr lang="en-US" sz="2000" dirty="0"/>
+              <a:t>,</a:t>
+            </a:r>
+          </a:p>
+          <a:p>
+            <a:pPr marL="0" indent="0">
+              <a:buNone/>
+            </a:pPr>
+            <a:r>
+              <a:rPr lang="en-US" sz="2000" dirty="0"/>
+              <a:t>options);</a:t>
+            </a:r>
+          </a:p>
+          <a:p>
+            <a:pPr marL="0" indent="0">
+              <a:buNone/>
+            </a:pPr>
+            <a:r>
+              <a:rPr lang="en-US" sz="2000" dirty="0" err="1"/>
+              <a:t>spinner.Adapter</a:t>
+            </a:r>
+            <a:r>
+              <a:rPr lang="en-US" sz="2000" dirty="0"/>
+              <a:t> = adapter;</a:t>
+            </a:r>
+          </a:p>
+        </p:txBody>
+      </p:sp>
+    </p:spTree>
+    <p:extLst>
+      <p:ext uri="{BB962C8B-B14F-4D97-AF65-F5344CB8AC3E}">
+        <p14:creationId xmlns:p14="http://schemas.microsoft.com/office/powerpoint/2010/main" val="3634464508"/>
+      </p:ext>
+    </p:extLst>
+  </p:cSld>
+  <p:clrMapOvr>
+    <a:masterClrMapping/>
+  </p:clrMapOvr>
+</p:sld>
+</file>
+
+<file path=ppt/slides/slide32.xml><?xml version="1.0" encoding="utf-8"?>
 <p:sld xmlns:a="http://schemas.openxmlformats.org/drawingml/2006/main" xmlns:r="http://schemas.openxmlformats.org/officeDocument/2006/relationships" xmlns:p="http://schemas.openxmlformats.org/presentationml/2006/main">
   <p:cSld>
     <p:spTree>
@@ -18687,7 +19129,7 @@
               <a:buChar char="§"/>
             </a:pPr>
             <a:r>
-              <a:rPr lang="en-US" sz="2800" smtClean="0"/>
+              <a:rPr lang="en-US" sz="2800"/>
               <a:t>To understand Android </a:t>
             </a:r>
             <a:r>
@@ -19850,21 +20292,8 @@
                   <a:srgbClr val="000000"/>
                 </a:solidFill>
               </a:rPr>
-              <a:t>Often found behind a full-screen layout (or View</a:t>
-            </a:r>
-            <a:r>
-              <a:rPr lang="en-US" sz="2400" dirty="0" smtClean="0">
-                <a:solidFill>
-                  <a:srgbClr val="000000"/>
-                </a:solidFill>
-              </a:rPr>
-              <a:t>)</a:t>
-            </a:r>
-            <a:endParaRPr lang="en-US" sz="2400" dirty="0">
-              <a:solidFill>
-                <a:srgbClr val="000000"/>
-              </a:solidFill>
-            </a:endParaRPr>
+              <a:t>Often found behind a full-screen layout (or View)</a:t>
+            </a:r>
           </a:p>
           <a:p>
             <a:pPr marL="1257300" lvl="2" indent="-342900">
@@ -19877,21 +20306,8 @@
                   <a:srgbClr val="000000"/>
                 </a:solidFill>
               </a:rPr>
-              <a:t>Acts as a Controller or View-</a:t>
-            </a:r>
-            <a:r>
-              <a:rPr lang="en-US" sz="2400" dirty="0" smtClean="0">
-                <a:solidFill>
-                  <a:srgbClr val="000000"/>
-                </a:solidFill>
-              </a:rPr>
-              <a:t>Controller</a:t>
-            </a:r>
-            <a:endParaRPr lang="en-US" sz="2400" dirty="0">
-              <a:solidFill>
-                <a:srgbClr val="000000"/>
-              </a:solidFill>
-            </a:endParaRPr>
+              <a:t>Acts as a Controller or View-Controller</a:t>
+            </a:r>
           </a:p>
           <a:p>
             <a:pPr marL="1257300" lvl="2" indent="-342900">
@@ -22609,7 +23025,7 @@
   <a:extraClrSchemeLst/>
   <a:extLst>
     <a:ext uri="{05A4C25C-085E-4340-85A3-A5531E510DB2}">
-      <thm15:themeFamily xmlns="" xmlns:thm15="http://schemas.microsoft.com/office/thememl/2012/main" name="Office Theme" id="{62F939B6-93AF-4DB8-9C6B-D6C7DFDC589F}" vid="{4A3C46E8-61CC-4603-A589-7422A47A8E4A}"/>
+      <thm15:themeFamily xmlns:thm15="http://schemas.microsoft.com/office/thememl/2012/main" xmlns="" name="Office Theme" id="{62F939B6-93AF-4DB8-9C6B-D6C7DFDC589F}" vid="{4A3C46E8-61CC-4603-A589-7422A47A8E4A}"/>
     </a:ext>
   </a:extLst>
 </a:theme>
